--- a/Componentes-teoricos/Slide móvil sesión 16 semana 6 .pptx
+++ b/Componentes-teoricos/Slide móvil sesión 16 semana 6 .pptx
@@ -27,14 +27,6 @@
     <p:sldId id="272" r:id="rId22"/>
     <p:sldId id="273" r:id="rId23"/>
     <p:sldId id="274" r:id="rId24"/>
-    <p:sldId id="275" r:id="rId25"/>
-    <p:sldId id="276" r:id="rId26"/>
-    <p:sldId id="277" r:id="rId27"/>
-    <p:sldId id="278" r:id="rId28"/>
-    <p:sldId id="279" r:id="rId29"/>
-    <p:sldId id="280" r:id="rId30"/>
-    <p:sldId id="281" r:id="rId31"/>
-    <p:sldId id="282" r:id="rId32"/>
   </p:sldIdLst>
   <p:sldSz cy="5143500" cx="9144000"/>
   <p:notesSz cx="6858000" cy="9144000"/>
@@ -283,7 +275,7 @@
       </p15:sldGuideLst>
     </p:ext>
     <p:ext uri="http://customooxmlschemas.google.com/">
-      <go:slidesCustomData xmlns:go="http://customooxmlschemas.google.com/" r:id="rId33" roundtripDataSignature="AMtx7mgDPq3q69BsUgAV3HW5X+8nEXo4sA=="/>
+      <go:slidesCustomData xmlns:go="http://customooxmlschemas.google.com/" r:id="rId25" roundtripDataSignature="AMtx7mgUz2nuQL5LoMQuawB6AsaVhOuNKQ=="/>
     </p:ext>
   </p:extLst>
 </p:presentation>
@@ -972,7 +964,7 @@
   <p:cSld>
     <p:spTree>
       <p:nvGrpSpPr>
-        <p:cNvPr id="196" name="Shape 196"/>
+        <p:cNvPr id="197" name="Shape 197"/>
         <p:cNvGrpSpPr/>
         <p:nvPr/>
       </p:nvGrpSpPr>
@@ -986,7 +978,7 @@
       </p:grpSpPr>
       <p:sp>
         <p:nvSpPr>
-          <p:cNvPr id="197" name="Google Shape;197;gee8943ef34_0_35:notes"/>
+          <p:cNvPr id="198" name="Google Shape;198;gee8943ef34_0_91:notes"/>
           <p:cNvSpPr txBox="1"/>
           <p:nvPr>
             <p:ph idx="1" type="body"/>
@@ -1033,7 +1025,7 @@
       </p:sp>
       <p:sp>
         <p:nvSpPr>
-          <p:cNvPr id="198" name="Google Shape;198;gee8943ef34_0_35:notes"/>
+          <p:cNvPr id="199" name="Google Shape;199;gee8943ef34_0_91:notes"/>
           <p:cNvSpPr/>
           <p:nvPr>
             <p:ph idx="2" type="sldImg"/>
@@ -1089,7 +1081,7 @@
   <p:cSld>
     <p:spTree>
       <p:nvGrpSpPr>
-        <p:cNvPr id="202" name="Shape 202"/>
+        <p:cNvPr id="205" name="Shape 205"/>
         <p:cNvGrpSpPr/>
         <p:nvPr/>
       </p:nvGrpSpPr>
@@ -1103,54 +1095,7 @@
       </p:grpSpPr>
       <p:sp>
         <p:nvSpPr>
-          <p:cNvPr id="203" name="Google Shape;203;gee8943ef34_0_43:notes"/>
-          <p:cNvSpPr txBox="1"/>
-          <p:nvPr>
-            <p:ph idx="1" type="body"/>
-          </p:nvPr>
-        </p:nvSpPr>
-        <p:spPr>
-          <a:xfrm>
-            <a:off x="685800" y="4343400"/>
-            <a:ext cx="5486400" cy="4114800"/>
-          </a:xfrm>
-          <a:prstGeom prst="rect">
-            <a:avLst/>
-          </a:prstGeom>
-          <a:noFill/>
-          <a:ln>
-            <a:noFill/>
-          </a:ln>
-        </p:spPr>
-        <p:txBody>
-          <a:bodyPr anchorCtr="0" anchor="t" bIns="91425" lIns="91425" spcFirstLastPara="1" rIns="91425" wrap="square" tIns="91425">
-            <a:noAutofit/>
-          </a:bodyPr>
-          <a:lstStyle/>
-          <a:p>
-            <a:pPr indent="0" lvl="0" marL="0" rtl="0" algn="l">
-              <a:lnSpc>
-                <a:spcPct val="100000"/>
-              </a:lnSpc>
-              <a:spcBef>
-                <a:spcPts val="0"/>
-              </a:spcBef>
-              <a:spcAft>
-                <a:spcPts val="0"/>
-              </a:spcAft>
-              <a:buSzPts val="1100"/>
-              <a:buNone/>
-            </a:pPr>
-            <a:r>
-              <a:t/>
-            </a:r>
-            <a:endParaRPr/>
-          </a:p>
-        </p:txBody>
-      </p:sp>
-      <p:sp>
-        <p:nvSpPr>
-          <p:cNvPr id="204" name="Google Shape;204;gee8943ef34_0_43:notes"/>
+          <p:cNvPr id="206" name="Google Shape;206;gf246b92923_0_11:notes"/>
           <p:cNvSpPr/>
           <p:nvPr>
             <p:ph idx="2" type="sldImg"/>
@@ -1193,34 +1138,9 @@
           </a:ln>
         </p:spPr>
       </p:sp>
-    </p:spTree>
-  </p:cSld>
-  <p:clrMapOvr>
-    <a:masterClrMapping/>
-  </p:clrMapOvr>
-</p:notes>
-</file>
-
-<file path=ppt/notesSlides/notesSlide12.xml><?xml version="1.0" encoding="utf-8"?>
-<p:notes xmlns:a="http://schemas.openxmlformats.org/drawingml/2006/main" xmlns:r="http://schemas.openxmlformats.org/officeDocument/2006/relationships" xmlns:mc="http://schemas.openxmlformats.org/markup-compatibility/2006" xmlns:mv="urn:schemas-microsoft-com:mac:vml" xmlns:p="http://schemas.openxmlformats.org/presentationml/2006/main" xmlns:c="http://schemas.openxmlformats.org/drawingml/2006/chart" xmlns:dgm="http://schemas.openxmlformats.org/drawingml/2006/diagram" xmlns:o="urn:schemas-microsoft-com:office:office" xmlns:v="urn:schemas-microsoft-com:vml" xmlns:pvml="urn:schemas-microsoft-com:office:powerpoint" xmlns:com="http://schemas.openxmlformats.org/drawingml/2006/compatibility" xmlns:p14="http://schemas.microsoft.com/office/powerpoint/2010/main" xmlns:p15="http://schemas.microsoft.com/office/powerpoint/2012/main" xmlns:ahyp="http://schemas.microsoft.com/office/drawing/2018/hyperlinkcolor" showMasterPhAnim="0" showMasterSp="0">
-  <p:cSld>
-    <p:spTree>
-      <p:nvGrpSpPr>
-        <p:cNvPr id="208" name="Shape 208"/>
-        <p:cNvGrpSpPr/>
-        <p:nvPr/>
-      </p:nvGrpSpPr>
-      <p:grpSpPr>
-        <a:xfrm>
-          <a:off x="0" y="0"/>
-          <a:ext cx="0" cy="0"/>
-          <a:chOff x="0" y="0"/>
-          <a:chExt cx="0" cy="0"/>
-        </a:xfrm>
-      </p:grpSpPr>
       <p:sp>
         <p:nvSpPr>
-          <p:cNvPr id="209" name="Google Shape;209;gee8943ef34_0_50:notes"/>
+          <p:cNvPr id="207" name="Google Shape;207;gf246b92923_0_11:notes"/>
           <p:cNvSpPr txBox="1"/>
           <p:nvPr>
             <p:ph idx="1" type="body"/>
@@ -1265,9 +1185,81 @@
           </a:p>
         </p:txBody>
       </p:sp>
+    </p:spTree>
+  </p:cSld>
+  <p:clrMapOvr>
+    <a:masterClrMapping/>
+  </p:clrMapOvr>
+</p:notes>
+</file>
+
+<file path=ppt/notesSlides/notesSlide12.xml><?xml version="1.0" encoding="utf-8"?>
+<p:notes xmlns:a="http://schemas.openxmlformats.org/drawingml/2006/main" xmlns:r="http://schemas.openxmlformats.org/officeDocument/2006/relationships" xmlns:mc="http://schemas.openxmlformats.org/markup-compatibility/2006" xmlns:mv="urn:schemas-microsoft-com:mac:vml" xmlns:p="http://schemas.openxmlformats.org/presentationml/2006/main" xmlns:c="http://schemas.openxmlformats.org/drawingml/2006/chart" xmlns:dgm="http://schemas.openxmlformats.org/drawingml/2006/diagram" xmlns:o="urn:schemas-microsoft-com:office:office" xmlns:v="urn:schemas-microsoft-com:vml" xmlns:pvml="urn:schemas-microsoft-com:office:powerpoint" xmlns:com="http://schemas.openxmlformats.org/drawingml/2006/compatibility" xmlns:p14="http://schemas.microsoft.com/office/powerpoint/2010/main" xmlns:p15="http://schemas.microsoft.com/office/powerpoint/2012/main" xmlns:ahyp="http://schemas.microsoft.com/office/drawing/2018/hyperlinkcolor" showMasterPhAnim="0" showMasterSp="0">
+  <p:cSld>
+    <p:spTree>
+      <p:nvGrpSpPr>
+        <p:cNvPr id="211" name="Shape 211"/>
+        <p:cNvGrpSpPr/>
+        <p:nvPr/>
+      </p:nvGrpSpPr>
+      <p:grpSpPr>
+        <a:xfrm>
+          <a:off x="0" y="0"/>
+          <a:ext cx="0" cy="0"/>
+          <a:chOff x="0" y="0"/>
+          <a:chExt cx="0" cy="0"/>
+        </a:xfrm>
+      </p:grpSpPr>
       <p:sp>
         <p:nvSpPr>
-          <p:cNvPr id="210" name="Google Shape;210;gee8943ef34_0_50:notes"/>
+          <p:cNvPr id="212" name="Google Shape;212;gf246b92923_0_151:notes"/>
+          <p:cNvSpPr txBox="1"/>
+          <p:nvPr>
+            <p:ph idx="1" type="body"/>
+          </p:nvPr>
+        </p:nvSpPr>
+        <p:spPr>
+          <a:xfrm>
+            <a:off x="685800" y="4343400"/>
+            <a:ext cx="5486400" cy="4114800"/>
+          </a:xfrm>
+          <a:prstGeom prst="rect">
+            <a:avLst/>
+          </a:prstGeom>
+          <a:noFill/>
+          <a:ln>
+            <a:noFill/>
+          </a:ln>
+        </p:spPr>
+        <p:txBody>
+          <a:bodyPr anchorCtr="0" anchor="t" bIns="91425" lIns="91425" spcFirstLastPara="1" rIns="91425" wrap="square" tIns="91425">
+            <a:noAutofit/>
+          </a:bodyPr>
+          <a:lstStyle/>
+          <a:p>
+            <a:pPr indent="0" lvl="0" marL="0" rtl="0" algn="l">
+              <a:lnSpc>
+                <a:spcPct val="100000"/>
+              </a:lnSpc>
+              <a:spcBef>
+                <a:spcPts val="0"/>
+              </a:spcBef>
+              <a:spcAft>
+                <a:spcPts val="0"/>
+              </a:spcAft>
+              <a:buSzPts val="1100"/>
+              <a:buNone/>
+            </a:pPr>
+            <a:r>
+              <a:t/>
+            </a:r>
+            <a:endParaRPr/>
+          </a:p>
+        </p:txBody>
+      </p:sp>
+      <p:sp>
+        <p:nvSpPr>
+          <p:cNvPr id="213" name="Google Shape;213;gf246b92923_0_151:notes"/>
           <p:cNvSpPr/>
           <p:nvPr>
             <p:ph idx="2" type="sldImg"/>
@@ -1323,7 +1315,7 @@
   <p:cSld>
     <p:spTree>
       <p:nvGrpSpPr>
-        <p:cNvPr id="214" name="Shape 214"/>
+        <p:cNvPr id="217" name="Shape 217"/>
         <p:cNvGrpSpPr/>
         <p:nvPr/>
       </p:nvGrpSpPr>
@@ -1337,7 +1329,7 @@
       </p:grpSpPr>
       <p:sp>
         <p:nvSpPr>
-          <p:cNvPr id="215" name="Google Shape;215;gee8943ef34_0_57:notes"/>
+          <p:cNvPr id="218" name="Google Shape;218;gf8e455d771_0_18:notes"/>
           <p:cNvSpPr txBox="1"/>
           <p:nvPr>
             <p:ph idx="1" type="body"/>
@@ -1384,7 +1376,7 @@
       </p:sp>
       <p:sp>
         <p:nvSpPr>
-          <p:cNvPr id="216" name="Google Shape;216;gee8943ef34_0_57:notes"/>
+          <p:cNvPr id="219" name="Google Shape;219;gf8e455d771_0_18:notes"/>
           <p:cNvSpPr/>
           <p:nvPr>
             <p:ph idx="2" type="sldImg"/>
@@ -1440,7 +1432,7 @@
   <p:cSld>
     <p:spTree>
       <p:nvGrpSpPr>
-        <p:cNvPr id="220" name="Shape 220"/>
+        <p:cNvPr id="225" name="Shape 225"/>
         <p:cNvGrpSpPr/>
         <p:nvPr/>
       </p:nvGrpSpPr>
@@ -1454,7 +1446,7 @@
       </p:grpSpPr>
       <p:sp>
         <p:nvSpPr>
-          <p:cNvPr id="221" name="Google Shape;221;gee8943ef34_0_63:notes"/>
+          <p:cNvPr id="226" name="Google Shape;226;gf246b92923_0_172:notes"/>
           <p:cNvSpPr txBox="1"/>
           <p:nvPr>
             <p:ph idx="1" type="body"/>
@@ -1501,7 +1493,7 @@
       </p:sp>
       <p:sp>
         <p:nvSpPr>
-          <p:cNvPr id="222" name="Google Shape;222;gee8943ef34_0_63:notes"/>
+          <p:cNvPr id="227" name="Google Shape;227;gf246b92923_0_172:notes"/>
           <p:cNvSpPr/>
           <p:nvPr>
             <p:ph idx="2" type="sldImg"/>
@@ -1557,7 +1549,7 @@
   <p:cSld>
     <p:spTree>
       <p:nvGrpSpPr>
-        <p:cNvPr id="226" name="Shape 226"/>
+        <p:cNvPr id="231" name="Shape 231"/>
         <p:cNvGrpSpPr/>
         <p:nvPr/>
       </p:nvGrpSpPr>
@@ -1571,7 +1563,7 @@
       </p:grpSpPr>
       <p:sp>
         <p:nvSpPr>
-          <p:cNvPr id="227" name="Google Shape;227;gee8943ef34_0_70:notes"/>
+          <p:cNvPr id="232" name="Google Shape;232;gf8e455d771_0_27:notes"/>
           <p:cNvSpPr txBox="1"/>
           <p:nvPr>
             <p:ph idx="1" type="body"/>
@@ -1618,7 +1610,7 @@
       </p:sp>
       <p:sp>
         <p:nvSpPr>
-          <p:cNvPr id="228" name="Google Shape;228;gee8943ef34_0_70:notes"/>
+          <p:cNvPr id="233" name="Google Shape;233;gf8e455d771_0_27:notes"/>
           <p:cNvSpPr/>
           <p:nvPr>
             <p:ph idx="2" type="sldImg"/>
@@ -1674,7 +1666,7 @@
   <p:cSld>
     <p:spTree>
       <p:nvGrpSpPr>
-        <p:cNvPr id="233" name="Shape 233"/>
+        <p:cNvPr id="238" name="Shape 238"/>
         <p:cNvGrpSpPr/>
         <p:nvPr/>
       </p:nvGrpSpPr>
@@ -1688,7 +1680,7 @@
       </p:grpSpPr>
       <p:sp>
         <p:nvSpPr>
-          <p:cNvPr id="234" name="Google Shape;234;gee8943ef34_0_83:notes"/>
+          <p:cNvPr id="239" name="Google Shape;239;gf8e455d771_0_38:notes"/>
           <p:cNvSpPr txBox="1"/>
           <p:nvPr>
             <p:ph idx="1" type="body"/>
@@ -1735,7 +1727,7 @@
       </p:sp>
       <p:sp>
         <p:nvSpPr>
-          <p:cNvPr id="235" name="Google Shape;235;gee8943ef34_0_83:notes"/>
+          <p:cNvPr id="240" name="Google Shape;240;gf8e455d771_0_38:notes"/>
           <p:cNvSpPr/>
           <p:nvPr>
             <p:ph idx="2" type="sldImg"/>
@@ -1791,7 +1783,7 @@
   <p:cSld>
     <p:spTree>
       <p:nvGrpSpPr>
-        <p:cNvPr id="241" name="Shape 241"/>
+        <p:cNvPr id="246" name="Shape 246"/>
         <p:cNvGrpSpPr/>
         <p:nvPr/>
       </p:nvGrpSpPr>
@@ -1805,7 +1797,7 @@
       </p:grpSpPr>
       <p:sp>
         <p:nvSpPr>
-          <p:cNvPr id="242" name="Google Shape;242;gee8943ef34_0_91:notes"/>
+          <p:cNvPr id="247" name="Google Shape;247;gf8e455d771_0_46:notes"/>
           <p:cNvSpPr txBox="1"/>
           <p:nvPr>
             <p:ph idx="1" type="body"/>
@@ -1852,7 +1844,7 @@
       </p:sp>
       <p:sp>
         <p:nvSpPr>
-          <p:cNvPr id="243" name="Google Shape;243;gee8943ef34_0_91:notes"/>
+          <p:cNvPr id="248" name="Google Shape;248;gf8e455d771_0_46:notes"/>
           <p:cNvSpPr/>
           <p:nvPr>
             <p:ph idx="2" type="sldImg"/>
@@ -1908,7 +1900,7 @@
   <p:cSld>
     <p:spTree>
       <p:nvGrpSpPr>
-        <p:cNvPr id="248" name="Shape 248"/>
+        <p:cNvPr id="254" name="Shape 254"/>
         <p:cNvGrpSpPr/>
         <p:nvPr/>
       </p:nvGrpSpPr>
@@ -1922,7 +1914,7 @@
       </p:grpSpPr>
       <p:sp>
         <p:nvSpPr>
-          <p:cNvPr id="249" name="Google Shape;249;gee8943ef34_0_101:notes"/>
+          <p:cNvPr id="255" name="Google Shape;255;gf246b929a0_0_0:notes"/>
           <p:cNvSpPr txBox="1"/>
           <p:nvPr>
             <p:ph idx="1" type="body"/>
@@ -1969,7 +1961,7 @@
       </p:sp>
       <p:sp>
         <p:nvSpPr>
-          <p:cNvPr id="250" name="Google Shape;250;gee8943ef34_0_101:notes"/>
+          <p:cNvPr id="256" name="Google Shape;256;gf246b929a0_0_0:notes"/>
           <p:cNvSpPr/>
           <p:nvPr>
             <p:ph idx="2" type="sldImg"/>
@@ -2025,7 +2017,7 @@
   <p:cSld>
     <p:spTree>
       <p:nvGrpSpPr>
-        <p:cNvPr id="255" name="Shape 255"/>
+        <p:cNvPr id="259" name="Shape 259"/>
         <p:cNvGrpSpPr/>
         <p:nvPr/>
       </p:nvGrpSpPr>
@@ -2039,7 +2031,54 @@
       </p:grpSpPr>
       <p:sp>
         <p:nvSpPr>
-          <p:cNvPr id="256" name="Google Shape;256;gf246b92923_0_11:notes"/>
+          <p:cNvPr id="260" name="Google Shape;260;p36:notes"/>
+          <p:cNvSpPr txBox="1"/>
+          <p:nvPr>
+            <p:ph idx="1" type="body"/>
+          </p:nvPr>
+        </p:nvSpPr>
+        <p:spPr>
+          <a:xfrm>
+            <a:off x="685800" y="4400550"/>
+            <a:ext cx="5486400" cy="3600600"/>
+          </a:xfrm>
+          <a:prstGeom prst="rect">
+            <a:avLst/>
+          </a:prstGeom>
+          <a:noFill/>
+          <a:ln>
+            <a:noFill/>
+          </a:ln>
+        </p:spPr>
+        <p:txBody>
+          <a:bodyPr anchorCtr="0" anchor="t" bIns="91425" lIns="91425" spcFirstLastPara="1" rIns="91425" wrap="square" tIns="91425">
+            <a:noAutofit/>
+          </a:bodyPr>
+          <a:lstStyle/>
+          <a:p>
+            <a:pPr indent="0" lvl="0" marL="0" rtl="0" algn="l">
+              <a:lnSpc>
+                <a:spcPct val="100000"/>
+              </a:lnSpc>
+              <a:spcBef>
+                <a:spcPts val="0"/>
+              </a:spcBef>
+              <a:spcAft>
+                <a:spcPts val="0"/>
+              </a:spcAft>
+              <a:buSzPts val="1100"/>
+              <a:buNone/>
+            </a:pPr>
+            <a:r>
+              <a:t/>
+            </a:r>
+            <a:endParaRPr/>
+          </a:p>
+        </p:txBody>
+      </p:sp>
+      <p:sp>
+        <p:nvSpPr>
+          <p:cNvPr id="261" name="Google Shape;261;p36:notes"/>
           <p:cNvSpPr/>
           <p:nvPr>
             <p:ph idx="2" type="sldImg"/>
@@ -2047,8 +2086,8 @@
         </p:nvSpPr>
         <p:spPr>
           <a:xfrm>
-            <a:off x="381000" y="685800"/>
-            <a:ext cx="6096000" cy="3429000"/>
+            <a:off x="685800" y="1143000"/>
+            <a:ext cx="5486400" cy="3086100"/>
           </a:xfrm>
           <a:custGeom>
             <a:rect b="b" l="l" r="r" t="t"/>
@@ -2081,53 +2120,6 @@
             <a:tailEnd len="sm" w="sm" type="none"/>
           </a:ln>
         </p:spPr>
-      </p:sp>
-      <p:sp>
-        <p:nvSpPr>
-          <p:cNvPr id="257" name="Google Shape;257;gf246b92923_0_11:notes"/>
-          <p:cNvSpPr txBox="1"/>
-          <p:nvPr>
-            <p:ph idx="1" type="body"/>
-          </p:nvPr>
-        </p:nvSpPr>
-        <p:spPr>
-          <a:xfrm>
-            <a:off x="685800" y="4343400"/>
-            <a:ext cx="5486400" cy="4114800"/>
-          </a:xfrm>
-          <a:prstGeom prst="rect">
-            <a:avLst/>
-          </a:prstGeom>
-          <a:noFill/>
-          <a:ln>
-            <a:noFill/>
-          </a:ln>
-        </p:spPr>
-        <p:txBody>
-          <a:bodyPr anchorCtr="0" anchor="t" bIns="91425" lIns="91425" spcFirstLastPara="1" rIns="91425" wrap="square" tIns="91425">
-            <a:noAutofit/>
-          </a:bodyPr>
-          <a:lstStyle/>
-          <a:p>
-            <a:pPr indent="0" lvl="0" marL="0" rtl="0" algn="l">
-              <a:lnSpc>
-                <a:spcPct val="100000"/>
-              </a:lnSpc>
-              <a:spcBef>
-                <a:spcPts val="0"/>
-              </a:spcBef>
-              <a:spcAft>
-                <a:spcPts val="0"/>
-              </a:spcAft>
-              <a:buSzPts val="1100"/>
-              <a:buNone/>
-            </a:pPr>
-            <a:r>
-              <a:t/>
-            </a:r>
-            <a:endParaRPr/>
-          </a:p>
-        </p:txBody>
       </p:sp>
     </p:spTree>
   </p:cSld>
@@ -2245,942 +2237,6 @@
             <a:endParaRPr/>
           </a:p>
         </p:txBody>
-      </p:sp>
-    </p:spTree>
-  </p:cSld>
-  <p:clrMapOvr>
-    <a:masterClrMapping/>
-  </p:clrMapOvr>
-</p:notes>
-</file>
-
-<file path=ppt/notesSlides/notesSlide20.xml><?xml version="1.0" encoding="utf-8"?>
-<p:notes xmlns:a="http://schemas.openxmlformats.org/drawingml/2006/main" xmlns:r="http://schemas.openxmlformats.org/officeDocument/2006/relationships" xmlns:mc="http://schemas.openxmlformats.org/markup-compatibility/2006" xmlns:mv="urn:schemas-microsoft-com:mac:vml" xmlns:p="http://schemas.openxmlformats.org/presentationml/2006/main" xmlns:c="http://schemas.openxmlformats.org/drawingml/2006/chart" xmlns:dgm="http://schemas.openxmlformats.org/drawingml/2006/diagram" xmlns:o="urn:schemas-microsoft-com:office:office" xmlns:v="urn:schemas-microsoft-com:vml" xmlns:pvml="urn:schemas-microsoft-com:office:powerpoint" xmlns:com="http://schemas.openxmlformats.org/drawingml/2006/compatibility" xmlns:p14="http://schemas.microsoft.com/office/powerpoint/2010/main" xmlns:p15="http://schemas.microsoft.com/office/powerpoint/2012/main" xmlns:ahyp="http://schemas.microsoft.com/office/drawing/2018/hyperlinkcolor" showMasterPhAnim="0" showMasterSp="0">
-  <p:cSld>
-    <p:spTree>
-      <p:nvGrpSpPr>
-        <p:cNvPr id="261" name="Shape 261"/>
-        <p:cNvGrpSpPr/>
-        <p:nvPr/>
-      </p:nvGrpSpPr>
-      <p:grpSpPr>
-        <a:xfrm>
-          <a:off x="0" y="0"/>
-          <a:ext cx="0" cy="0"/>
-          <a:chOff x="0" y="0"/>
-          <a:chExt cx="0" cy="0"/>
-        </a:xfrm>
-      </p:grpSpPr>
-      <p:sp>
-        <p:nvSpPr>
-          <p:cNvPr id="262" name="Google Shape;262;gf246b92923_0_151:notes"/>
-          <p:cNvSpPr txBox="1"/>
-          <p:nvPr>
-            <p:ph idx="1" type="body"/>
-          </p:nvPr>
-        </p:nvSpPr>
-        <p:spPr>
-          <a:xfrm>
-            <a:off x="685800" y="4343400"/>
-            <a:ext cx="5486400" cy="4114800"/>
-          </a:xfrm>
-          <a:prstGeom prst="rect">
-            <a:avLst/>
-          </a:prstGeom>
-          <a:noFill/>
-          <a:ln>
-            <a:noFill/>
-          </a:ln>
-        </p:spPr>
-        <p:txBody>
-          <a:bodyPr anchorCtr="0" anchor="t" bIns="91425" lIns="91425" spcFirstLastPara="1" rIns="91425" wrap="square" tIns="91425">
-            <a:noAutofit/>
-          </a:bodyPr>
-          <a:lstStyle/>
-          <a:p>
-            <a:pPr indent="0" lvl="0" marL="0" rtl="0" algn="l">
-              <a:lnSpc>
-                <a:spcPct val="100000"/>
-              </a:lnSpc>
-              <a:spcBef>
-                <a:spcPts val="0"/>
-              </a:spcBef>
-              <a:spcAft>
-                <a:spcPts val="0"/>
-              </a:spcAft>
-              <a:buSzPts val="1100"/>
-              <a:buNone/>
-            </a:pPr>
-            <a:r>
-              <a:t/>
-            </a:r>
-            <a:endParaRPr/>
-          </a:p>
-        </p:txBody>
-      </p:sp>
-      <p:sp>
-        <p:nvSpPr>
-          <p:cNvPr id="263" name="Google Shape;263;gf246b92923_0_151:notes"/>
-          <p:cNvSpPr/>
-          <p:nvPr>
-            <p:ph idx="2" type="sldImg"/>
-          </p:nvPr>
-        </p:nvSpPr>
-        <p:spPr>
-          <a:xfrm>
-            <a:off x="381000" y="685800"/>
-            <a:ext cx="6096000" cy="3429000"/>
-          </a:xfrm>
-          <a:custGeom>
-            <a:rect b="b" l="l" r="r" t="t"/>
-            <a:pathLst>
-              <a:path extrusionOk="0" h="120000" w="120000">
-                <a:moveTo>
-                  <a:pt x="0" y="0"/>
-                </a:moveTo>
-                <a:lnTo>
-                  <a:pt x="120000" y="0"/>
-                </a:lnTo>
-                <a:lnTo>
-                  <a:pt x="120000" y="120000"/>
-                </a:lnTo>
-                <a:lnTo>
-                  <a:pt x="0" y="120000"/>
-                </a:lnTo>
-                <a:close/>
-              </a:path>
-            </a:pathLst>
-          </a:custGeom>
-          <a:noFill/>
-          <a:ln cap="flat" cmpd="sng" w="9525">
-            <a:solidFill>
-              <a:srgbClr val="000000"/>
-            </a:solidFill>
-            <a:prstDash val="solid"/>
-            <a:round/>
-            <a:headEnd len="sm" w="sm" type="none"/>
-            <a:tailEnd len="sm" w="sm" type="none"/>
-          </a:ln>
-        </p:spPr>
-      </p:sp>
-    </p:spTree>
-  </p:cSld>
-  <p:clrMapOvr>
-    <a:masterClrMapping/>
-  </p:clrMapOvr>
-</p:notes>
-</file>
-
-<file path=ppt/notesSlides/notesSlide21.xml><?xml version="1.0" encoding="utf-8"?>
-<p:notes xmlns:a="http://schemas.openxmlformats.org/drawingml/2006/main" xmlns:r="http://schemas.openxmlformats.org/officeDocument/2006/relationships" xmlns:mc="http://schemas.openxmlformats.org/markup-compatibility/2006" xmlns:mv="urn:schemas-microsoft-com:mac:vml" xmlns:p="http://schemas.openxmlformats.org/presentationml/2006/main" xmlns:c="http://schemas.openxmlformats.org/drawingml/2006/chart" xmlns:dgm="http://schemas.openxmlformats.org/drawingml/2006/diagram" xmlns:o="urn:schemas-microsoft-com:office:office" xmlns:v="urn:schemas-microsoft-com:vml" xmlns:pvml="urn:schemas-microsoft-com:office:powerpoint" xmlns:com="http://schemas.openxmlformats.org/drawingml/2006/compatibility" xmlns:p14="http://schemas.microsoft.com/office/powerpoint/2010/main" xmlns:p15="http://schemas.microsoft.com/office/powerpoint/2012/main" xmlns:ahyp="http://schemas.microsoft.com/office/drawing/2018/hyperlinkcolor" showMasterPhAnim="0" showMasterSp="0">
-  <p:cSld>
-    <p:spTree>
-      <p:nvGrpSpPr>
-        <p:cNvPr id="267" name="Shape 267"/>
-        <p:cNvGrpSpPr/>
-        <p:nvPr/>
-      </p:nvGrpSpPr>
-      <p:grpSpPr>
-        <a:xfrm>
-          <a:off x="0" y="0"/>
-          <a:ext cx="0" cy="0"/>
-          <a:chOff x="0" y="0"/>
-          <a:chExt cx="0" cy="0"/>
-        </a:xfrm>
-      </p:grpSpPr>
-      <p:sp>
-        <p:nvSpPr>
-          <p:cNvPr id="268" name="Google Shape;268;gf246b92923_0_156:notes"/>
-          <p:cNvSpPr txBox="1"/>
-          <p:nvPr>
-            <p:ph idx="1" type="body"/>
-          </p:nvPr>
-        </p:nvSpPr>
-        <p:spPr>
-          <a:xfrm>
-            <a:off x="685800" y="4343400"/>
-            <a:ext cx="5486400" cy="4114800"/>
-          </a:xfrm>
-          <a:prstGeom prst="rect">
-            <a:avLst/>
-          </a:prstGeom>
-          <a:noFill/>
-          <a:ln>
-            <a:noFill/>
-          </a:ln>
-        </p:spPr>
-        <p:txBody>
-          <a:bodyPr anchorCtr="0" anchor="t" bIns="91425" lIns="91425" spcFirstLastPara="1" rIns="91425" wrap="square" tIns="91425">
-            <a:noAutofit/>
-          </a:bodyPr>
-          <a:lstStyle/>
-          <a:p>
-            <a:pPr indent="0" lvl="0" marL="0" rtl="0" algn="l">
-              <a:lnSpc>
-                <a:spcPct val="100000"/>
-              </a:lnSpc>
-              <a:spcBef>
-                <a:spcPts val="0"/>
-              </a:spcBef>
-              <a:spcAft>
-                <a:spcPts val="0"/>
-              </a:spcAft>
-              <a:buSzPts val="1100"/>
-              <a:buNone/>
-            </a:pPr>
-            <a:r>
-              <a:t/>
-            </a:r>
-            <a:endParaRPr/>
-          </a:p>
-        </p:txBody>
-      </p:sp>
-      <p:sp>
-        <p:nvSpPr>
-          <p:cNvPr id="269" name="Google Shape;269;gf246b92923_0_156:notes"/>
-          <p:cNvSpPr/>
-          <p:nvPr>
-            <p:ph idx="2" type="sldImg"/>
-          </p:nvPr>
-        </p:nvSpPr>
-        <p:spPr>
-          <a:xfrm>
-            <a:off x="381000" y="685800"/>
-            <a:ext cx="6096000" cy="3429000"/>
-          </a:xfrm>
-          <a:custGeom>
-            <a:rect b="b" l="l" r="r" t="t"/>
-            <a:pathLst>
-              <a:path extrusionOk="0" h="120000" w="120000">
-                <a:moveTo>
-                  <a:pt x="0" y="0"/>
-                </a:moveTo>
-                <a:lnTo>
-                  <a:pt x="120000" y="0"/>
-                </a:lnTo>
-                <a:lnTo>
-                  <a:pt x="120000" y="120000"/>
-                </a:lnTo>
-                <a:lnTo>
-                  <a:pt x="0" y="120000"/>
-                </a:lnTo>
-                <a:close/>
-              </a:path>
-            </a:pathLst>
-          </a:custGeom>
-          <a:noFill/>
-          <a:ln cap="flat" cmpd="sng" w="9525">
-            <a:solidFill>
-              <a:srgbClr val="000000"/>
-            </a:solidFill>
-            <a:prstDash val="solid"/>
-            <a:round/>
-            <a:headEnd len="sm" w="sm" type="none"/>
-            <a:tailEnd len="sm" w="sm" type="none"/>
-          </a:ln>
-        </p:spPr>
-      </p:sp>
-    </p:spTree>
-  </p:cSld>
-  <p:clrMapOvr>
-    <a:masterClrMapping/>
-  </p:clrMapOvr>
-</p:notes>
-</file>
-
-<file path=ppt/notesSlides/notesSlide22.xml><?xml version="1.0" encoding="utf-8"?>
-<p:notes xmlns:a="http://schemas.openxmlformats.org/drawingml/2006/main" xmlns:r="http://schemas.openxmlformats.org/officeDocument/2006/relationships" xmlns:mc="http://schemas.openxmlformats.org/markup-compatibility/2006" xmlns:mv="urn:schemas-microsoft-com:mac:vml" xmlns:p="http://schemas.openxmlformats.org/presentationml/2006/main" xmlns:c="http://schemas.openxmlformats.org/drawingml/2006/chart" xmlns:dgm="http://schemas.openxmlformats.org/drawingml/2006/diagram" xmlns:o="urn:schemas-microsoft-com:office:office" xmlns:v="urn:schemas-microsoft-com:vml" xmlns:pvml="urn:schemas-microsoft-com:office:powerpoint" xmlns:com="http://schemas.openxmlformats.org/drawingml/2006/compatibility" xmlns:p14="http://schemas.microsoft.com/office/powerpoint/2010/main" xmlns:p15="http://schemas.microsoft.com/office/powerpoint/2012/main" xmlns:ahyp="http://schemas.microsoft.com/office/drawing/2018/hyperlinkcolor" showMasterPhAnim="0" showMasterSp="0">
-  <p:cSld>
-    <p:spTree>
-      <p:nvGrpSpPr>
-        <p:cNvPr id="274" name="Shape 274"/>
-        <p:cNvGrpSpPr/>
-        <p:nvPr/>
-      </p:nvGrpSpPr>
-      <p:grpSpPr>
-        <a:xfrm>
-          <a:off x="0" y="0"/>
-          <a:ext cx="0" cy="0"/>
-          <a:chOff x="0" y="0"/>
-          <a:chExt cx="0" cy="0"/>
-        </a:xfrm>
-      </p:grpSpPr>
-      <p:sp>
-        <p:nvSpPr>
-          <p:cNvPr id="275" name="Google Shape;275;gf246b92923_0_162:notes"/>
-          <p:cNvSpPr txBox="1"/>
-          <p:nvPr>
-            <p:ph idx="1" type="body"/>
-          </p:nvPr>
-        </p:nvSpPr>
-        <p:spPr>
-          <a:xfrm>
-            <a:off x="685800" y="4343400"/>
-            <a:ext cx="5486400" cy="4114800"/>
-          </a:xfrm>
-          <a:prstGeom prst="rect">
-            <a:avLst/>
-          </a:prstGeom>
-          <a:noFill/>
-          <a:ln>
-            <a:noFill/>
-          </a:ln>
-        </p:spPr>
-        <p:txBody>
-          <a:bodyPr anchorCtr="0" anchor="t" bIns="91425" lIns="91425" spcFirstLastPara="1" rIns="91425" wrap="square" tIns="91425">
-            <a:noAutofit/>
-          </a:bodyPr>
-          <a:lstStyle/>
-          <a:p>
-            <a:pPr indent="0" lvl="0" marL="0" rtl="0" algn="l">
-              <a:lnSpc>
-                <a:spcPct val="100000"/>
-              </a:lnSpc>
-              <a:spcBef>
-                <a:spcPts val="0"/>
-              </a:spcBef>
-              <a:spcAft>
-                <a:spcPts val="0"/>
-              </a:spcAft>
-              <a:buSzPts val="1100"/>
-              <a:buNone/>
-            </a:pPr>
-            <a:r>
-              <a:t/>
-            </a:r>
-            <a:endParaRPr/>
-          </a:p>
-        </p:txBody>
-      </p:sp>
-      <p:sp>
-        <p:nvSpPr>
-          <p:cNvPr id="276" name="Google Shape;276;gf246b92923_0_162:notes"/>
-          <p:cNvSpPr/>
-          <p:nvPr>
-            <p:ph idx="2" type="sldImg"/>
-          </p:nvPr>
-        </p:nvSpPr>
-        <p:spPr>
-          <a:xfrm>
-            <a:off x="381000" y="685800"/>
-            <a:ext cx="6096000" cy="3429000"/>
-          </a:xfrm>
-          <a:custGeom>
-            <a:rect b="b" l="l" r="r" t="t"/>
-            <a:pathLst>
-              <a:path extrusionOk="0" h="120000" w="120000">
-                <a:moveTo>
-                  <a:pt x="0" y="0"/>
-                </a:moveTo>
-                <a:lnTo>
-                  <a:pt x="120000" y="0"/>
-                </a:lnTo>
-                <a:lnTo>
-                  <a:pt x="120000" y="120000"/>
-                </a:lnTo>
-                <a:lnTo>
-                  <a:pt x="0" y="120000"/>
-                </a:lnTo>
-                <a:close/>
-              </a:path>
-            </a:pathLst>
-          </a:custGeom>
-          <a:noFill/>
-          <a:ln cap="flat" cmpd="sng" w="9525">
-            <a:solidFill>
-              <a:srgbClr val="000000"/>
-            </a:solidFill>
-            <a:prstDash val="solid"/>
-            <a:round/>
-            <a:headEnd len="sm" w="sm" type="none"/>
-            <a:tailEnd len="sm" w="sm" type="none"/>
-          </a:ln>
-        </p:spPr>
-      </p:sp>
-    </p:spTree>
-  </p:cSld>
-  <p:clrMapOvr>
-    <a:masterClrMapping/>
-  </p:clrMapOvr>
-</p:notes>
-</file>
-
-<file path=ppt/notesSlides/notesSlide23.xml><?xml version="1.0" encoding="utf-8"?>
-<p:notes xmlns:a="http://schemas.openxmlformats.org/drawingml/2006/main" xmlns:r="http://schemas.openxmlformats.org/officeDocument/2006/relationships" xmlns:mc="http://schemas.openxmlformats.org/markup-compatibility/2006" xmlns:mv="urn:schemas-microsoft-com:mac:vml" xmlns:p="http://schemas.openxmlformats.org/presentationml/2006/main" xmlns:c="http://schemas.openxmlformats.org/drawingml/2006/chart" xmlns:dgm="http://schemas.openxmlformats.org/drawingml/2006/diagram" xmlns:o="urn:schemas-microsoft-com:office:office" xmlns:v="urn:schemas-microsoft-com:vml" xmlns:pvml="urn:schemas-microsoft-com:office:powerpoint" xmlns:com="http://schemas.openxmlformats.org/drawingml/2006/compatibility" xmlns:p14="http://schemas.microsoft.com/office/powerpoint/2010/main" xmlns:p15="http://schemas.microsoft.com/office/powerpoint/2012/main" xmlns:ahyp="http://schemas.microsoft.com/office/drawing/2018/hyperlinkcolor" showMasterPhAnim="0" showMasterSp="0">
-  <p:cSld>
-    <p:spTree>
-      <p:nvGrpSpPr>
-        <p:cNvPr id="280" name="Shape 280"/>
-        <p:cNvGrpSpPr/>
-        <p:nvPr/>
-      </p:nvGrpSpPr>
-      <p:grpSpPr>
-        <a:xfrm>
-          <a:off x="0" y="0"/>
-          <a:ext cx="0" cy="0"/>
-          <a:chOff x="0" y="0"/>
-          <a:chExt cx="0" cy="0"/>
-        </a:xfrm>
-      </p:grpSpPr>
-      <p:sp>
-        <p:nvSpPr>
-          <p:cNvPr id="281" name="Google Shape;281;gf246b92923_0_167:notes"/>
-          <p:cNvSpPr txBox="1"/>
-          <p:nvPr>
-            <p:ph idx="1" type="body"/>
-          </p:nvPr>
-        </p:nvSpPr>
-        <p:spPr>
-          <a:xfrm>
-            <a:off x="685800" y="4343400"/>
-            <a:ext cx="5486400" cy="4114800"/>
-          </a:xfrm>
-          <a:prstGeom prst="rect">
-            <a:avLst/>
-          </a:prstGeom>
-          <a:noFill/>
-          <a:ln>
-            <a:noFill/>
-          </a:ln>
-        </p:spPr>
-        <p:txBody>
-          <a:bodyPr anchorCtr="0" anchor="t" bIns="91425" lIns="91425" spcFirstLastPara="1" rIns="91425" wrap="square" tIns="91425">
-            <a:noAutofit/>
-          </a:bodyPr>
-          <a:lstStyle/>
-          <a:p>
-            <a:pPr indent="0" lvl="0" marL="0" rtl="0" algn="l">
-              <a:lnSpc>
-                <a:spcPct val="100000"/>
-              </a:lnSpc>
-              <a:spcBef>
-                <a:spcPts val="0"/>
-              </a:spcBef>
-              <a:spcAft>
-                <a:spcPts val="0"/>
-              </a:spcAft>
-              <a:buSzPts val="1100"/>
-              <a:buNone/>
-            </a:pPr>
-            <a:r>
-              <a:t/>
-            </a:r>
-            <a:endParaRPr/>
-          </a:p>
-        </p:txBody>
-      </p:sp>
-      <p:sp>
-        <p:nvSpPr>
-          <p:cNvPr id="282" name="Google Shape;282;gf246b92923_0_167:notes"/>
-          <p:cNvSpPr/>
-          <p:nvPr>
-            <p:ph idx="2" type="sldImg"/>
-          </p:nvPr>
-        </p:nvSpPr>
-        <p:spPr>
-          <a:xfrm>
-            <a:off x="381000" y="685800"/>
-            <a:ext cx="6096000" cy="3429000"/>
-          </a:xfrm>
-          <a:custGeom>
-            <a:rect b="b" l="l" r="r" t="t"/>
-            <a:pathLst>
-              <a:path extrusionOk="0" h="120000" w="120000">
-                <a:moveTo>
-                  <a:pt x="0" y="0"/>
-                </a:moveTo>
-                <a:lnTo>
-                  <a:pt x="120000" y="0"/>
-                </a:lnTo>
-                <a:lnTo>
-                  <a:pt x="120000" y="120000"/>
-                </a:lnTo>
-                <a:lnTo>
-                  <a:pt x="0" y="120000"/>
-                </a:lnTo>
-                <a:close/>
-              </a:path>
-            </a:pathLst>
-          </a:custGeom>
-          <a:noFill/>
-          <a:ln cap="flat" cmpd="sng" w="9525">
-            <a:solidFill>
-              <a:srgbClr val="000000"/>
-            </a:solidFill>
-            <a:prstDash val="solid"/>
-            <a:round/>
-            <a:headEnd len="sm" w="sm" type="none"/>
-            <a:tailEnd len="sm" w="sm" type="none"/>
-          </a:ln>
-        </p:spPr>
-      </p:sp>
-    </p:spTree>
-  </p:cSld>
-  <p:clrMapOvr>
-    <a:masterClrMapping/>
-  </p:clrMapOvr>
-</p:notes>
-</file>
-
-<file path=ppt/notesSlides/notesSlide24.xml><?xml version="1.0" encoding="utf-8"?>
-<p:notes xmlns:a="http://schemas.openxmlformats.org/drawingml/2006/main" xmlns:r="http://schemas.openxmlformats.org/officeDocument/2006/relationships" xmlns:mc="http://schemas.openxmlformats.org/markup-compatibility/2006" xmlns:mv="urn:schemas-microsoft-com:mac:vml" xmlns:p="http://schemas.openxmlformats.org/presentationml/2006/main" xmlns:c="http://schemas.openxmlformats.org/drawingml/2006/chart" xmlns:dgm="http://schemas.openxmlformats.org/drawingml/2006/diagram" xmlns:o="urn:schemas-microsoft-com:office:office" xmlns:v="urn:schemas-microsoft-com:vml" xmlns:pvml="urn:schemas-microsoft-com:office:powerpoint" xmlns:com="http://schemas.openxmlformats.org/drawingml/2006/compatibility" xmlns:p14="http://schemas.microsoft.com/office/powerpoint/2010/main" xmlns:p15="http://schemas.microsoft.com/office/powerpoint/2012/main" xmlns:ahyp="http://schemas.microsoft.com/office/drawing/2018/hyperlinkcolor" showMasterPhAnim="0" showMasterSp="0">
-  <p:cSld>
-    <p:spTree>
-      <p:nvGrpSpPr>
-        <p:cNvPr id="286" name="Shape 286"/>
-        <p:cNvGrpSpPr/>
-        <p:nvPr/>
-      </p:nvGrpSpPr>
-      <p:grpSpPr>
-        <a:xfrm>
-          <a:off x="0" y="0"/>
-          <a:ext cx="0" cy="0"/>
-          <a:chOff x="0" y="0"/>
-          <a:chExt cx="0" cy="0"/>
-        </a:xfrm>
-      </p:grpSpPr>
-      <p:sp>
-        <p:nvSpPr>
-          <p:cNvPr id="287" name="Google Shape;287;gf246b92923_0_172:notes"/>
-          <p:cNvSpPr txBox="1"/>
-          <p:nvPr>
-            <p:ph idx="1" type="body"/>
-          </p:nvPr>
-        </p:nvSpPr>
-        <p:spPr>
-          <a:xfrm>
-            <a:off x="685800" y="4343400"/>
-            <a:ext cx="5486400" cy="4114800"/>
-          </a:xfrm>
-          <a:prstGeom prst="rect">
-            <a:avLst/>
-          </a:prstGeom>
-          <a:noFill/>
-          <a:ln>
-            <a:noFill/>
-          </a:ln>
-        </p:spPr>
-        <p:txBody>
-          <a:bodyPr anchorCtr="0" anchor="t" bIns="91425" lIns="91425" spcFirstLastPara="1" rIns="91425" wrap="square" tIns="91425">
-            <a:noAutofit/>
-          </a:bodyPr>
-          <a:lstStyle/>
-          <a:p>
-            <a:pPr indent="0" lvl="0" marL="0" rtl="0" algn="l">
-              <a:lnSpc>
-                <a:spcPct val="100000"/>
-              </a:lnSpc>
-              <a:spcBef>
-                <a:spcPts val="0"/>
-              </a:spcBef>
-              <a:spcAft>
-                <a:spcPts val="0"/>
-              </a:spcAft>
-              <a:buSzPts val="1100"/>
-              <a:buNone/>
-            </a:pPr>
-            <a:r>
-              <a:t/>
-            </a:r>
-            <a:endParaRPr/>
-          </a:p>
-        </p:txBody>
-      </p:sp>
-      <p:sp>
-        <p:nvSpPr>
-          <p:cNvPr id="288" name="Google Shape;288;gf246b92923_0_172:notes"/>
-          <p:cNvSpPr/>
-          <p:nvPr>
-            <p:ph idx="2" type="sldImg"/>
-          </p:nvPr>
-        </p:nvSpPr>
-        <p:spPr>
-          <a:xfrm>
-            <a:off x="381000" y="685800"/>
-            <a:ext cx="6096000" cy="3429000"/>
-          </a:xfrm>
-          <a:custGeom>
-            <a:rect b="b" l="l" r="r" t="t"/>
-            <a:pathLst>
-              <a:path extrusionOk="0" h="120000" w="120000">
-                <a:moveTo>
-                  <a:pt x="0" y="0"/>
-                </a:moveTo>
-                <a:lnTo>
-                  <a:pt x="120000" y="0"/>
-                </a:lnTo>
-                <a:lnTo>
-                  <a:pt x="120000" y="120000"/>
-                </a:lnTo>
-                <a:lnTo>
-                  <a:pt x="0" y="120000"/>
-                </a:lnTo>
-                <a:close/>
-              </a:path>
-            </a:pathLst>
-          </a:custGeom>
-          <a:noFill/>
-          <a:ln cap="flat" cmpd="sng" w="9525">
-            <a:solidFill>
-              <a:srgbClr val="000000"/>
-            </a:solidFill>
-            <a:prstDash val="solid"/>
-            <a:round/>
-            <a:headEnd len="sm" w="sm" type="none"/>
-            <a:tailEnd len="sm" w="sm" type="none"/>
-          </a:ln>
-        </p:spPr>
-      </p:sp>
-    </p:spTree>
-  </p:cSld>
-  <p:clrMapOvr>
-    <a:masterClrMapping/>
-  </p:clrMapOvr>
-</p:notes>
-</file>
-
-<file path=ppt/notesSlides/notesSlide25.xml><?xml version="1.0" encoding="utf-8"?>
-<p:notes xmlns:a="http://schemas.openxmlformats.org/drawingml/2006/main" xmlns:r="http://schemas.openxmlformats.org/officeDocument/2006/relationships" xmlns:mc="http://schemas.openxmlformats.org/markup-compatibility/2006" xmlns:mv="urn:schemas-microsoft-com:mac:vml" xmlns:p="http://schemas.openxmlformats.org/presentationml/2006/main" xmlns:c="http://schemas.openxmlformats.org/drawingml/2006/chart" xmlns:dgm="http://schemas.openxmlformats.org/drawingml/2006/diagram" xmlns:o="urn:schemas-microsoft-com:office:office" xmlns:v="urn:schemas-microsoft-com:vml" xmlns:pvml="urn:schemas-microsoft-com:office:powerpoint" xmlns:com="http://schemas.openxmlformats.org/drawingml/2006/compatibility" xmlns:p14="http://schemas.microsoft.com/office/powerpoint/2010/main" xmlns:p15="http://schemas.microsoft.com/office/powerpoint/2012/main" xmlns:ahyp="http://schemas.microsoft.com/office/drawing/2018/hyperlinkcolor" showMasterPhAnim="0" showMasterSp="0">
-  <p:cSld>
-    <p:spTree>
-      <p:nvGrpSpPr>
-        <p:cNvPr id="292" name="Shape 292"/>
-        <p:cNvGrpSpPr/>
-        <p:nvPr/>
-      </p:nvGrpSpPr>
-      <p:grpSpPr>
-        <a:xfrm>
-          <a:off x="0" y="0"/>
-          <a:ext cx="0" cy="0"/>
-          <a:chOff x="0" y="0"/>
-          <a:chExt cx="0" cy="0"/>
-        </a:xfrm>
-      </p:grpSpPr>
-      <p:sp>
-        <p:nvSpPr>
-          <p:cNvPr id="293" name="Google Shape;293;gf246b92923_0_177:notes"/>
-          <p:cNvSpPr txBox="1"/>
-          <p:nvPr>
-            <p:ph idx="1" type="body"/>
-          </p:nvPr>
-        </p:nvSpPr>
-        <p:spPr>
-          <a:xfrm>
-            <a:off x="685800" y="4343400"/>
-            <a:ext cx="5486400" cy="4114800"/>
-          </a:xfrm>
-          <a:prstGeom prst="rect">
-            <a:avLst/>
-          </a:prstGeom>
-          <a:noFill/>
-          <a:ln>
-            <a:noFill/>
-          </a:ln>
-        </p:spPr>
-        <p:txBody>
-          <a:bodyPr anchorCtr="0" anchor="t" bIns="91425" lIns="91425" spcFirstLastPara="1" rIns="91425" wrap="square" tIns="91425">
-            <a:noAutofit/>
-          </a:bodyPr>
-          <a:lstStyle/>
-          <a:p>
-            <a:pPr indent="0" lvl="0" marL="0" rtl="0" algn="l">
-              <a:lnSpc>
-                <a:spcPct val="100000"/>
-              </a:lnSpc>
-              <a:spcBef>
-                <a:spcPts val="0"/>
-              </a:spcBef>
-              <a:spcAft>
-                <a:spcPts val="0"/>
-              </a:spcAft>
-              <a:buSzPts val="1100"/>
-              <a:buNone/>
-            </a:pPr>
-            <a:r>
-              <a:t/>
-            </a:r>
-            <a:endParaRPr/>
-          </a:p>
-        </p:txBody>
-      </p:sp>
-      <p:sp>
-        <p:nvSpPr>
-          <p:cNvPr id="294" name="Google Shape;294;gf246b92923_0_177:notes"/>
-          <p:cNvSpPr/>
-          <p:nvPr>
-            <p:ph idx="2" type="sldImg"/>
-          </p:nvPr>
-        </p:nvSpPr>
-        <p:spPr>
-          <a:xfrm>
-            <a:off x="381000" y="685800"/>
-            <a:ext cx="6096000" cy="3429000"/>
-          </a:xfrm>
-          <a:custGeom>
-            <a:rect b="b" l="l" r="r" t="t"/>
-            <a:pathLst>
-              <a:path extrusionOk="0" h="120000" w="120000">
-                <a:moveTo>
-                  <a:pt x="0" y="0"/>
-                </a:moveTo>
-                <a:lnTo>
-                  <a:pt x="120000" y="0"/>
-                </a:lnTo>
-                <a:lnTo>
-                  <a:pt x="120000" y="120000"/>
-                </a:lnTo>
-                <a:lnTo>
-                  <a:pt x="0" y="120000"/>
-                </a:lnTo>
-                <a:close/>
-              </a:path>
-            </a:pathLst>
-          </a:custGeom>
-          <a:noFill/>
-          <a:ln cap="flat" cmpd="sng" w="9525">
-            <a:solidFill>
-              <a:srgbClr val="000000"/>
-            </a:solidFill>
-            <a:prstDash val="solid"/>
-            <a:round/>
-            <a:headEnd len="sm" w="sm" type="none"/>
-            <a:tailEnd len="sm" w="sm" type="none"/>
-          </a:ln>
-        </p:spPr>
-      </p:sp>
-    </p:spTree>
-  </p:cSld>
-  <p:clrMapOvr>
-    <a:masterClrMapping/>
-  </p:clrMapOvr>
-</p:notes>
-</file>
-
-<file path=ppt/notesSlides/notesSlide26.xml><?xml version="1.0" encoding="utf-8"?>
-<p:notes xmlns:a="http://schemas.openxmlformats.org/drawingml/2006/main" xmlns:r="http://schemas.openxmlformats.org/officeDocument/2006/relationships" xmlns:mc="http://schemas.openxmlformats.org/markup-compatibility/2006" xmlns:mv="urn:schemas-microsoft-com:mac:vml" xmlns:p="http://schemas.openxmlformats.org/presentationml/2006/main" xmlns:c="http://schemas.openxmlformats.org/drawingml/2006/chart" xmlns:dgm="http://schemas.openxmlformats.org/drawingml/2006/diagram" xmlns:o="urn:schemas-microsoft-com:office:office" xmlns:v="urn:schemas-microsoft-com:vml" xmlns:pvml="urn:schemas-microsoft-com:office:powerpoint" xmlns:com="http://schemas.openxmlformats.org/drawingml/2006/compatibility" xmlns:p14="http://schemas.microsoft.com/office/powerpoint/2010/main" xmlns:p15="http://schemas.microsoft.com/office/powerpoint/2012/main" xmlns:ahyp="http://schemas.microsoft.com/office/drawing/2018/hyperlinkcolor" showMasterPhAnim="0" showMasterSp="0">
-  <p:cSld>
-    <p:spTree>
-      <p:nvGrpSpPr>
-        <p:cNvPr id="298" name="Shape 298"/>
-        <p:cNvGrpSpPr/>
-        <p:nvPr/>
-      </p:nvGrpSpPr>
-      <p:grpSpPr>
-        <a:xfrm>
-          <a:off x="0" y="0"/>
-          <a:ext cx="0" cy="0"/>
-          <a:chOff x="0" y="0"/>
-          <a:chExt cx="0" cy="0"/>
-        </a:xfrm>
-      </p:grpSpPr>
-      <p:sp>
-        <p:nvSpPr>
-          <p:cNvPr id="299" name="Google Shape;299;gf246b929a0_0_0:notes"/>
-          <p:cNvSpPr txBox="1"/>
-          <p:nvPr>
-            <p:ph idx="1" type="body"/>
-          </p:nvPr>
-        </p:nvSpPr>
-        <p:spPr>
-          <a:xfrm>
-            <a:off x="685800" y="4343400"/>
-            <a:ext cx="5486400" cy="4114800"/>
-          </a:xfrm>
-          <a:prstGeom prst="rect">
-            <a:avLst/>
-          </a:prstGeom>
-          <a:noFill/>
-          <a:ln>
-            <a:noFill/>
-          </a:ln>
-        </p:spPr>
-        <p:txBody>
-          <a:bodyPr anchorCtr="0" anchor="t" bIns="91425" lIns="91425" spcFirstLastPara="1" rIns="91425" wrap="square" tIns="91425">
-            <a:noAutofit/>
-          </a:bodyPr>
-          <a:lstStyle/>
-          <a:p>
-            <a:pPr indent="0" lvl="0" marL="0" rtl="0" algn="l">
-              <a:lnSpc>
-                <a:spcPct val="100000"/>
-              </a:lnSpc>
-              <a:spcBef>
-                <a:spcPts val="0"/>
-              </a:spcBef>
-              <a:spcAft>
-                <a:spcPts val="0"/>
-              </a:spcAft>
-              <a:buSzPts val="1100"/>
-              <a:buNone/>
-            </a:pPr>
-            <a:r>
-              <a:t/>
-            </a:r>
-            <a:endParaRPr/>
-          </a:p>
-        </p:txBody>
-      </p:sp>
-      <p:sp>
-        <p:nvSpPr>
-          <p:cNvPr id="300" name="Google Shape;300;gf246b929a0_0_0:notes"/>
-          <p:cNvSpPr/>
-          <p:nvPr>
-            <p:ph idx="2" type="sldImg"/>
-          </p:nvPr>
-        </p:nvSpPr>
-        <p:spPr>
-          <a:xfrm>
-            <a:off x="381000" y="685800"/>
-            <a:ext cx="6096000" cy="3429000"/>
-          </a:xfrm>
-          <a:custGeom>
-            <a:rect b="b" l="l" r="r" t="t"/>
-            <a:pathLst>
-              <a:path extrusionOk="0" h="120000" w="120000">
-                <a:moveTo>
-                  <a:pt x="0" y="0"/>
-                </a:moveTo>
-                <a:lnTo>
-                  <a:pt x="120000" y="0"/>
-                </a:lnTo>
-                <a:lnTo>
-                  <a:pt x="120000" y="120000"/>
-                </a:lnTo>
-                <a:lnTo>
-                  <a:pt x="0" y="120000"/>
-                </a:lnTo>
-                <a:close/>
-              </a:path>
-            </a:pathLst>
-          </a:custGeom>
-          <a:noFill/>
-          <a:ln cap="flat" cmpd="sng" w="9525">
-            <a:solidFill>
-              <a:srgbClr val="000000"/>
-            </a:solidFill>
-            <a:prstDash val="solid"/>
-            <a:round/>
-            <a:headEnd len="sm" w="sm" type="none"/>
-            <a:tailEnd len="sm" w="sm" type="none"/>
-          </a:ln>
-        </p:spPr>
-      </p:sp>
-    </p:spTree>
-  </p:cSld>
-  <p:clrMapOvr>
-    <a:masterClrMapping/>
-  </p:clrMapOvr>
-</p:notes>
-</file>
-
-<file path=ppt/notesSlides/notesSlide27.xml><?xml version="1.0" encoding="utf-8"?>
-<p:notes xmlns:a="http://schemas.openxmlformats.org/drawingml/2006/main" xmlns:r="http://schemas.openxmlformats.org/officeDocument/2006/relationships" xmlns:mc="http://schemas.openxmlformats.org/markup-compatibility/2006" xmlns:mv="urn:schemas-microsoft-com:mac:vml" xmlns:p="http://schemas.openxmlformats.org/presentationml/2006/main" xmlns:c="http://schemas.openxmlformats.org/drawingml/2006/chart" xmlns:dgm="http://schemas.openxmlformats.org/drawingml/2006/diagram" xmlns:o="urn:schemas-microsoft-com:office:office" xmlns:v="urn:schemas-microsoft-com:vml" xmlns:pvml="urn:schemas-microsoft-com:office:powerpoint" xmlns:com="http://schemas.openxmlformats.org/drawingml/2006/compatibility" xmlns:p14="http://schemas.microsoft.com/office/powerpoint/2010/main" xmlns:p15="http://schemas.microsoft.com/office/powerpoint/2012/main" xmlns:ahyp="http://schemas.microsoft.com/office/drawing/2018/hyperlinkcolor" showMasterPhAnim="0" showMasterSp="0">
-  <p:cSld>
-    <p:spTree>
-      <p:nvGrpSpPr>
-        <p:cNvPr id="303" name="Shape 303"/>
-        <p:cNvGrpSpPr/>
-        <p:nvPr/>
-      </p:nvGrpSpPr>
-      <p:grpSpPr>
-        <a:xfrm>
-          <a:off x="0" y="0"/>
-          <a:ext cx="0" cy="0"/>
-          <a:chOff x="0" y="0"/>
-          <a:chExt cx="0" cy="0"/>
-        </a:xfrm>
-      </p:grpSpPr>
-      <p:sp>
-        <p:nvSpPr>
-          <p:cNvPr id="304" name="Google Shape;304;p36:notes"/>
-          <p:cNvSpPr txBox="1"/>
-          <p:nvPr>
-            <p:ph idx="1" type="body"/>
-          </p:nvPr>
-        </p:nvSpPr>
-        <p:spPr>
-          <a:xfrm>
-            <a:off x="685800" y="4400550"/>
-            <a:ext cx="5486400" cy="3600600"/>
-          </a:xfrm>
-          <a:prstGeom prst="rect">
-            <a:avLst/>
-          </a:prstGeom>
-          <a:noFill/>
-          <a:ln>
-            <a:noFill/>
-          </a:ln>
-        </p:spPr>
-        <p:txBody>
-          <a:bodyPr anchorCtr="0" anchor="t" bIns="91425" lIns="91425" spcFirstLastPara="1" rIns="91425" wrap="square" tIns="91425">
-            <a:noAutofit/>
-          </a:bodyPr>
-          <a:lstStyle/>
-          <a:p>
-            <a:pPr indent="0" lvl="0" marL="0" rtl="0" algn="l">
-              <a:lnSpc>
-                <a:spcPct val="100000"/>
-              </a:lnSpc>
-              <a:spcBef>
-                <a:spcPts val="0"/>
-              </a:spcBef>
-              <a:spcAft>
-                <a:spcPts val="0"/>
-              </a:spcAft>
-              <a:buSzPts val="1100"/>
-              <a:buNone/>
-            </a:pPr>
-            <a:r>
-              <a:t/>
-            </a:r>
-            <a:endParaRPr/>
-          </a:p>
-        </p:txBody>
-      </p:sp>
-      <p:sp>
-        <p:nvSpPr>
-          <p:cNvPr id="305" name="Google Shape;305;p36:notes"/>
-          <p:cNvSpPr/>
-          <p:nvPr>
-            <p:ph idx="2" type="sldImg"/>
-          </p:nvPr>
-        </p:nvSpPr>
-        <p:spPr>
-          <a:xfrm>
-            <a:off x="685800" y="1143000"/>
-            <a:ext cx="5486400" cy="3086100"/>
-          </a:xfrm>
-          <a:custGeom>
-            <a:rect b="b" l="l" r="r" t="t"/>
-            <a:pathLst>
-              <a:path extrusionOk="0" h="120000" w="120000">
-                <a:moveTo>
-                  <a:pt x="0" y="0"/>
-                </a:moveTo>
-                <a:lnTo>
-                  <a:pt x="120000" y="0"/>
-                </a:lnTo>
-                <a:lnTo>
-                  <a:pt x="120000" y="120000"/>
-                </a:lnTo>
-                <a:lnTo>
-                  <a:pt x="0" y="120000"/>
-                </a:lnTo>
-                <a:close/>
-              </a:path>
-            </a:pathLst>
-          </a:custGeom>
-          <a:noFill/>
-          <a:ln cap="flat" cmpd="sng" w="9525">
-            <a:solidFill>
-              <a:srgbClr val="000000"/>
-            </a:solidFill>
-            <a:prstDash val="solid"/>
-            <a:round/>
-            <a:headEnd len="sm" w="sm" type="none"/>
-            <a:tailEnd len="sm" w="sm" type="none"/>
-          </a:ln>
-        </p:spPr>
       </p:sp>
     </p:spTree>
   </p:cSld>
@@ -3663,7 +2719,7 @@
   <p:cSld>
     <p:spTree>
       <p:nvGrpSpPr>
-        <p:cNvPr id="175" name="Shape 175"/>
+        <p:cNvPr id="176" name="Shape 176"/>
         <p:cNvGrpSpPr/>
         <p:nvPr/>
       </p:nvGrpSpPr>
@@ -3677,7 +2733,7 @@
       </p:grpSpPr>
       <p:sp>
         <p:nvSpPr>
-          <p:cNvPr id="176" name="Google Shape;176;gee8943ef34_0_18:notes"/>
+          <p:cNvPr id="177" name="Google Shape;177;gee8943ef34_0_27:notes"/>
           <p:cNvSpPr txBox="1"/>
           <p:nvPr>
             <p:ph idx="1" type="body"/>
@@ -3724,7 +2780,7 @@
       </p:sp>
       <p:sp>
         <p:nvSpPr>
-          <p:cNvPr id="177" name="Google Shape;177;gee8943ef34_0_18:notes"/>
+          <p:cNvPr id="178" name="Google Shape;178;gee8943ef34_0_27:notes"/>
           <p:cNvSpPr/>
           <p:nvPr>
             <p:ph idx="2" type="sldImg"/>
@@ -3780,7 +2836,7 @@
   <p:cSld>
     <p:spTree>
       <p:nvGrpSpPr>
-        <p:cNvPr id="182" name="Shape 182"/>
+        <p:cNvPr id="183" name="Shape 183"/>
         <p:cNvGrpSpPr/>
         <p:nvPr/>
       </p:nvGrpSpPr>
@@ -3794,7 +2850,7 @@
       </p:grpSpPr>
       <p:sp>
         <p:nvSpPr>
-          <p:cNvPr id="183" name="Google Shape;183;gee8943ef34_0_27:notes"/>
+          <p:cNvPr id="184" name="Google Shape;184;gee8943ef34_0_10:notes"/>
           <p:cNvSpPr txBox="1"/>
           <p:nvPr>
             <p:ph idx="1" type="body"/>
@@ -3841,7 +2897,7 @@
       </p:sp>
       <p:sp>
         <p:nvSpPr>
-          <p:cNvPr id="184" name="Google Shape;184;gee8943ef34_0_27:notes"/>
+          <p:cNvPr id="185" name="Google Shape;185;gee8943ef34_0_10:notes"/>
           <p:cNvSpPr/>
           <p:nvPr>
             <p:ph idx="2" type="sldImg"/>
@@ -3897,7 +2953,7 @@
   <p:cSld>
     <p:spTree>
       <p:nvGrpSpPr>
-        <p:cNvPr id="189" name="Shape 189"/>
+        <p:cNvPr id="190" name="Shape 190"/>
         <p:cNvGrpSpPr/>
         <p:nvPr/>
       </p:nvGrpSpPr>
@@ -3911,7 +2967,7 @@
       </p:grpSpPr>
       <p:sp>
         <p:nvSpPr>
-          <p:cNvPr id="190" name="Google Shape;190;gee8943ef34_0_10:notes"/>
+          <p:cNvPr id="191" name="Google Shape;191;gee8943ef34_0_83:notes"/>
           <p:cNvSpPr txBox="1"/>
           <p:nvPr>
             <p:ph idx="1" type="body"/>
@@ -3958,7 +3014,7 @@
       </p:sp>
       <p:sp>
         <p:nvSpPr>
-          <p:cNvPr id="191" name="Google Shape;191;gee8943ef34_0_10:notes"/>
+          <p:cNvPr id="192" name="Google Shape;192;gee8943ef34_0_83:notes"/>
           <p:cNvSpPr/>
           <p:nvPr>
             <p:ph idx="2" type="sldImg"/>
@@ -18540,7 +17596,7 @@
     </p:bg>
     <p:spTree>
       <p:nvGrpSpPr>
-        <p:cNvPr id="199" name="Shape 199"/>
+        <p:cNvPr id="200" name="Shape 200"/>
         <p:cNvGrpSpPr/>
         <p:nvPr/>
       </p:nvGrpSpPr>
@@ -18554,7 +17610,7 @@
       </p:grpSpPr>
       <p:sp>
         <p:nvSpPr>
-          <p:cNvPr id="200" name="Google Shape;200;gee8943ef34_0_35"/>
+          <p:cNvPr id="201" name="Google Shape;201;gee8943ef34_0_91"/>
           <p:cNvSpPr txBox="1"/>
           <p:nvPr>
             <p:ph type="title"/>
@@ -18562,8 +17618,8 @@
         </p:nvSpPr>
         <p:spPr>
           <a:xfrm>
-            <a:off x="889600" y="1006650"/>
-            <a:ext cx="7505700" cy="618000"/>
+            <a:off x="828875" y="1006650"/>
+            <a:ext cx="7566300" cy="618000"/>
           </a:xfrm>
           <a:prstGeom prst="rect">
             <a:avLst/>
@@ -18602,7 +17658,15 @@
                   <a:srgbClr val="E83464"/>
                 </a:solidFill>
               </a:rPr>
-              <a:t>Notificaciones: iOs</a:t>
+              <a:t>Notificaciones: mostrar una </a:t>
+            </a:r>
+            <a:r>
+              <a:rPr b="1" lang="es">
+                <a:solidFill>
+                  <a:srgbClr val="E83464"/>
+                </a:solidFill>
+              </a:rPr>
+              <a:t>notificación</a:t>
             </a:r>
             <a:endParaRPr b="1">
               <a:solidFill>
@@ -18614,7 +17678,7 @@
       </p:sp>
       <p:sp>
         <p:nvSpPr>
-          <p:cNvPr id="201" name="Google Shape;201;gee8943ef34_0_35"/>
+          <p:cNvPr id="202" name="Google Shape;202;gee8943ef34_0_91"/>
           <p:cNvSpPr txBox="1"/>
           <p:nvPr>
             <p:ph idx="4294967295" type="body"/>
@@ -18622,8 +17686,8 @@
         </p:nvSpPr>
         <p:spPr>
           <a:xfrm>
-            <a:off x="1021300" y="1724375"/>
-            <a:ext cx="6904800" cy="3271200"/>
+            <a:off x="889600" y="1702175"/>
+            <a:ext cx="7169700" cy="869700"/>
           </a:xfrm>
           <a:prstGeom prst="rect">
             <a:avLst/>
@@ -18663,87 +17727,55 @@
                   <a:srgbClr val="3D63AB"/>
                 </a:solidFill>
               </a:rPr>
-              <a:t>Como ocurre con la mayoría de los temas relacionados con iOS, aquí las cosas se complican un poco más. Debido a la naturaleza de cómo se manejan las notificaciones entre las diferentes versiones del sistema operativo, aquí se necesitan algunas configuraciones adicionales.</a:t>
+              <a:t>Posteriormente, se usa el canal creado para mostrar la </a:t>
             </a:r>
-            <a:endParaRPr>
-              <a:solidFill>
-                <a:srgbClr val="3D63AB"/>
-              </a:solidFill>
-            </a:endParaRPr>
-          </a:p>
-          <a:p>
-            <a:pPr indent="0" lvl="0" marL="0" rtl="0" algn="l">
-              <a:lnSpc>
-                <a:spcPct val="90000"/>
-              </a:lnSpc>
-              <a:spcBef>
-                <a:spcPts val="600"/>
-              </a:spcBef>
-              <a:spcAft>
-                <a:spcPts val="0"/>
-              </a:spcAft>
-              <a:buNone/>
-            </a:pPr>
-            <a:r>
-              <a:t/>
-            </a:r>
-            <a:endParaRPr>
-              <a:solidFill>
-                <a:srgbClr val="3D63AB"/>
-              </a:solidFill>
-            </a:endParaRPr>
-          </a:p>
-          <a:p>
-            <a:pPr indent="0" lvl="0" marL="0" rtl="0" algn="l">
-              <a:lnSpc>
-                <a:spcPct val="90000"/>
-              </a:lnSpc>
-              <a:spcBef>
-                <a:spcPts val="600"/>
-              </a:spcBef>
-              <a:spcAft>
-                <a:spcPts val="0"/>
-              </a:spcAft>
-              <a:buNone/>
-            </a:pPr>
             <a:r>
               <a:rPr lang="es">
                 <a:solidFill>
                   <a:srgbClr val="3D63AB"/>
                 </a:solidFill>
               </a:rPr>
-              <a:t>Dentro del archivo AppDelegate , debe agregar las siguientes líneas de código:</a:t>
+              <a:t>notificación</a:t>
             </a:r>
-            <a:endParaRPr>
-              <a:solidFill>
-                <a:srgbClr val="3D63AB"/>
-              </a:solidFill>
-            </a:endParaRPr>
-          </a:p>
-          <a:p>
-            <a:pPr indent="0" lvl="0" marL="457200" rtl="0" algn="l">
-              <a:lnSpc>
-                <a:spcPct val="90000"/>
-              </a:lnSpc>
-              <a:spcBef>
-                <a:spcPts val="600"/>
-              </a:spcBef>
-              <a:spcAft>
-                <a:spcPts val="0"/>
-              </a:spcAft>
-              <a:buNone/>
-            </a:pPr>
             <a:r>
               <a:rPr lang="es">
                 <a:solidFill>
                   <a:srgbClr val="3D63AB"/>
                 </a:solidFill>
-                <a:latin typeface="Courier New"/>
-                <a:ea typeface="Courier New"/>
-                <a:cs typeface="Courier New"/>
-                <a:sym typeface="Courier New"/>
               </a:rPr>
-              <a:t>- (BOOL)application:(UIApplication *)application </a:t>
+              <a:t> </a:t>
+            </a:r>
+            <a:r>
+              <a:rPr lang="es">
+                <a:solidFill>
+                  <a:srgbClr val="3D63AB"/>
+                </a:solidFill>
+              </a:rPr>
+              <a:t>también</a:t>
+            </a:r>
+            <a:r>
+              <a:rPr lang="es">
+                <a:solidFill>
+                  <a:srgbClr val="3D63AB"/>
+                </a:solidFill>
+              </a:rPr>
+              <a:t> haciendo uso del plugin que se </a:t>
+            </a:r>
+            <a:r>
+              <a:rPr lang="es">
+                <a:solidFill>
+                  <a:srgbClr val="3D63AB"/>
+                </a:solidFill>
+              </a:rPr>
+              <a:t>inicializó</a:t>
+            </a:r>
+            <a:r>
+              <a:rPr lang="es">
+                <a:solidFill>
+                  <a:srgbClr val="3D63AB"/>
+                </a:solidFill>
+              </a:rPr>
+              <a:t> en un principio:</a:t>
             </a:r>
             <a:endParaRPr>
               <a:solidFill>
@@ -18755,8 +17787,70 @@
               <a:sym typeface="Courier New"/>
             </a:endParaRPr>
           </a:p>
+        </p:txBody>
+      </p:sp>
+      <p:pic>
+        <p:nvPicPr>
+          <p:cNvPr id="203" name="Google Shape;203;gee8943ef34_0_91"/>
+          <p:cNvPicPr preferRelativeResize="0"/>
+          <p:nvPr/>
+        </p:nvPicPr>
+        <p:blipFill>
+          <a:blip r:embed="rId4">
+            <a:alphaModFix/>
+          </a:blip>
+          <a:stretch>
+            <a:fillRect/>
+          </a:stretch>
+        </p:blipFill>
+        <p:spPr>
+          <a:xfrm>
+            <a:off x="2717750" y="2231600"/>
+            <a:ext cx="3708502" cy="1324475"/>
+          </a:xfrm>
+          <a:prstGeom prst="rect">
+            <a:avLst/>
+          </a:prstGeom>
+          <a:noFill/>
+          <a:ln>
+            <a:noFill/>
+          </a:ln>
+        </p:spPr>
+      </p:pic>
+      <p:sp>
+        <p:nvSpPr>
+          <p:cNvPr id="204" name="Google Shape;204;gee8943ef34_0_91"/>
+          <p:cNvSpPr txBox="1"/>
+          <p:nvPr>
+            <p:ph idx="4294967295" type="body"/>
+          </p:nvPr>
+        </p:nvSpPr>
+        <p:spPr>
+          <a:xfrm>
+            <a:off x="889600" y="3773400"/>
+            <a:ext cx="7955700" cy="1273800"/>
+          </a:xfrm>
+          <a:prstGeom prst="rect">
+            <a:avLst/>
+          </a:prstGeom>
+          <a:noFill/>
+          <a:ln cap="flat" cmpd="sng" w="9525">
+            <a:solidFill>
+              <a:schemeClr val="dk1"/>
+            </a:solidFill>
+            <a:prstDash val="solid"/>
+            <a:round/>
+            <a:headEnd len="sm" w="sm" type="none"/>
+            <a:tailEnd len="sm" w="sm" type="none"/>
+          </a:ln>
+        </p:spPr>
+        <p:txBody>
+          <a:bodyPr anchorCtr="0" anchor="t" bIns="34275" lIns="0" spcFirstLastPara="1" rIns="0" wrap="square" tIns="34275">
+            <a:noAutofit/>
+          </a:bodyPr>
+          <a:lstStyle/>
           <a:p>
-            <a:pPr indent="0" lvl="0" marL="457200" rtl="0" algn="l">
+            <a:pPr indent="0" lvl="0" marL="0" rtl="0" algn="l">
               <a:lnSpc>
                 <a:spcPct val="90000"/>
               </a:lnSpc>
@@ -18769,29 +17863,37 @@
               <a:buNone/>
             </a:pPr>
             <a:r>
-              <a:rPr lang="es">
+              <a:rPr lang="es" sz="1200">
                 <a:solidFill>
                   <a:srgbClr val="3D63AB"/>
                 </a:solidFill>
-                <a:latin typeface="Courier New"/>
-                <a:ea typeface="Courier New"/>
-                <a:cs typeface="Courier New"/>
-                <a:sym typeface="Courier New"/>
               </a:rPr>
-              <a:t>didFinishLaunchingWithOptions:(NSDictionary&lt;UIApplicationLaunchOptionsKey, id&gt; *)launchOptions {</a:t>
+              <a:t>Los </a:t>
             </a:r>
-            <a:endParaRPr>
+            <a:r>
+              <a:rPr lang="es" sz="1200">
+                <a:solidFill>
+                  <a:srgbClr val="3D63AB"/>
+                </a:solidFill>
+              </a:rPr>
+              <a:t>parámetros</a:t>
+            </a:r>
+            <a:r>
+              <a:rPr lang="es" sz="1200">
+                <a:solidFill>
+                  <a:srgbClr val="3D63AB"/>
+                </a:solidFill>
+              </a:rPr>
+              <a:t> de show() son:</a:t>
+            </a:r>
+            <a:endParaRPr sz="1200">
               <a:solidFill>
                 <a:srgbClr val="3D63AB"/>
               </a:solidFill>
-              <a:latin typeface="Courier New"/>
-              <a:ea typeface="Courier New"/>
-              <a:cs typeface="Courier New"/>
-              <a:sym typeface="Courier New"/>
             </a:endParaRPr>
           </a:p>
           <a:p>
-            <a:pPr indent="0" lvl="0" marL="457200" rtl="0" algn="l">
+            <a:pPr indent="-304800" lvl="0" marL="457200" rtl="0" algn="l">
               <a:lnSpc>
                 <a:spcPct val="90000"/>
               </a:lnSpc>
@@ -18801,133 +17903,155 @@
               <a:spcAft>
                 <a:spcPts val="0"/>
               </a:spcAft>
-              <a:buNone/>
+              <a:buClr>
+                <a:srgbClr val="3D63AB"/>
+              </a:buClr>
+              <a:buSzPts val="1200"/>
+              <a:buChar char="●"/>
             </a:pPr>
             <a:r>
-              <a:rPr lang="es">
+              <a:rPr lang="es" sz="1200">
                 <a:solidFill>
                   <a:srgbClr val="3D63AB"/>
                 </a:solidFill>
-                <a:latin typeface="Courier New"/>
-                <a:ea typeface="Courier New"/>
-                <a:cs typeface="Courier New"/>
-                <a:sym typeface="Courier New"/>
               </a:rPr>
-              <a:t>  if (@available(iOS 10.0, *)) {</a:t>
+              <a:t>id : Identificador de la notificación.</a:t>
             </a:r>
-            <a:endParaRPr>
+            <a:endParaRPr sz="1200">
               <a:solidFill>
                 <a:srgbClr val="3D63AB"/>
               </a:solidFill>
-              <a:latin typeface="Courier New"/>
-              <a:ea typeface="Courier New"/>
-              <a:cs typeface="Courier New"/>
-              <a:sym typeface="Courier New"/>
             </a:endParaRPr>
           </a:p>
           <a:p>
-            <a:pPr indent="0" lvl="0" marL="457200" rtl="0" algn="l">
+            <a:pPr indent="-304800" lvl="0" marL="457200" rtl="0" algn="l">
               <a:lnSpc>
                 <a:spcPct val="90000"/>
               </a:lnSpc>
               <a:spcBef>
-                <a:spcPts val="600"/>
-              </a:spcBef>
-              <a:spcAft>
-                <a:spcPts val="0"/>
-              </a:spcAft>
-              <a:buNone/>
+                <a:spcPts val="0"/>
+              </a:spcBef>
+              <a:spcAft>
+                <a:spcPts val="0"/>
+              </a:spcAft>
+              <a:buClr>
+                <a:srgbClr val="3D63AB"/>
+              </a:buClr>
+              <a:buSzPts val="1200"/>
+              <a:buChar char="●"/>
             </a:pPr>
             <a:r>
-              <a:rPr lang="es">
+              <a:rPr lang="es" sz="1200">
                 <a:solidFill>
                   <a:srgbClr val="3D63AB"/>
                 </a:solidFill>
-                <a:latin typeface="Courier New"/>
-                <a:ea typeface="Courier New"/>
-                <a:cs typeface="Courier New"/>
-                <a:sym typeface="Courier New"/>
               </a:rPr>
-              <a:t>    [UNUserNotificationCenter currentNotificationCenter].delegate = (id&lt;UNUserNotificationCenterDelegate&gt;) self;</a:t>
+              <a:t>título : Título de la notificación.</a:t>
             </a:r>
-            <a:endParaRPr>
+            <a:endParaRPr sz="1200">
               <a:solidFill>
                 <a:srgbClr val="3D63AB"/>
               </a:solidFill>
-              <a:latin typeface="Courier New"/>
-              <a:ea typeface="Courier New"/>
-              <a:cs typeface="Courier New"/>
-              <a:sym typeface="Courier New"/>
             </a:endParaRPr>
           </a:p>
           <a:p>
-            <a:pPr indent="0" lvl="0" marL="457200" rtl="0" algn="l">
+            <a:pPr indent="-304800" lvl="0" marL="457200" rtl="0" algn="l">
               <a:lnSpc>
                 <a:spcPct val="90000"/>
               </a:lnSpc>
               <a:spcBef>
-                <a:spcPts val="600"/>
-              </a:spcBef>
-              <a:spcAft>
-                <a:spcPts val="0"/>
-              </a:spcAft>
-              <a:buNone/>
+                <a:spcPts val="0"/>
+              </a:spcBef>
+              <a:spcAft>
+                <a:spcPts val="0"/>
+              </a:spcAft>
+              <a:buClr>
+                <a:srgbClr val="3D63AB"/>
+              </a:buClr>
+              <a:buSzPts val="1200"/>
+              <a:buChar char="●"/>
             </a:pPr>
             <a:r>
-              <a:rPr lang="es">
+              <a:rPr lang="es" sz="1200">
                 <a:solidFill>
                   <a:srgbClr val="3D63AB"/>
                 </a:solidFill>
-                <a:latin typeface="Courier New"/>
-                <a:ea typeface="Courier New"/>
-                <a:cs typeface="Courier New"/>
-                <a:sym typeface="Courier New"/>
               </a:rPr>
-              <a:t>  }</a:t>
+              <a:t>cuerpo : Contenido de la </a:t>
             </a:r>
-            <a:endParaRPr>
+            <a:r>
+              <a:rPr lang="es" sz="1200">
+                <a:solidFill>
+                  <a:srgbClr val="3D63AB"/>
+                </a:solidFill>
+              </a:rPr>
+              <a:t>notificación</a:t>
+            </a:r>
+            <a:r>
+              <a:rPr lang="es" sz="1200">
+                <a:solidFill>
+                  <a:srgbClr val="3D63AB"/>
+                </a:solidFill>
+              </a:rPr>
+              <a:t>.</a:t>
+            </a:r>
+            <a:endParaRPr sz="1200">
               <a:solidFill>
                 <a:srgbClr val="3D63AB"/>
               </a:solidFill>
-              <a:latin typeface="Courier New"/>
-              <a:ea typeface="Courier New"/>
-              <a:cs typeface="Courier New"/>
-              <a:sym typeface="Courier New"/>
             </a:endParaRPr>
           </a:p>
           <a:p>
-            <a:pPr indent="0" lvl="0" marL="457200" rtl="0" algn="l">
+            <a:pPr indent="-304800" lvl="0" marL="457200" rtl="0" algn="l">
               <a:lnSpc>
                 <a:spcPct val="90000"/>
               </a:lnSpc>
               <a:spcBef>
-                <a:spcPts val="600"/>
-              </a:spcBef>
-              <a:spcAft>
-                <a:spcPts val="0"/>
-              </a:spcAft>
-              <a:buNone/>
+                <a:spcPts val="0"/>
+              </a:spcBef>
+              <a:spcAft>
+                <a:spcPts val="0"/>
+              </a:spcAft>
+              <a:buClr>
+                <a:srgbClr val="3D63AB"/>
+              </a:buClr>
+              <a:buSzPts val="1200"/>
+              <a:buChar char="●"/>
             </a:pPr>
             <a:r>
-              <a:rPr lang="es">
+              <a:rPr lang="es" sz="1200">
                 <a:solidFill>
                   <a:srgbClr val="3D63AB"/>
                 </a:solidFill>
-                <a:latin typeface="Courier New"/>
-                <a:ea typeface="Courier New"/>
-                <a:cs typeface="Courier New"/>
-                <a:sym typeface="Courier New"/>
               </a:rPr>
-              <a:t>}</a:t>
+              <a:t>details: Canal creado previamente.</a:t>
             </a:r>
-            <a:endParaRPr>
+            <a:endParaRPr sz="1200">
               <a:solidFill>
                 <a:srgbClr val="3D63AB"/>
               </a:solidFill>
-              <a:latin typeface="Courier New"/>
-              <a:ea typeface="Courier New"/>
-              <a:cs typeface="Courier New"/>
-              <a:sym typeface="Courier New"/>
+            </a:endParaRPr>
+          </a:p>
+          <a:p>
+            <a:pPr indent="0" lvl="0" marL="0" rtl="0" algn="l">
+              <a:lnSpc>
+                <a:spcPct val="90000"/>
+              </a:lnSpc>
+              <a:spcBef>
+                <a:spcPts val="600"/>
+              </a:spcBef>
+              <a:spcAft>
+                <a:spcPts val="0"/>
+              </a:spcAft>
+              <a:buNone/>
+            </a:pPr>
+            <a:r>
+              <a:t/>
+            </a:r>
+            <a:endParaRPr sz="1200">
+              <a:solidFill>
+                <a:srgbClr val="3D63AB"/>
+              </a:solidFill>
             </a:endParaRPr>
           </a:p>
         </p:txBody>
@@ -18957,7 +18081,7 @@
     </p:bg>
     <p:spTree>
       <p:nvGrpSpPr>
-        <p:cNvPr id="205" name="Shape 205"/>
+        <p:cNvPr id="208" name="Shape 208"/>
         <p:cNvGrpSpPr/>
         <p:nvPr/>
       </p:nvGrpSpPr>
@@ -18971,16 +18095,16 @@
       </p:grpSpPr>
       <p:sp>
         <p:nvSpPr>
-          <p:cNvPr id="206" name="Google Shape;206;gee8943ef34_0_43"/>
+          <p:cNvPr id="209" name="Google Shape;209;gf246b92923_0_11"/>
           <p:cNvSpPr txBox="1"/>
           <p:nvPr>
-            <p:ph type="title"/>
+            <p:ph type="ctrTitle"/>
           </p:nvPr>
         </p:nvSpPr>
         <p:spPr>
           <a:xfrm>
-            <a:off x="889600" y="1006650"/>
-            <a:ext cx="7505700" cy="618000"/>
+            <a:off x="1281950" y="1089153"/>
+            <a:ext cx="6622500" cy="2777700"/>
           </a:xfrm>
           <a:prstGeom prst="rect">
             <a:avLst/>
@@ -18991,12 +18115,12 @@
           </a:ln>
         </p:spPr>
         <p:txBody>
-          <a:bodyPr anchorCtr="0" anchor="b" bIns="34275" lIns="68575" spcFirstLastPara="1" rIns="68575" wrap="square" tIns="34275">
+          <a:bodyPr anchorCtr="0" anchor="ctr" bIns="91425" lIns="91425" spcFirstLastPara="1" rIns="91425" wrap="square" tIns="91425">
             <a:noAutofit/>
           </a:bodyPr>
           <a:lstStyle/>
           <a:p>
-            <a:pPr indent="0" lvl="0" marL="0" rtl="0" algn="l">
+            <a:pPr indent="0" lvl="0" marL="0" rtl="0" algn="ctr">
               <a:lnSpc>
                 <a:spcPct val="85000"/>
               </a:lnSpc>
@@ -19006,339 +18130,82 @@
               <a:spcAft>
                 <a:spcPts val="0"/>
               </a:spcAft>
-              <a:buClr>
-                <a:srgbClr val="3F3F3F"/>
-              </a:buClr>
-              <a:buSzPts val="3600"/>
-              <a:buFont typeface="Arial"/>
+              <a:buSzPts val="3800"/>
               <a:buNone/>
             </a:pPr>
             <a:r>
-              <a:rPr b="1" lang="es">
+              <a:rPr b="1" lang="es" sz="3700">
                 <a:solidFill>
                   <a:srgbClr val="E83464"/>
                 </a:solidFill>
               </a:rPr>
-              <a:t>Notificaciones: iOs</a:t>
+              <a:t>Tareas en segundo plano</a:t>
             </a:r>
-            <a:endParaRPr b="1">
+            <a:endParaRPr b="1" sz="3000">
               <a:solidFill>
                 <a:srgbClr val="E83464"/>
               </a:solidFill>
+              <a:latin typeface="Arial"/>
+              <a:ea typeface="Arial"/>
+              <a:cs typeface="Arial"/>
+              <a:sym typeface="Arial"/>
             </a:endParaRPr>
           </a:p>
         </p:txBody>
       </p:sp>
       <p:sp>
         <p:nvSpPr>
-          <p:cNvPr id="207" name="Google Shape;207;gee8943ef34_0_43"/>
+          <p:cNvPr id="210" name="Google Shape;210;gf246b92923_0_11"/>
           <p:cNvSpPr txBox="1"/>
-          <p:nvPr>
-            <p:ph idx="4294967295" type="body"/>
-          </p:nvPr>
+          <p:nvPr/>
         </p:nvSpPr>
         <p:spPr>
           <a:xfrm>
-            <a:off x="954700" y="1724375"/>
-            <a:ext cx="7089900" cy="2405100"/>
+            <a:off x="2238750" y="3982075"/>
+            <a:ext cx="4666500" cy="472500"/>
           </a:xfrm>
           <a:prstGeom prst="rect">
             <a:avLst/>
           </a:prstGeom>
           <a:noFill/>
-          <a:ln cap="flat" cmpd="sng" w="9525">
-            <a:solidFill>
-              <a:schemeClr val="dk1"/>
-            </a:solidFill>
-            <a:prstDash val="solid"/>
-            <a:round/>
-            <a:headEnd len="sm" w="sm" type="none"/>
-            <a:tailEnd len="sm" w="sm" type="none"/>
+          <a:ln>
+            <a:noFill/>
           </a:ln>
         </p:spPr>
         <p:txBody>
-          <a:bodyPr anchorCtr="0" anchor="t" bIns="34275" lIns="0" spcFirstLastPara="1" rIns="0" wrap="square" tIns="34275">
-            <a:noAutofit/>
+          <a:bodyPr anchorCtr="0" anchor="t" bIns="91425" lIns="91425" spcFirstLastPara="1" rIns="91425" wrap="square" tIns="91425">
+            <a:spAutoFit/>
           </a:bodyPr>
           <a:lstStyle/>
           <a:p>
-            <a:pPr indent="0" lvl="0" marL="0" rtl="0" algn="l">
-              <a:lnSpc>
-                <a:spcPct val="90000"/>
-              </a:lnSpc>
-              <a:spcBef>
-                <a:spcPts val="600"/>
-              </a:spcBef>
-              <a:spcAft>
-                <a:spcPts val="0"/>
-              </a:spcAft>
-              <a:buNone/>
-            </a:pPr>
-            <a:r>
-              <a:rPr lang="es">
-                <a:solidFill>
-                  <a:srgbClr val="3D63AB"/>
-                </a:solidFill>
-              </a:rPr>
-              <a:t>Es necesario pedir permiso al usuario para varios problemas relacionados con las notificaciones. Por lo tanto, el objeto inicializador para iOS tiene los siguientes argumentos:</a:t>
-            </a:r>
-            <a:endParaRPr>
-              <a:solidFill>
-                <a:srgbClr val="3D63AB"/>
-              </a:solidFill>
-            </a:endParaRPr>
-          </a:p>
-          <a:p>
-            <a:pPr indent="0" lvl="0" marL="0" rtl="0" algn="l">
-              <a:lnSpc>
-                <a:spcPct val="90000"/>
-              </a:lnSpc>
-              <a:spcBef>
-                <a:spcPts val="600"/>
-              </a:spcBef>
-              <a:spcAft>
-                <a:spcPts val="0"/>
-              </a:spcAft>
+            <a:pPr indent="0" lvl="0" marL="0" marR="0" rtl="0" algn="l">
+              <a:lnSpc>
+                <a:spcPct val="85000"/>
+              </a:lnSpc>
+              <a:spcBef>
+                <a:spcPts val="0"/>
+              </a:spcBef>
+              <a:spcAft>
+                <a:spcPts val="0"/>
+              </a:spcAft>
+              <a:buClr>
+                <a:srgbClr val="000000"/>
+              </a:buClr>
+              <a:buSzPts val="2200"/>
+              <a:buFont typeface="Arial"/>
               <a:buNone/>
             </a:pPr>
             <a:r>
               <a:t/>
             </a:r>
-            <a:endParaRPr>
+            <a:endParaRPr b="0" i="0" sz="2200" u="none" cap="none" strike="noStrike">
               <a:solidFill>
                 <a:srgbClr val="3D63AB"/>
               </a:solidFill>
-            </a:endParaRPr>
-          </a:p>
-          <a:p>
-            <a:pPr indent="-311150" lvl="0" marL="457200" rtl="0" algn="l">
-              <a:lnSpc>
-                <a:spcPct val="115000"/>
-              </a:lnSpc>
-              <a:spcBef>
-                <a:spcPts val="600"/>
-              </a:spcBef>
-              <a:spcAft>
-                <a:spcPts val="0"/>
-              </a:spcAft>
-              <a:buClr>
-                <a:srgbClr val="3D63AB"/>
-              </a:buClr>
-              <a:buSzPts val="1300"/>
-              <a:buChar char="●"/>
-            </a:pPr>
-            <a:r>
-              <a:rPr lang="es">
-                <a:solidFill>
-                  <a:srgbClr val="3D63AB"/>
-                </a:solidFill>
-              </a:rPr>
-              <a:t>requestAlertPermission</a:t>
-            </a:r>
-            <a:endParaRPr>
-              <a:solidFill>
-                <a:srgbClr val="3D63AB"/>
-              </a:solidFill>
-            </a:endParaRPr>
-          </a:p>
-          <a:p>
-            <a:pPr indent="-311150" lvl="0" marL="457200" rtl="0" algn="l">
-              <a:lnSpc>
-                <a:spcPct val="115000"/>
-              </a:lnSpc>
-              <a:spcBef>
-                <a:spcPts val="0"/>
-              </a:spcBef>
-              <a:spcAft>
-                <a:spcPts val="0"/>
-              </a:spcAft>
-              <a:buClr>
-                <a:srgbClr val="3D63AB"/>
-              </a:buClr>
-              <a:buSzPts val="1300"/>
-              <a:buChar char="●"/>
-            </a:pPr>
-            <a:r>
-              <a:rPr lang="es">
-                <a:solidFill>
-                  <a:srgbClr val="3D63AB"/>
-                </a:solidFill>
-              </a:rPr>
-              <a:t>requestBadgePermission</a:t>
-            </a:r>
-            <a:endParaRPr>
-              <a:solidFill>
-                <a:srgbClr val="3D63AB"/>
-              </a:solidFill>
-            </a:endParaRPr>
-          </a:p>
-          <a:p>
-            <a:pPr indent="-311150" lvl="0" marL="457200" rtl="0" algn="l">
-              <a:lnSpc>
-                <a:spcPct val="115000"/>
-              </a:lnSpc>
-              <a:spcBef>
-                <a:spcPts val="0"/>
-              </a:spcBef>
-              <a:spcAft>
-                <a:spcPts val="0"/>
-              </a:spcAft>
-              <a:buClr>
-                <a:srgbClr val="3D63AB"/>
-              </a:buClr>
-              <a:buSzPts val="1300"/>
-              <a:buChar char="●"/>
-            </a:pPr>
-            <a:r>
-              <a:rPr lang="es">
-                <a:solidFill>
-                  <a:srgbClr val="3D63AB"/>
-                </a:solidFill>
-              </a:rPr>
-              <a:t>requestSoundPermission</a:t>
-            </a:r>
-            <a:endParaRPr>
-              <a:solidFill>
-                <a:srgbClr val="3D63AB"/>
-              </a:solidFill>
-            </a:endParaRPr>
-          </a:p>
-          <a:p>
-            <a:pPr indent="-311150" lvl="0" marL="457200" rtl="0" algn="l">
-              <a:lnSpc>
-                <a:spcPct val="115000"/>
-              </a:lnSpc>
-              <a:spcBef>
-                <a:spcPts val="0"/>
-              </a:spcBef>
-              <a:spcAft>
-                <a:spcPts val="0"/>
-              </a:spcAft>
-              <a:buClr>
-                <a:srgbClr val="3D63AB"/>
-              </a:buClr>
-              <a:buSzPts val="1300"/>
-              <a:buChar char="●"/>
-            </a:pPr>
-            <a:r>
-              <a:rPr lang="es">
-                <a:solidFill>
-                  <a:srgbClr val="3D63AB"/>
-                </a:solidFill>
-              </a:rPr>
-              <a:t>defaultPresentAlert</a:t>
-            </a:r>
-            <a:endParaRPr>
-              <a:solidFill>
-                <a:srgbClr val="3D63AB"/>
-              </a:solidFill>
-            </a:endParaRPr>
-          </a:p>
-          <a:p>
-            <a:pPr indent="-311150" lvl="0" marL="457200" rtl="0" algn="l">
-              <a:lnSpc>
-                <a:spcPct val="115000"/>
-              </a:lnSpc>
-              <a:spcBef>
-                <a:spcPts val="0"/>
-              </a:spcBef>
-              <a:spcAft>
-                <a:spcPts val="0"/>
-              </a:spcAft>
-              <a:buClr>
-                <a:srgbClr val="3D63AB"/>
-              </a:buClr>
-              <a:buSzPts val="1300"/>
-              <a:buChar char="●"/>
-            </a:pPr>
-            <a:r>
-              <a:rPr lang="es">
-                <a:solidFill>
-                  <a:srgbClr val="3D63AB"/>
-                </a:solidFill>
-              </a:rPr>
-              <a:t>defaultPresentBadge</a:t>
-            </a:r>
-            <a:endParaRPr>
-              <a:solidFill>
-                <a:srgbClr val="3D63AB"/>
-              </a:solidFill>
-            </a:endParaRPr>
-          </a:p>
-          <a:p>
-            <a:pPr indent="-311150" lvl="0" marL="457200" rtl="0" algn="l">
-              <a:lnSpc>
-                <a:spcPct val="115000"/>
-              </a:lnSpc>
-              <a:spcBef>
-                <a:spcPts val="0"/>
-              </a:spcBef>
-              <a:spcAft>
-                <a:spcPts val="0"/>
-              </a:spcAft>
-              <a:buClr>
-                <a:srgbClr val="3D63AB"/>
-              </a:buClr>
-              <a:buSzPts val="1300"/>
-              <a:buChar char="●"/>
-            </a:pPr>
-            <a:r>
-              <a:rPr lang="es">
-                <a:solidFill>
-                  <a:srgbClr val="3D63AB"/>
-                </a:solidFill>
-              </a:rPr>
-              <a:t>defaultPresentSound</a:t>
-            </a:r>
-            <a:endParaRPr>
-              <a:solidFill>
-                <a:srgbClr val="3D63AB"/>
-              </a:solidFill>
-            </a:endParaRPr>
-          </a:p>
-          <a:p>
-            <a:pPr indent="0" lvl="0" marL="0" rtl="0" algn="l">
-              <a:lnSpc>
-                <a:spcPct val="115000"/>
-              </a:lnSpc>
-              <a:spcBef>
-                <a:spcPts val="600"/>
-              </a:spcBef>
-              <a:spcAft>
-                <a:spcPts val="0"/>
-              </a:spcAft>
-              <a:buNone/>
-            </a:pPr>
-            <a:r>
-              <a:t/>
-            </a:r>
-            <a:endParaRPr>
-              <a:solidFill>
-                <a:srgbClr val="3D63AB"/>
-              </a:solidFill>
-            </a:endParaRPr>
-          </a:p>
-          <a:p>
-            <a:pPr indent="0" lvl="0" marL="0" rtl="0" algn="l">
-              <a:lnSpc>
-                <a:spcPct val="90000"/>
-              </a:lnSpc>
-              <a:spcBef>
-                <a:spcPts val="600"/>
-              </a:spcBef>
-              <a:spcAft>
-                <a:spcPts val="0"/>
-              </a:spcAft>
-              <a:buSzPts val="1300"/>
-              <a:buNone/>
-            </a:pPr>
-            <a:r>
-              <a:t/>
-            </a:r>
-            <a:endParaRPr>
-              <a:solidFill>
-                <a:srgbClr val="3D63AB"/>
-              </a:solidFill>
+              <a:latin typeface="Arial"/>
+              <a:ea typeface="Arial"/>
+              <a:cs typeface="Arial"/>
+              <a:sym typeface="Arial"/>
             </a:endParaRPr>
           </a:p>
         </p:txBody>
@@ -19368,7 +18235,7 @@
     </p:bg>
     <p:spTree>
       <p:nvGrpSpPr>
-        <p:cNvPr id="211" name="Shape 211"/>
+        <p:cNvPr id="214" name="Shape 214"/>
         <p:cNvGrpSpPr/>
         <p:nvPr/>
       </p:nvGrpSpPr>
@@ -19382,7 +18249,7 @@
       </p:grpSpPr>
       <p:sp>
         <p:nvSpPr>
-          <p:cNvPr id="212" name="Google Shape;212;gee8943ef34_0_50"/>
+          <p:cNvPr id="215" name="Google Shape;215;gf246b92923_0_151"/>
           <p:cNvSpPr txBox="1"/>
           <p:nvPr>
             <p:ph type="title"/>
@@ -19430,7 +18297,7 @@
                   <a:srgbClr val="E83464"/>
                 </a:solidFill>
               </a:rPr>
-              <a:t>Notificaciones: iOs</a:t>
+              <a:t>Segundo plano </a:t>
             </a:r>
             <a:endParaRPr b="1">
               <a:solidFill>
@@ -19442,7 +18309,7 @@
       </p:sp>
       <p:sp>
         <p:nvSpPr>
-          <p:cNvPr id="213" name="Google Shape;213;gee8943ef34_0_50"/>
+          <p:cNvPr id="216" name="Google Shape;216;gf246b92923_0_151"/>
           <p:cNvSpPr txBox="1"/>
           <p:nvPr>
             <p:ph idx="4294967295" type="body"/>
@@ -19450,8 +18317,8 @@
         </p:nvSpPr>
         <p:spPr>
           <a:xfrm>
-            <a:off x="889600" y="1724375"/>
-            <a:ext cx="7273500" cy="3489300"/>
+            <a:off x="870550" y="1724375"/>
+            <a:ext cx="7240800" cy="2378400"/>
           </a:xfrm>
           <a:prstGeom prst="rect">
             <a:avLst/>
@@ -19468,14 +18335,14 @@
           </a:ln>
         </p:spPr>
         <p:txBody>
-          <a:bodyPr anchorCtr="0" anchor="t" bIns="34275" lIns="0" spcFirstLastPara="1" rIns="0" wrap="square" tIns="34275">
+          <a:bodyPr anchorCtr="0" anchor="ctr" bIns="34275" lIns="0" spcFirstLastPara="1" rIns="0" wrap="square" tIns="34275">
             <a:noAutofit/>
           </a:bodyPr>
           <a:lstStyle/>
           <a:p>
             <a:pPr indent="0" lvl="0" marL="0" rtl="0" algn="just">
               <a:lnSpc>
-                <a:spcPct val="90000"/>
+                <a:spcPct val="115000"/>
               </a:lnSpc>
               <a:spcBef>
                 <a:spcPts val="600"/>
@@ -19487,23 +18354,119 @@
               <a:buNone/>
             </a:pPr>
             <a:r>
-              <a:rPr lang="es">
-                <a:solidFill>
-                  <a:srgbClr val="3D63AB"/>
+              <a:rPr lang="es" sz="1400">
+                <a:solidFill>
+                  <a:srgbClr val="3C63AB"/>
                 </a:solidFill>
               </a:rPr>
-              <a:t>Una advertencia más en iOS tiene que ver con la diferencia de comportamiento entre las notificaciones que se presentan al usuario cuando su aplicación está en primer plano o cuando está en segundo plano. Fuera de la caja, el sistema operativo no mostrará una notificación al usuario si la aplicación está en primer plano. </a:t>
+              <a:t>Una tarea en segundo plano representa </a:t>
             </a:r>
-            <a:endParaRPr>
+            <a:r>
+              <a:rPr lang="es" sz="1400">
+                <a:solidFill>
+                  <a:srgbClr val="3C63AB"/>
+                </a:solidFill>
+              </a:rPr>
+              <a:t>líneas</a:t>
+            </a:r>
+            <a:r>
+              <a:rPr lang="es" sz="1400">
+                <a:solidFill>
+                  <a:srgbClr val="3C63AB"/>
+                </a:solidFill>
+              </a:rPr>
+              <a:t> de </a:t>
+            </a:r>
+            <a:r>
+              <a:rPr lang="es" sz="1400">
+                <a:solidFill>
+                  <a:srgbClr val="3C63AB"/>
+                </a:solidFill>
+              </a:rPr>
+              <a:t>código</a:t>
+            </a:r>
+            <a:r>
+              <a:rPr lang="es" sz="1400">
+                <a:solidFill>
+                  <a:srgbClr val="3C63AB"/>
+                </a:solidFill>
+              </a:rPr>
+              <a:t> que </a:t>
+            </a:r>
+            <a:r>
+              <a:rPr lang="es" sz="1400">
+                <a:solidFill>
+                  <a:srgbClr val="3C63AB"/>
+                </a:solidFill>
+              </a:rPr>
+              <a:t>serán</a:t>
+            </a:r>
+            <a:r>
+              <a:rPr lang="es" sz="1400">
+                <a:solidFill>
+                  <a:srgbClr val="3C63AB"/>
+                </a:solidFill>
+              </a:rPr>
+              <a:t> ejecutadas por fuera del flujo normal de la </a:t>
+            </a:r>
+            <a:r>
+              <a:rPr lang="es" sz="1400">
+                <a:solidFill>
+                  <a:srgbClr val="3C63AB"/>
+                </a:solidFill>
+              </a:rPr>
+              <a:t>aplicación</a:t>
+            </a:r>
+            <a:r>
+              <a:rPr lang="es" sz="1400">
+                <a:solidFill>
+                  <a:srgbClr val="3C63AB"/>
+                </a:solidFill>
+              </a:rPr>
+              <a:t>, en Flutter estas tareas no comparten recursos directamente con la </a:t>
+            </a:r>
+            <a:r>
+              <a:rPr lang="es" sz="1400">
+                <a:solidFill>
+                  <a:srgbClr val="3C63AB"/>
+                </a:solidFill>
+              </a:rPr>
+              <a:t>ejecución</a:t>
+            </a:r>
+            <a:r>
+              <a:rPr lang="es" sz="1400">
+                <a:solidFill>
+                  <a:srgbClr val="3C63AB"/>
+                </a:solidFill>
+              </a:rPr>
+              <a:t> de la </a:t>
+            </a:r>
+            <a:r>
+              <a:rPr lang="es" sz="1400">
+                <a:solidFill>
+                  <a:srgbClr val="3C63AB"/>
+                </a:solidFill>
+              </a:rPr>
+              <a:t>aplicación</a:t>
+            </a:r>
+            <a:r>
+              <a:rPr lang="es" sz="1400">
+                <a:solidFill>
+                  <a:srgbClr val="3C63AB"/>
+                </a:solidFill>
+              </a:rPr>
+              <a:t>.</a:t>
+            </a:r>
+            <a:endParaRPr sz="1400">
               <a:solidFill>
-                <a:srgbClr val="3D63AB"/>
+                <a:srgbClr val="3C63AB"/>
               </a:solidFill>
             </a:endParaRPr>
           </a:p>
           <a:p>
             <a:pPr indent="0" lvl="0" marL="0" rtl="0" algn="just">
               <a:lnSpc>
-                <a:spcPct val="90000"/>
+                <a:spcPct val="115000"/>
               </a:lnSpc>
               <a:spcBef>
                 <a:spcPts val="600"/>
@@ -19517,16 +18480,16 @@
             <a:r>
               <a:t/>
             </a:r>
-            <a:endParaRPr>
+            <a:endParaRPr sz="1400">
               <a:solidFill>
-                <a:srgbClr val="3D63AB"/>
+                <a:srgbClr val="3C63AB"/>
               </a:solidFill>
             </a:endParaRPr>
           </a:p>
           <a:p>
             <a:pPr indent="0" lvl="0" marL="0" rtl="0" algn="just">
               <a:lnSpc>
-                <a:spcPct val="90000"/>
+                <a:spcPct val="115000"/>
               </a:lnSpc>
               <a:spcBef>
                 <a:spcPts val="600"/>
@@ -19538,68 +18501,57 @@
               <a:buNone/>
             </a:pPr>
             <a:r>
-              <a:rPr lang="es">
-                <a:solidFill>
-                  <a:srgbClr val="3D63AB"/>
+              <a:rPr lang="es" sz="1400">
+                <a:solidFill>
+                  <a:srgbClr val="3C63AB"/>
                 </a:solidFill>
               </a:rPr>
-              <a:t>El complemento en sí se encargará de mostrar una notificación cuando la aplicación esté en primer plano, pero debajo de iOS10, es necesario proporcionar un método de devolución de llamada onDidReceiveLocalNotification que manejará la interacción del usuario con la notificación.</a:t>
+              <a:t>Para establecer tareas en segundo plano de manera relativamente sencilla dentro de Flutter se usa la </a:t>
             </a:r>
-            <a:endParaRPr>
+            <a:r>
+              <a:rPr lang="es" sz="1400">
+                <a:solidFill>
+                  <a:srgbClr val="3C63AB"/>
+                </a:solidFill>
+              </a:rPr>
+              <a:t>dependencia</a:t>
+            </a:r>
+            <a:r>
+              <a:rPr lang="es" sz="1400">
+                <a:solidFill>
+                  <a:srgbClr val="3C63AB"/>
+                </a:solidFill>
+              </a:rPr>
+              <a:t> </a:t>
+            </a:r>
+            <a:r>
+              <a:rPr lang="es" sz="1400" u="sng">
+                <a:solidFill>
+                  <a:schemeClr val="hlink"/>
+                </a:solidFill>
+                <a:hlinkClick r:id="rId4"/>
+              </a:rPr>
+              <a:t>WorkManager</a:t>
+            </a:r>
+            <a:r>
+              <a:rPr lang="es" sz="1400">
+                <a:solidFill>
+                  <a:srgbClr val="3C63AB"/>
+                </a:solidFill>
+              </a:rPr>
+              <a:t>. WorkManager permite establecer las tareas independiente de la plataforma, adaptándolas de manera automatizada a la plataforma en la que se esté ejecutando.</a:t>
+            </a:r>
+            <a:endParaRPr sz="1200">
               <a:solidFill>
-                <a:srgbClr val="3D63AB"/>
+                <a:srgbClr val="000000"/>
               </a:solidFill>
-            </a:endParaRPr>
-          </a:p>
-          <a:p>
-            <a:pPr indent="0" lvl="0" marL="0" rtl="0" algn="just">
-              <a:lnSpc>
-                <a:spcPct val="90000"/>
-              </a:lnSpc>
-              <a:spcBef>
-                <a:spcPts val="600"/>
-              </a:spcBef>
-              <a:spcAft>
-                <a:spcPts val="0"/>
-              </a:spcAft>
-              <a:buSzPts val="1300"/>
-              <a:buNone/>
-            </a:pPr>
-            <a:r>
-              <a:t/>
-            </a:r>
-            <a:endParaRPr>
-              <a:solidFill>
-                <a:srgbClr val="3D63AB"/>
-              </a:solidFill>
-            </a:endParaRPr>
-          </a:p>
-          <a:p>
-            <a:pPr indent="0" lvl="0" marL="0" rtl="0" algn="just">
-              <a:lnSpc>
-                <a:spcPct val="90000"/>
-              </a:lnSpc>
-              <a:spcBef>
-                <a:spcPts val="600"/>
-              </a:spcBef>
-              <a:spcAft>
-                <a:spcPts val="0"/>
-              </a:spcAft>
-              <a:buSzPts val="1300"/>
-              <a:buNone/>
-            </a:pPr>
-            <a:r>
-              <a:rPr lang="es">
-                <a:solidFill>
-                  <a:srgbClr val="3D63AB"/>
-                </a:solidFill>
-              </a:rPr>
-              <a:t>Después de configurar inicializaciones de plataforma específicas, es hora de envolver toda esta lógica en un método en nuestro servicio de notificación. Nuestro mejor enfoque aquí es crear un método init al que se llamará desde nuestro archivo main.dart cuando la aplicación se inicie por primera vez.</a:t>
-            </a:r>
-            <a:endParaRPr>
-              <a:solidFill>
-                <a:srgbClr val="3D63AB"/>
-              </a:solidFill>
+              <a:highlight>
+                <a:srgbClr val="FFFFFF"/>
+              </a:highlight>
+              <a:latin typeface="Arial"/>
+              <a:ea typeface="Arial"/>
+              <a:cs typeface="Arial"/>
+              <a:sym typeface="Arial"/>
             </a:endParaRPr>
           </a:p>
         </p:txBody>
@@ -19629,7 +18581,7 @@
     </p:bg>
     <p:spTree>
       <p:nvGrpSpPr>
-        <p:cNvPr id="217" name="Shape 217"/>
+        <p:cNvPr id="220" name="Shape 220"/>
         <p:cNvGrpSpPr/>
         <p:nvPr/>
       </p:nvGrpSpPr>
@@ -19643,7 +18595,7 @@
       </p:grpSpPr>
       <p:sp>
         <p:nvSpPr>
-          <p:cNvPr id="218" name="Google Shape;218;gee8943ef34_0_57"/>
+          <p:cNvPr id="221" name="Google Shape;221;gf8e455d771_0_18"/>
           <p:cNvSpPr txBox="1"/>
           <p:nvPr>
             <p:ph type="title"/>
@@ -19691,7 +18643,7 @@
                   <a:srgbClr val="E83464"/>
                 </a:solidFill>
               </a:rPr>
-              <a:t>Notificaciones: Uso</a:t>
+              <a:t>Segundo plano </a:t>
             </a:r>
             <a:endParaRPr b="1">
               <a:solidFill>
@@ -19701,9 +18653,171 @@
           </a:p>
         </p:txBody>
       </p:sp>
+      <p:sp>
+        <p:nvSpPr>
+          <p:cNvPr id="222" name="Google Shape;222;gf8e455d771_0_18"/>
+          <p:cNvSpPr txBox="1"/>
+          <p:nvPr>
+            <p:ph idx="4294967295" type="body"/>
+          </p:nvPr>
+        </p:nvSpPr>
+        <p:spPr>
+          <a:xfrm>
+            <a:off x="870550" y="1724375"/>
+            <a:ext cx="7240800" cy="1479900"/>
+          </a:xfrm>
+          <a:prstGeom prst="rect">
+            <a:avLst/>
+          </a:prstGeom>
+          <a:noFill/>
+          <a:ln cap="flat" cmpd="sng" w="9525">
+            <a:solidFill>
+              <a:schemeClr val="dk1"/>
+            </a:solidFill>
+            <a:prstDash val="solid"/>
+            <a:round/>
+            <a:headEnd len="sm" w="sm" type="none"/>
+            <a:tailEnd len="sm" w="sm" type="none"/>
+          </a:ln>
+        </p:spPr>
+        <p:txBody>
+          <a:bodyPr anchorCtr="0" anchor="ctr" bIns="34275" lIns="0" spcFirstLastPara="1" rIns="0" wrap="square" tIns="34275">
+            <a:noAutofit/>
+          </a:bodyPr>
+          <a:lstStyle/>
+          <a:p>
+            <a:pPr indent="0" lvl="0" marL="0" rtl="0" algn="just">
+              <a:lnSpc>
+                <a:spcPct val="115000"/>
+              </a:lnSpc>
+              <a:spcBef>
+                <a:spcPts val="600"/>
+              </a:spcBef>
+              <a:spcAft>
+                <a:spcPts val="0"/>
+              </a:spcAft>
+              <a:buSzPts val="1300"/>
+              <a:buNone/>
+            </a:pPr>
+            <a:r>
+              <a:rPr lang="es" sz="1400">
+                <a:solidFill>
+                  <a:srgbClr val="3C63AB"/>
+                </a:solidFill>
+              </a:rPr>
+              <a:t>Para agregar WorkManager al proyecto se utiliza el comando:</a:t>
+            </a:r>
+            <a:endParaRPr sz="1400">
+              <a:solidFill>
+                <a:srgbClr val="3C63AB"/>
+              </a:solidFill>
+            </a:endParaRPr>
+          </a:p>
+          <a:p>
+            <a:pPr indent="0" lvl="0" marL="0" rtl="0" algn="ctr">
+              <a:spcBef>
+                <a:spcPts val="600"/>
+              </a:spcBef>
+              <a:spcAft>
+                <a:spcPts val="0"/>
+              </a:spcAft>
+              <a:buSzPts val="1300"/>
+              <a:buNone/>
+            </a:pPr>
+            <a:r>
+              <a:t/>
+            </a:r>
+            <a:endParaRPr sz="1400">
+              <a:solidFill>
+                <a:srgbClr val="3C63AB"/>
+              </a:solidFill>
+              <a:latin typeface="Courier New"/>
+              <a:ea typeface="Courier New"/>
+              <a:cs typeface="Courier New"/>
+              <a:sym typeface="Courier New"/>
+            </a:endParaRPr>
+          </a:p>
+          <a:p>
+            <a:pPr indent="0" lvl="0" marL="0" rtl="0" algn="ctr">
+              <a:spcBef>
+                <a:spcPts val="600"/>
+              </a:spcBef>
+              <a:spcAft>
+                <a:spcPts val="0"/>
+              </a:spcAft>
+              <a:buSzPts val="1300"/>
+              <a:buNone/>
+            </a:pPr>
+            <a:r>
+              <a:t/>
+            </a:r>
+            <a:endParaRPr sz="1400">
+              <a:solidFill>
+                <a:srgbClr val="3C63AB"/>
+              </a:solidFill>
+              <a:latin typeface="Courier New"/>
+              <a:ea typeface="Courier New"/>
+              <a:cs typeface="Courier New"/>
+              <a:sym typeface="Courier New"/>
+            </a:endParaRPr>
+          </a:p>
+          <a:p>
+            <a:pPr indent="0" lvl="0" marL="0" rtl="0" algn="ctr">
+              <a:spcBef>
+                <a:spcPts val="600"/>
+              </a:spcBef>
+              <a:spcAft>
+                <a:spcPts val="0"/>
+              </a:spcAft>
+              <a:buSzPts val="1300"/>
+              <a:buNone/>
+            </a:pPr>
+            <a:r>
+              <a:t/>
+            </a:r>
+            <a:endParaRPr sz="1400">
+              <a:solidFill>
+                <a:srgbClr val="3C63AB"/>
+              </a:solidFill>
+              <a:latin typeface="Courier New"/>
+              <a:ea typeface="Courier New"/>
+              <a:cs typeface="Courier New"/>
+              <a:sym typeface="Courier New"/>
+            </a:endParaRPr>
+          </a:p>
+          <a:p>
+            <a:pPr indent="0" lvl="0" marL="0" rtl="0" algn="l">
+              <a:lnSpc>
+                <a:spcPct val="115000"/>
+              </a:lnSpc>
+              <a:spcBef>
+                <a:spcPts val="600"/>
+              </a:spcBef>
+              <a:spcAft>
+                <a:spcPts val="0"/>
+              </a:spcAft>
+              <a:buSzPts val="1300"/>
+              <a:buNone/>
+            </a:pPr>
+            <a:r>
+              <a:rPr lang="es" sz="1400">
+                <a:solidFill>
+                  <a:srgbClr val="3C63AB"/>
+                </a:solidFill>
+              </a:rPr>
+              <a:t>Posteriormente se debe verificar que se haya agregado correctamente:</a:t>
+            </a:r>
+            <a:endParaRPr sz="1400">
+              <a:solidFill>
+                <a:srgbClr val="3C63AB"/>
+              </a:solidFill>
+            </a:endParaRPr>
+          </a:p>
+        </p:txBody>
+      </p:sp>
       <p:pic>
         <p:nvPicPr>
-          <p:cNvPr id="219" name="Google Shape;219;gee8943ef34_0_57"/>
+          <p:cNvPr id="223" name="Google Shape;223;gf8e455d771_0_18"/>
           <p:cNvPicPr preferRelativeResize="0"/>
           <p:nvPr/>
         </p:nvPicPr>
@@ -19717,8 +18831,36 @@
         </p:blipFill>
         <p:spPr>
           <a:xfrm>
-            <a:off x="1878700" y="1813600"/>
-            <a:ext cx="4486625" cy="2901050"/>
+            <a:off x="3768599" y="3690925"/>
+            <a:ext cx="1986499" cy="739150"/>
+          </a:xfrm>
+          <a:prstGeom prst="rect">
+            <a:avLst/>
+          </a:prstGeom>
+          <a:noFill/>
+          <a:ln>
+            <a:noFill/>
+          </a:ln>
+        </p:spPr>
+      </p:pic>
+      <p:pic>
+        <p:nvPicPr>
+          <p:cNvPr id="224" name="Google Shape;224;gf8e455d771_0_18"/>
+          <p:cNvPicPr preferRelativeResize="0"/>
+          <p:nvPr/>
+        </p:nvPicPr>
+        <p:blipFill>
+          <a:blip r:embed="rId5">
+            <a:alphaModFix/>
+          </a:blip>
+          <a:stretch>
+            <a:fillRect/>
+          </a:stretch>
+        </p:blipFill>
+        <p:spPr>
+          <a:xfrm>
+            <a:off x="3481400" y="2182800"/>
+            <a:ext cx="2560901" cy="563050"/>
           </a:xfrm>
           <a:prstGeom prst="rect">
             <a:avLst/>
@@ -19754,7 +18896,7 @@
     </p:bg>
     <p:spTree>
       <p:nvGrpSpPr>
-        <p:cNvPr id="223" name="Shape 223"/>
+        <p:cNvPr id="228" name="Shape 228"/>
         <p:cNvGrpSpPr/>
         <p:nvPr/>
       </p:nvGrpSpPr>
@@ -19768,7 +18910,7 @@
       </p:grpSpPr>
       <p:sp>
         <p:nvSpPr>
-          <p:cNvPr id="224" name="Google Shape;224;gee8943ef34_0_63"/>
+          <p:cNvPr id="229" name="Google Shape;229;gf246b92923_0_172"/>
           <p:cNvSpPr txBox="1"/>
           <p:nvPr>
             <p:ph type="title"/>
@@ -19803,11 +18945,6 @@
               <a:spcAft>
                 <a:spcPts val="0"/>
               </a:spcAft>
-              <a:buClr>
-                <a:srgbClr val="3F3F3F"/>
-              </a:buClr>
-              <a:buSzPts val="3600"/>
-              <a:buFont typeface="Arial"/>
               <a:buNone/>
             </a:pPr>
             <a:r>
@@ -19816,7 +18953,7 @@
                   <a:srgbClr val="E83464"/>
                 </a:solidFill>
               </a:rPr>
-              <a:t>Notificaciones: Uso</a:t>
+              <a:t>Complemento Flutter WorkManager</a:t>
             </a:r>
             <a:endParaRPr b="1">
               <a:solidFill>
@@ -19828,7 +18965,7 @@
       </p:sp>
       <p:sp>
         <p:nvSpPr>
-          <p:cNvPr id="225" name="Google Shape;225;gee8943ef34_0_63"/>
+          <p:cNvPr id="230" name="Google Shape;230;gf246b92923_0_172"/>
           <p:cNvSpPr txBox="1"/>
           <p:nvPr>
             <p:ph idx="4294967295" type="body"/>
@@ -19836,8 +18973,8 @@
         </p:nvSpPr>
         <p:spPr>
           <a:xfrm>
-            <a:off x="999100" y="1724375"/>
-            <a:ext cx="6630900" cy="3489300"/>
+            <a:off x="870550" y="1724375"/>
+            <a:ext cx="7211100" cy="1981500"/>
           </a:xfrm>
           <a:prstGeom prst="rect">
             <a:avLst/>
@@ -19854,14 +18991,14 @@
           </a:ln>
         </p:spPr>
         <p:txBody>
-          <a:bodyPr anchorCtr="0" anchor="t" bIns="34275" lIns="0" spcFirstLastPara="1" rIns="0" wrap="square" tIns="34275">
+          <a:bodyPr anchorCtr="0" anchor="ctr" bIns="34275" lIns="0" spcFirstLastPara="1" rIns="0" wrap="square" tIns="34275">
             <a:noAutofit/>
           </a:bodyPr>
           <a:lstStyle/>
           <a:p>
             <a:pPr indent="0" lvl="0" marL="0" rtl="0" algn="just">
               <a:lnSpc>
-                <a:spcPct val="90000"/>
+                <a:spcPct val="115000"/>
               </a:lnSpc>
               <a:spcBef>
                 <a:spcPts val="600"/>
@@ -19872,23 +19009,23 @@
               <a:buNone/>
             </a:pPr>
             <a:r>
-              <a:rPr lang="es">
-                <a:solidFill>
-                  <a:srgbClr val="3D63AB"/>
+              <a:rPr lang="es" sz="1400">
+                <a:solidFill>
+                  <a:srgbClr val="3C63AB"/>
                 </a:solidFill>
               </a:rPr>
-              <a:t>Hay que tener  en cuenta que después de crear instancias para configuraciones de inicialización específicas de la plataforma, también necesitamos crear un objeto InitializationSettings que pasamos en los objetos de configuración de inicialización específicos de nuestra plataforma.</a:t>
+              <a:t>Con WorkManager solo es necesario seguir los siguientes pasos:</a:t>
             </a:r>
-            <a:endParaRPr>
+            <a:endParaRPr sz="1400">
               <a:solidFill>
-                <a:srgbClr val="3D63AB"/>
+                <a:srgbClr val="3C63AB"/>
               </a:solidFill>
             </a:endParaRPr>
           </a:p>
           <a:p>
-            <a:pPr indent="0" lvl="0" marL="0" rtl="0" algn="just">
-              <a:lnSpc>
-                <a:spcPct val="90000"/>
+            <a:pPr indent="-317500" lvl="0" marL="457200" rtl="0" algn="just">
+              <a:lnSpc>
+                <a:spcPct val="115000"/>
               </a:lnSpc>
               <a:spcBef>
                 <a:spcPts val="600"/>
@@ -19896,64 +19033,101 @@
               <a:spcAft>
                 <a:spcPts val="0"/>
               </a:spcAft>
-              <a:buNone/>
+              <a:buClr>
+                <a:srgbClr val="3C63AB"/>
+              </a:buClr>
+              <a:buSzPts val="1400"/>
+              <a:buChar char="●"/>
             </a:pPr>
             <a:r>
-              <a:t/>
+              <a:rPr lang="es" sz="1400">
+                <a:solidFill>
+                  <a:srgbClr val="3C63AB"/>
+                </a:solidFill>
+              </a:rPr>
+              <a:t>Definir un </a:t>
             </a:r>
-            <a:endParaRPr>
+            <a:r>
+              <a:rPr b="1" lang="es" sz="1400">
+                <a:solidFill>
+                  <a:srgbClr val="3C63AB"/>
+                </a:solidFill>
+              </a:rPr>
+              <a:t>callbackDispatcher()</a:t>
+            </a:r>
+            <a:endParaRPr b="1" sz="1400">
               <a:solidFill>
-                <a:srgbClr val="3D63AB"/>
+                <a:srgbClr val="3C63AB"/>
               </a:solidFill>
             </a:endParaRPr>
           </a:p>
           <a:p>
-            <a:pPr indent="0" lvl="0" marL="0" rtl="0" algn="just">
-              <a:lnSpc>
-                <a:spcPct val="90000"/>
-              </a:lnSpc>
-              <a:spcBef>
-                <a:spcPts val="600"/>
-              </a:spcBef>
-              <a:spcAft>
-                <a:spcPts val="0"/>
-              </a:spcAft>
-              <a:buNone/>
+            <a:pPr indent="-317500" lvl="0" marL="457200" rtl="0" algn="just">
+              <a:lnSpc>
+                <a:spcPct val="115000"/>
+              </a:lnSpc>
+              <a:spcBef>
+                <a:spcPts val="0"/>
+              </a:spcBef>
+              <a:spcAft>
+                <a:spcPts val="0"/>
+              </a:spcAft>
+              <a:buClr>
+                <a:srgbClr val="3C63AB"/>
+              </a:buClr>
+              <a:buSzPts val="1400"/>
+              <a:buChar char="●"/>
             </a:pPr>
             <a:r>
-              <a:rPr lang="es">
-                <a:solidFill>
-                  <a:srgbClr val="3D63AB"/>
+              <a:rPr lang="es" sz="1400">
+                <a:solidFill>
+                  <a:srgbClr val="3C63AB"/>
                 </a:solidFill>
               </a:rPr>
-              <a:t>Nuestro último paso aquí es llamar al método initialize en el objeto FlutterLocalNotificationsPlugin . Además de la configuración de inicialización de arriba, también tiene otro argumento llamado onSelectNotification . Este argumento representa la devolución de llamada que se llamará una vez que se haya tocado una notificación y es un argumento opcional. Esta devolución de llamada tiene un argumento llamado carga útil que contendrá cualquier dato que se pase a través de la notificación.</a:t>
+              <a:t>Inicializar </a:t>
             </a:r>
-            <a:endParaRPr>
+            <a:r>
+              <a:rPr b="1" lang="es" sz="1400">
+                <a:solidFill>
+                  <a:srgbClr val="3C63AB"/>
+                </a:solidFill>
+              </a:rPr>
+              <a:t>WorkManager()</a:t>
+            </a:r>
+            <a:endParaRPr b="1" sz="1400">
               <a:solidFill>
-                <a:srgbClr val="3D63AB"/>
+                <a:srgbClr val="3C63AB"/>
               </a:solidFill>
             </a:endParaRPr>
           </a:p>
           <a:p>
-            <a:pPr indent="0" lvl="0" marL="0" rtl="0" algn="l">
-              <a:lnSpc>
-                <a:spcPct val="90000"/>
-              </a:lnSpc>
-              <a:spcBef>
-                <a:spcPts val="600"/>
-              </a:spcBef>
-              <a:spcAft>
-                <a:spcPts val="0"/>
-              </a:spcAft>
-              <a:buSzPts val="1300"/>
-              <a:buNone/>
+            <a:pPr indent="-317500" lvl="0" marL="457200" rtl="0" algn="just">
+              <a:lnSpc>
+                <a:spcPct val="115000"/>
+              </a:lnSpc>
+              <a:spcBef>
+                <a:spcPts val="0"/>
+              </a:spcBef>
+              <a:spcAft>
+                <a:spcPts val="0"/>
+              </a:spcAft>
+              <a:buClr>
+                <a:srgbClr val="3C63AB"/>
+              </a:buClr>
+              <a:buSzPts val="1400"/>
+              <a:buChar char="●"/>
             </a:pPr>
             <a:r>
-              <a:t/>
+              <a:rPr lang="es" sz="1400">
+                <a:solidFill>
+                  <a:srgbClr val="3C63AB"/>
+                </a:solidFill>
+              </a:rPr>
+              <a:t>Registrar la tarea</a:t>
             </a:r>
-            <a:endParaRPr>
+            <a:endParaRPr sz="1400">
               <a:solidFill>
-                <a:srgbClr val="3D63AB"/>
+                <a:srgbClr val="3C63AB"/>
               </a:solidFill>
             </a:endParaRPr>
           </a:p>
@@ -19984,7 +19158,7 @@
     </p:bg>
     <p:spTree>
       <p:nvGrpSpPr>
-        <p:cNvPr id="229" name="Shape 229"/>
+        <p:cNvPr id="234" name="Shape 234"/>
         <p:cNvGrpSpPr/>
         <p:nvPr/>
       </p:nvGrpSpPr>
@@ -19998,7 +19172,7 @@
       </p:grpSpPr>
       <p:sp>
         <p:nvSpPr>
-          <p:cNvPr id="230" name="Google Shape;230;gee8943ef34_0_70"/>
+          <p:cNvPr id="235" name="Google Shape;235;gf8e455d771_0_27"/>
           <p:cNvSpPr txBox="1"/>
           <p:nvPr>
             <p:ph type="title"/>
@@ -20033,36 +19207,27 @@
               <a:spcAft>
                 <a:spcPts val="0"/>
               </a:spcAft>
-              <a:buClr>
-                <a:srgbClr val="3F3F3F"/>
-              </a:buClr>
-              <a:buSzPts val="3600"/>
-              <a:buFont typeface="Arial"/>
               <a:buNone/>
             </a:pPr>
             <a:r>
-              <a:rPr lang="es">
+              <a:rPr b="1" lang="es">
                 <a:solidFill>
                   <a:srgbClr val="E83464"/>
                 </a:solidFill>
               </a:rPr>
-              <a:t>Notificaciones: Uso</a:t>
+              <a:t>Complemento Flutter WorkManager</a:t>
             </a:r>
-            <a:endParaRPr>
+            <a:endParaRPr b="1">
               <a:solidFill>
                 <a:srgbClr val="E83464"/>
               </a:solidFill>
-              <a:latin typeface="Arial"/>
-              <a:ea typeface="Arial"/>
-              <a:cs typeface="Arial"/>
-              <a:sym typeface="Arial"/>
             </a:endParaRPr>
           </a:p>
         </p:txBody>
       </p:sp>
       <p:sp>
         <p:nvSpPr>
-          <p:cNvPr id="231" name="Google Shape;231;gee8943ef34_0_70"/>
+          <p:cNvPr id="236" name="Google Shape;236;gf8e455d771_0_27"/>
           <p:cNvSpPr txBox="1"/>
           <p:nvPr>
             <p:ph idx="4294967295" type="body"/>
@@ -20070,8 +19235,8 @@
         </p:nvSpPr>
         <p:spPr>
           <a:xfrm>
-            <a:off x="4511400" y="1724375"/>
-            <a:ext cx="3883800" cy="3489300"/>
+            <a:off x="870550" y="1724375"/>
+            <a:ext cx="7211100" cy="847500"/>
           </a:xfrm>
           <a:prstGeom prst="rect">
             <a:avLst/>
@@ -20093,7 +19258,7 @@
           </a:bodyPr>
           <a:lstStyle/>
           <a:p>
-            <a:pPr indent="0" lvl="0" marL="0" rtl="0" algn="l">
+            <a:pPr indent="0" lvl="0" marL="0" rtl="0" algn="just">
               <a:lnSpc>
                 <a:spcPct val="90000"/>
               </a:lnSpc>
@@ -20106,16 +19271,48 @@
               <a:buNone/>
             </a:pPr>
             <a:r>
-              <a:rPr lang="es" sz="1200">
-                <a:solidFill>
-                  <a:srgbClr val="3D63AB"/>
+              <a:rPr lang="es" sz="1400">
+                <a:solidFill>
+                  <a:srgbClr val="3C63AB"/>
                 </a:solidFill>
               </a:rPr>
-              <a:t>En nuestro archivo main.dart, llamaremos al método init así:</a:t>
+              <a:t>Un </a:t>
             </a:r>
-            <a:endParaRPr sz="1200">
+            <a:r>
+              <a:rPr i="1" lang="es" sz="1400">
+                <a:solidFill>
+                  <a:srgbClr val="3C63AB"/>
+                </a:solidFill>
+              </a:rPr>
+              <a:t>CallbackDispatcher</a:t>
+            </a:r>
+            <a:r>
+              <a:rPr lang="es" sz="1400">
+                <a:solidFill>
+                  <a:srgbClr val="3C63AB"/>
+                </a:solidFill>
+              </a:rPr>
+              <a:t> es un método de “nivel superior” o estático que se encarga de ejecutar la tarea. Un método de nivel superior simplemente es aquel que está definido fuera del entorno de la aplicación (al mismo nivel que </a:t>
+            </a:r>
+            <a:r>
+              <a:rPr b="1" lang="es" sz="1400">
+                <a:solidFill>
+                  <a:srgbClr val="3C63AB"/>
+                </a:solidFill>
+              </a:rPr>
+              <a:t>main()</a:t>
+            </a:r>
+            <a:r>
+              <a:rPr lang="es" sz="1400">
+                <a:solidFill>
+                  <a:srgbClr val="3C63AB"/>
+                </a:solidFill>
+              </a:rPr>
+              <a:t>):</a:t>
+            </a:r>
+            <a:endParaRPr sz="1400">
               <a:solidFill>
-                <a:srgbClr val="3D63AB"/>
+                <a:srgbClr val="3C63AB"/>
               </a:solidFill>
             </a:endParaRPr>
           </a:p>
@@ -20130,223 +19327,23 @@
               <a:spcAft>
                 <a:spcPts val="0"/>
               </a:spcAft>
+              <a:buSzPts val="1300"/>
               <a:buNone/>
             </a:pPr>
             <a:r>
               <a:t/>
             </a:r>
-            <a:endParaRPr sz="1200">
+            <a:endParaRPr sz="1400">
               <a:solidFill>
-                <a:srgbClr val="3D63AB"/>
+                <a:srgbClr val="3C63AB"/>
               </a:solidFill>
-            </a:endParaRPr>
-          </a:p>
-          <a:p>
-            <a:pPr indent="0" lvl="0" marL="457200" rtl="0" algn="l">
-              <a:lnSpc>
-                <a:spcPct val="90000"/>
-              </a:lnSpc>
-              <a:spcBef>
-                <a:spcPts val="600"/>
-              </a:spcBef>
-              <a:spcAft>
-                <a:spcPts val="0"/>
-              </a:spcAft>
-              <a:buNone/>
-            </a:pPr>
-            <a:r>
-              <a:rPr lang="es" sz="1200">
-                <a:solidFill>
-                  <a:srgbClr val="3D63AB"/>
-                </a:solidFill>
-                <a:latin typeface="Courier New"/>
-                <a:ea typeface="Courier New"/>
-                <a:cs typeface="Courier New"/>
-                <a:sym typeface="Courier New"/>
-              </a:rPr>
-              <a:t>Future&lt;void&gt; main() async {</a:t>
-            </a:r>
-            <a:endParaRPr sz="1200">
-              <a:solidFill>
-                <a:srgbClr val="3D63AB"/>
-              </a:solidFill>
-              <a:latin typeface="Courier New"/>
-              <a:ea typeface="Courier New"/>
-              <a:cs typeface="Courier New"/>
-              <a:sym typeface="Courier New"/>
-            </a:endParaRPr>
-          </a:p>
-          <a:p>
-            <a:pPr indent="0" lvl="0" marL="457200" rtl="0" algn="l">
-              <a:lnSpc>
-                <a:spcPct val="90000"/>
-              </a:lnSpc>
-              <a:spcBef>
-                <a:spcPts val="600"/>
-              </a:spcBef>
-              <a:spcAft>
-                <a:spcPts val="0"/>
-              </a:spcAft>
-              <a:buNone/>
-            </a:pPr>
-            <a:r>
-              <a:rPr lang="es" sz="1200">
-                <a:solidFill>
-                  <a:srgbClr val="3D63AB"/>
-                </a:solidFill>
-                <a:latin typeface="Courier New"/>
-                <a:ea typeface="Courier New"/>
-                <a:cs typeface="Courier New"/>
-                <a:sym typeface="Courier New"/>
-              </a:rPr>
-              <a:t>  WidgetsFlutterBinding.ensureInitialized();</a:t>
-            </a:r>
-            <a:endParaRPr sz="1200">
-              <a:solidFill>
-                <a:srgbClr val="3D63AB"/>
-              </a:solidFill>
-              <a:latin typeface="Courier New"/>
-              <a:ea typeface="Courier New"/>
-              <a:cs typeface="Courier New"/>
-              <a:sym typeface="Courier New"/>
-            </a:endParaRPr>
-          </a:p>
-          <a:p>
-            <a:pPr indent="0" lvl="0" marL="457200" rtl="0" algn="l">
-              <a:lnSpc>
-                <a:spcPct val="90000"/>
-              </a:lnSpc>
-              <a:spcBef>
-                <a:spcPts val="600"/>
-              </a:spcBef>
-              <a:spcAft>
-                <a:spcPts val="0"/>
-              </a:spcAft>
-              <a:buNone/>
-            </a:pPr>
-            <a:r>
-              <a:rPr lang="es" sz="1200">
-                <a:solidFill>
-                  <a:srgbClr val="3D63AB"/>
-                </a:solidFill>
-                <a:latin typeface="Courier New"/>
-                <a:ea typeface="Courier New"/>
-                <a:cs typeface="Courier New"/>
-                <a:sym typeface="Courier New"/>
-              </a:rPr>
-              <a:t>  await NotificationService().init(); // &lt;----</a:t>
-            </a:r>
-            <a:endParaRPr sz="1200">
-              <a:solidFill>
-                <a:srgbClr val="3D63AB"/>
-              </a:solidFill>
-              <a:latin typeface="Courier New"/>
-              <a:ea typeface="Courier New"/>
-              <a:cs typeface="Courier New"/>
-              <a:sym typeface="Courier New"/>
-            </a:endParaRPr>
-          </a:p>
-          <a:p>
-            <a:pPr indent="0" lvl="0" marL="457200" rtl="0" algn="l">
-              <a:lnSpc>
-                <a:spcPct val="90000"/>
-              </a:lnSpc>
-              <a:spcBef>
-                <a:spcPts val="600"/>
-              </a:spcBef>
-              <a:spcAft>
-                <a:spcPts val="0"/>
-              </a:spcAft>
-              <a:buNone/>
-            </a:pPr>
-            <a:r>
-              <a:rPr lang="es" sz="1200">
-                <a:solidFill>
-                  <a:srgbClr val="3D63AB"/>
-                </a:solidFill>
-                <a:latin typeface="Courier New"/>
-                <a:ea typeface="Courier New"/>
-                <a:cs typeface="Courier New"/>
-                <a:sym typeface="Courier New"/>
-              </a:rPr>
-              <a:t>  runApp(MyApp());</a:t>
-            </a:r>
-            <a:endParaRPr sz="1200">
-              <a:solidFill>
-                <a:srgbClr val="3D63AB"/>
-              </a:solidFill>
-              <a:latin typeface="Courier New"/>
-              <a:ea typeface="Courier New"/>
-              <a:cs typeface="Courier New"/>
-              <a:sym typeface="Courier New"/>
-            </a:endParaRPr>
-          </a:p>
-          <a:p>
-            <a:pPr indent="0" lvl="0" marL="457200" rtl="0" algn="l">
-              <a:lnSpc>
-                <a:spcPct val="90000"/>
-              </a:lnSpc>
-              <a:spcBef>
-                <a:spcPts val="600"/>
-              </a:spcBef>
-              <a:spcAft>
-                <a:spcPts val="0"/>
-              </a:spcAft>
-              <a:buNone/>
-            </a:pPr>
-            <a:r>
-              <a:rPr lang="es" sz="1200">
-                <a:solidFill>
-                  <a:srgbClr val="3D63AB"/>
-                </a:solidFill>
-                <a:latin typeface="Courier New"/>
-                <a:ea typeface="Courier New"/>
-                <a:cs typeface="Courier New"/>
-                <a:sym typeface="Courier New"/>
-              </a:rPr>
-              <a:t>}</a:t>
-            </a:r>
-            <a:endParaRPr sz="1200">
-              <a:solidFill>
-                <a:srgbClr val="3D63AB"/>
-              </a:solidFill>
-              <a:latin typeface="Courier New"/>
-              <a:ea typeface="Courier New"/>
-              <a:cs typeface="Courier New"/>
-              <a:sym typeface="Courier New"/>
-            </a:endParaRPr>
-          </a:p>
-          <a:p>
-            <a:pPr indent="0" lvl="0" marL="457200" rtl="0" algn="l">
-              <a:lnSpc>
-                <a:spcPct val="90000"/>
-              </a:lnSpc>
-              <a:spcBef>
-                <a:spcPts val="600"/>
-              </a:spcBef>
-              <a:spcAft>
-                <a:spcPts val="0"/>
-              </a:spcAft>
-              <a:buNone/>
-            </a:pPr>
-            <a:r>
-              <a:t/>
-            </a:r>
-            <a:endParaRPr sz="1200">
-              <a:solidFill>
-                <a:srgbClr val="3D63AB"/>
-              </a:solidFill>
-              <a:latin typeface="Courier New"/>
-              <a:ea typeface="Courier New"/>
-              <a:cs typeface="Courier New"/>
-              <a:sym typeface="Courier New"/>
             </a:endParaRPr>
           </a:p>
         </p:txBody>
       </p:sp>
       <p:pic>
         <p:nvPicPr>
-          <p:cNvPr id="232" name="Google Shape;232;gee8943ef34_0_70"/>
+          <p:cNvPr id="237" name="Google Shape;237;gf8e455d771_0_27"/>
           <p:cNvPicPr preferRelativeResize="0"/>
           <p:nvPr/>
         </p:nvPicPr>
@@ -20360,8 +19357,8 @@
         </p:blipFill>
         <p:spPr>
           <a:xfrm>
-            <a:off x="889600" y="1624649"/>
-            <a:ext cx="3471350" cy="2993400"/>
+            <a:off x="2920463" y="2571875"/>
+            <a:ext cx="3303086" cy="2266824"/>
           </a:xfrm>
           <a:prstGeom prst="rect">
             <a:avLst/>
@@ -20397,7 +19394,7 @@
     </p:bg>
     <p:spTree>
       <p:nvGrpSpPr>
-        <p:cNvPr id="236" name="Shape 236"/>
+        <p:cNvPr id="241" name="Shape 241"/>
         <p:cNvGrpSpPr/>
         <p:nvPr/>
       </p:nvGrpSpPr>
@@ -20411,7 +19408,7 @@
       </p:grpSpPr>
       <p:sp>
         <p:nvSpPr>
-          <p:cNvPr id="237" name="Google Shape;237;gee8943ef34_0_83"/>
+          <p:cNvPr id="242" name="Google Shape;242;gf8e455d771_0_38"/>
           <p:cNvSpPr txBox="1"/>
           <p:nvPr>
             <p:ph type="title"/>
@@ -20446,11 +19443,6 @@
               <a:spcAft>
                 <a:spcPts val="0"/>
               </a:spcAft>
-              <a:buClr>
-                <a:srgbClr val="3F3F3F"/>
-              </a:buClr>
-              <a:buSzPts val="3600"/>
-              <a:buFont typeface="Arial"/>
               <a:buNone/>
             </a:pPr>
             <a:r>
@@ -20459,15 +19451,7 @@
                   <a:srgbClr val="E83464"/>
                 </a:solidFill>
               </a:rPr>
-              <a:t>Notificaciones: mostrar una </a:t>
-            </a:r>
-            <a:r>
-              <a:rPr b="1" lang="es">
-                <a:solidFill>
-                  <a:srgbClr val="E83464"/>
-                </a:solidFill>
-              </a:rPr>
-              <a:t>notificación</a:t>
+              <a:t>Complemento Flutter WorkManager</a:t>
             </a:r>
             <a:endParaRPr b="1">
               <a:solidFill>
@@ -20479,7 +19463,7 @@
       </p:sp>
       <p:sp>
         <p:nvSpPr>
-          <p:cNvPr id="238" name="Google Shape;238;gee8943ef34_0_83"/>
+          <p:cNvPr id="243" name="Google Shape;243;gf8e455d771_0_38"/>
           <p:cNvSpPr txBox="1"/>
           <p:nvPr>
             <p:ph idx="4294967295" type="body"/>
@@ -20487,8 +19471,8 @@
         </p:nvSpPr>
         <p:spPr>
           <a:xfrm>
-            <a:off x="768425" y="1724375"/>
-            <a:ext cx="8076900" cy="3489300"/>
+            <a:off x="870550" y="1724375"/>
+            <a:ext cx="7211100" cy="847500"/>
           </a:xfrm>
           <a:prstGeom prst="rect">
             <a:avLst/>
@@ -20510,7 +19494,7 @@
           </a:bodyPr>
           <a:lstStyle/>
           <a:p>
-            <a:pPr indent="0" lvl="0" marL="0" rtl="0" algn="l">
+            <a:pPr indent="0" lvl="0" marL="0" rtl="0" algn="just">
               <a:lnSpc>
                 <a:spcPct val="90000"/>
               </a:lnSpc>
@@ -20523,16 +19507,56 @@
               <a:buNone/>
             </a:pPr>
             <a:r>
-              <a:rPr lang="es">
-                <a:solidFill>
-                  <a:srgbClr val="3D63AB"/>
+              <a:rPr lang="es" sz="1400">
+                <a:solidFill>
+                  <a:srgbClr val="3C63AB"/>
                 </a:solidFill>
               </a:rPr>
-              <a:t>El ejemplo anterior muestra solo varios de los argumentos que puede pasar a AndroidNotificationDetails . La lista es mucho más larga y puedes consultarla aquí.</a:t>
+              <a:t>Para inicializar el </a:t>
             </a:r>
-            <a:endParaRPr>
+            <a:r>
+              <a:rPr i="1" lang="es" sz="1400">
+                <a:solidFill>
+                  <a:srgbClr val="3C63AB"/>
+                </a:solidFill>
+              </a:rPr>
+              <a:t>WorkManager</a:t>
+            </a:r>
+            <a:r>
+              <a:rPr lang="es" sz="1400">
+                <a:solidFill>
+                  <a:srgbClr val="3C63AB"/>
+                </a:solidFill>
+              </a:rPr>
+              <a:t> solo es necesario pasar el </a:t>
+            </a:r>
+            <a:r>
+              <a:rPr i="1" lang="es" sz="1400">
+                <a:solidFill>
+                  <a:srgbClr val="3C63AB"/>
+                </a:solidFill>
+              </a:rPr>
+              <a:t>CallbackDispatcher</a:t>
+            </a:r>
+            <a:r>
+              <a:rPr lang="es" sz="1400">
+                <a:solidFill>
+                  <a:srgbClr val="3C63AB"/>
+                </a:solidFill>
+              </a:rPr>
+              <a:t>, preferiblemente antes de </a:t>
+            </a:r>
+            <a:r>
+              <a:rPr b="1" lang="es" sz="1400">
+                <a:solidFill>
+                  <a:srgbClr val="3C63AB"/>
+                </a:solidFill>
+              </a:rPr>
+              <a:t>runApp():</a:t>
+            </a:r>
+            <a:endParaRPr b="1" sz="1400">
               <a:solidFill>
-                <a:srgbClr val="3D63AB"/>
+                <a:srgbClr val="3C63AB"/>
               </a:solidFill>
             </a:endParaRPr>
           </a:p>
@@ -20547,129 +19571,15 @@
               <a:spcAft>
                 <a:spcPts val="0"/>
               </a:spcAft>
+              <a:buSzPts val="1300"/>
               <a:buNone/>
             </a:pPr>
             <a:r>
               <a:t/>
             </a:r>
-            <a:endParaRPr>
+            <a:endParaRPr sz="1400">
               <a:solidFill>
-                <a:srgbClr val="3D63AB"/>
-              </a:solidFill>
-            </a:endParaRPr>
-          </a:p>
-          <a:p>
-            <a:pPr indent="0" lvl="0" marL="0" rtl="0" algn="l">
-              <a:lnSpc>
-                <a:spcPct val="90000"/>
-              </a:lnSpc>
-              <a:spcBef>
-                <a:spcPts val="600"/>
-              </a:spcBef>
-              <a:spcAft>
-                <a:spcPts val="0"/>
-              </a:spcAft>
-              <a:buNone/>
-            </a:pPr>
-            <a:r>
-              <a:t/>
-            </a:r>
-            <a:endParaRPr>
-              <a:solidFill>
-                <a:srgbClr val="3D63AB"/>
-              </a:solidFill>
-            </a:endParaRPr>
-          </a:p>
-          <a:p>
-            <a:pPr indent="0" lvl="0" marL="0" rtl="0" algn="l">
-              <a:lnSpc>
-                <a:spcPct val="90000"/>
-              </a:lnSpc>
-              <a:spcBef>
-                <a:spcPts val="600"/>
-              </a:spcBef>
-              <a:spcAft>
-                <a:spcPts val="0"/>
-              </a:spcAft>
-              <a:buNone/>
-            </a:pPr>
-            <a:r>
-              <a:t/>
-            </a:r>
-            <a:endParaRPr>
-              <a:solidFill>
-                <a:srgbClr val="3D63AB"/>
-              </a:solidFill>
-            </a:endParaRPr>
-          </a:p>
-          <a:p>
-            <a:pPr indent="0" lvl="0" marL="0" rtl="0" algn="l">
-              <a:lnSpc>
-                <a:spcPct val="90000"/>
-              </a:lnSpc>
-              <a:spcBef>
-                <a:spcPts val="600"/>
-              </a:spcBef>
-              <a:spcAft>
-                <a:spcPts val="0"/>
-              </a:spcAft>
-              <a:buNone/>
-            </a:pPr>
-            <a:r>
-              <a:t/>
-            </a:r>
-            <a:endParaRPr>
-              <a:solidFill>
-                <a:srgbClr val="3D63AB"/>
-              </a:solidFill>
-            </a:endParaRPr>
-          </a:p>
-          <a:p>
-            <a:pPr indent="0" lvl="0" marL="0" rtl="0" algn="l">
-              <a:lnSpc>
-                <a:spcPct val="90000"/>
-              </a:lnSpc>
-              <a:spcBef>
-                <a:spcPts val="600"/>
-              </a:spcBef>
-              <a:spcAft>
-                <a:spcPts val="0"/>
-              </a:spcAft>
-              <a:buNone/>
-            </a:pPr>
-            <a:r>
-              <a:rPr lang="es">
-                <a:solidFill>
-                  <a:srgbClr val="3D63AB"/>
-                </a:solidFill>
-              </a:rPr>
-              <a:t>Y para iOs</a:t>
-            </a:r>
-            <a:endParaRPr>
-              <a:solidFill>
-                <a:srgbClr val="3D63AB"/>
-              </a:solidFill>
-            </a:endParaRPr>
-          </a:p>
-          <a:p>
-            <a:pPr indent="0" lvl="0" marL="0" rtl="0" algn="l">
-              <a:lnSpc>
-                <a:spcPct val="90000"/>
-              </a:lnSpc>
-              <a:spcBef>
-                <a:spcPts val="600"/>
-              </a:spcBef>
-              <a:spcAft>
-                <a:spcPts val="0"/>
-              </a:spcAft>
-              <a:buNone/>
-            </a:pPr>
-            <a:r>
-              <a:t/>
-            </a:r>
-            <a:endParaRPr>
-              <a:solidFill>
-                <a:srgbClr val="3D63AB"/>
+                <a:srgbClr val="3C63AB"/>
               </a:solidFill>
             </a:endParaRPr>
           </a:p>
@@ -20677,7 +19587,7 @@
       </p:sp>
       <p:pic>
         <p:nvPicPr>
-          <p:cNvPr id="239" name="Google Shape;239;gee8943ef34_0_83"/>
+          <p:cNvPr id="244" name="Google Shape;244;gf8e455d771_0_38"/>
           <p:cNvPicPr preferRelativeResize="0"/>
           <p:nvPr/>
         </p:nvPicPr>
@@ -20691,8 +19601,8 @@
         </p:blipFill>
         <p:spPr>
           <a:xfrm>
-            <a:off x="2770075" y="2199000"/>
-            <a:ext cx="3838475" cy="987850"/>
+            <a:off x="2833400" y="2369750"/>
+            <a:ext cx="3477199" cy="1598325"/>
           </a:xfrm>
           <a:prstGeom prst="rect">
             <a:avLst/>
@@ -20703,24 +19613,18 @@
           </a:ln>
         </p:spPr>
       </p:pic>
-      <p:pic>
-        <p:nvPicPr>
-          <p:cNvPr id="240" name="Google Shape;240;gee8943ef34_0_83"/>
-          <p:cNvPicPr preferRelativeResize="0"/>
-          <p:nvPr/>
-        </p:nvPicPr>
-        <p:blipFill>
-          <a:blip r:embed="rId5">
-            <a:alphaModFix/>
-          </a:blip>
-          <a:stretch>
-            <a:fillRect/>
-          </a:stretch>
-        </p:blipFill>
+      <p:sp>
+        <p:nvSpPr>
+          <p:cNvPr id="245" name="Google Shape;245;gf8e455d771_0_38"/>
+          <p:cNvSpPr txBox="1"/>
+          <p:nvPr>
+            <p:ph idx="4294967295" type="body"/>
+          </p:nvPr>
+        </p:nvSpPr>
         <p:spPr>
           <a:xfrm>
-            <a:off x="197474" y="3522325"/>
-            <a:ext cx="7136625" cy="1227650"/>
+            <a:off x="889600" y="4170200"/>
+            <a:ext cx="5998500" cy="740100"/>
           </a:xfrm>
           <a:prstGeom prst="rect">
             <a:avLst/>
@@ -20730,7 +19634,111 @@
             <a:noFill/>
           </a:ln>
         </p:spPr>
-      </p:pic>
+        <p:txBody>
+          <a:bodyPr anchorCtr="0" anchor="t" bIns="34275" lIns="0" spcFirstLastPara="1" rIns="0" wrap="square" tIns="34275">
+            <a:noAutofit/>
+          </a:bodyPr>
+          <a:lstStyle/>
+          <a:p>
+            <a:pPr indent="0" lvl="0" marL="0" rtl="0" algn="just">
+              <a:lnSpc>
+                <a:spcPct val="90000"/>
+              </a:lnSpc>
+              <a:spcBef>
+                <a:spcPts val="600"/>
+              </a:spcBef>
+              <a:spcAft>
+                <a:spcPts val="0"/>
+              </a:spcAft>
+              <a:buNone/>
+            </a:pPr>
+            <a:r>
+              <a:rPr b="1" i="1" lang="es" sz="1400">
+                <a:solidFill>
+                  <a:srgbClr val="3C63AB"/>
+                </a:solidFill>
+              </a:rPr>
+              <a:t>isInDebugMode: </a:t>
+            </a:r>
+            <a:r>
+              <a:rPr i="1" lang="es" sz="1400">
+                <a:solidFill>
+                  <a:srgbClr val="3C63AB"/>
+                </a:solidFill>
+              </a:rPr>
+              <a:t>true </a:t>
+            </a:r>
+            <a:r>
+              <a:rPr lang="es" sz="1400">
+                <a:solidFill>
+                  <a:srgbClr val="3C63AB"/>
+                </a:solidFill>
+              </a:rPr>
+              <a:t>permite que cada vez que se ejecute la tarea se vea una </a:t>
+            </a:r>
+            <a:r>
+              <a:rPr lang="es" sz="1400">
+                <a:solidFill>
+                  <a:srgbClr val="3C63AB"/>
+                </a:solidFill>
+              </a:rPr>
+              <a:t>notificación</a:t>
+            </a:r>
+            <a:r>
+              <a:rPr lang="es" sz="1400">
+                <a:solidFill>
+                  <a:srgbClr val="3C63AB"/>
+                </a:solidFill>
+              </a:rPr>
+              <a:t>, la cual es </a:t>
+            </a:r>
+            <a:r>
+              <a:rPr lang="es" sz="1400">
+                <a:solidFill>
+                  <a:srgbClr val="3C63AB"/>
+                </a:solidFill>
+              </a:rPr>
+              <a:t>útil</a:t>
+            </a:r>
+            <a:r>
+              <a:rPr lang="es" sz="1400">
+                <a:solidFill>
+                  <a:srgbClr val="3C63AB"/>
+                </a:solidFill>
+              </a:rPr>
+              <a:t> para probar esta funcionalidad.</a:t>
+            </a:r>
+            <a:endParaRPr sz="1400">
+              <a:solidFill>
+                <a:srgbClr val="3C63AB"/>
+              </a:solidFill>
+            </a:endParaRPr>
+          </a:p>
+          <a:p>
+            <a:pPr indent="0" lvl="0" marL="0" rtl="0" algn="l">
+              <a:lnSpc>
+                <a:spcPct val="90000"/>
+              </a:lnSpc>
+              <a:spcBef>
+                <a:spcPts val="600"/>
+              </a:spcBef>
+              <a:spcAft>
+                <a:spcPts val="0"/>
+              </a:spcAft>
+              <a:buSzPts val="1300"/>
+              <a:buNone/>
+            </a:pPr>
+            <a:r>
+              <a:t/>
+            </a:r>
+            <a:endParaRPr sz="1400">
+              <a:solidFill>
+                <a:srgbClr val="3C63AB"/>
+              </a:solidFill>
+            </a:endParaRPr>
+          </a:p>
+        </p:txBody>
+      </p:sp>
     </p:spTree>
   </p:cSld>
   <p:clrMapOvr>
@@ -20756,7 +19764,7 @@
     </p:bg>
     <p:spTree>
       <p:nvGrpSpPr>
-        <p:cNvPr id="244" name="Shape 244"/>
+        <p:cNvPr id="249" name="Shape 249"/>
         <p:cNvGrpSpPr/>
         <p:nvPr/>
       </p:nvGrpSpPr>
@@ -20770,7 +19778,7 @@
       </p:grpSpPr>
       <p:sp>
         <p:nvSpPr>
-          <p:cNvPr id="245" name="Google Shape;245;gee8943ef34_0_91"/>
+          <p:cNvPr id="250" name="Google Shape;250;gf8e455d771_0_46"/>
           <p:cNvSpPr txBox="1"/>
           <p:nvPr>
             <p:ph type="title"/>
@@ -20778,8 +19786,8 @@
         </p:nvSpPr>
         <p:spPr>
           <a:xfrm>
-            <a:off x="828875" y="1006650"/>
-            <a:ext cx="7566300" cy="618000"/>
+            <a:off x="889600" y="1006650"/>
+            <a:ext cx="7505700" cy="618000"/>
           </a:xfrm>
           <a:prstGeom prst="rect">
             <a:avLst/>
@@ -20805,11 +19813,6 @@
               <a:spcAft>
                 <a:spcPts val="0"/>
               </a:spcAft>
-              <a:buClr>
-                <a:srgbClr val="3F3F3F"/>
-              </a:buClr>
-              <a:buSzPts val="3600"/>
-              <a:buFont typeface="Arial"/>
               <a:buNone/>
             </a:pPr>
             <a:r>
@@ -20818,15 +19821,7 @@
                   <a:srgbClr val="E83464"/>
                 </a:solidFill>
               </a:rPr>
-              <a:t>Notificaciones: mostrar una </a:t>
-            </a:r>
-            <a:r>
-              <a:rPr b="1" lang="es">
-                <a:solidFill>
-                  <a:srgbClr val="E83464"/>
-                </a:solidFill>
-              </a:rPr>
-              <a:t>notificación</a:t>
+              <a:t>Complemento Flutter WorkManager</a:t>
             </a:r>
             <a:endParaRPr b="1">
               <a:solidFill>
@@ -20838,7 +19833,7 @@
       </p:sp>
       <p:sp>
         <p:nvSpPr>
-          <p:cNvPr id="246" name="Google Shape;246;gee8943ef34_0_91"/>
+          <p:cNvPr id="251" name="Google Shape;251;gf8e455d771_0_46"/>
           <p:cNvSpPr txBox="1"/>
           <p:nvPr>
             <p:ph idx="4294967295" type="body"/>
@@ -20846,8 +19841,8 @@
         </p:nvSpPr>
         <p:spPr>
           <a:xfrm>
-            <a:off x="889600" y="1702175"/>
-            <a:ext cx="7169700" cy="3489300"/>
+            <a:off x="870550" y="1724375"/>
+            <a:ext cx="7211100" cy="847500"/>
           </a:xfrm>
           <a:prstGeom prst="rect">
             <a:avLst/>
@@ -20882,28 +19877,252 @@
               <a:buNone/>
             </a:pPr>
             <a:r>
-              <a:rPr lang="es">
-                <a:solidFill>
-                  <a:srgbClr val="3D63AB"/>
+              <a:rPr lang="es" sz="1400">
+                <a:solidFill>
+                  <a:srgbClr val="3C63AB"/>
                 </a:solidFill>
               </a:rPr>
-              <a:t>A continuación, crearemos un objeto NotificationDetails y lo pasaremos a nuestro objeto de detalles de notificación específico de la plataforma.</a:t>
+              <a:t>Para registrar tareas se define un </a:t>
             </a:r>
-            <a:endParaRPr>
+            <a:r>
+              <a:rPr i="1" lang="es" sz="1400">
+                <a:solidFill>
+                  <a:srgbClr val="3C63AB"/>
+                </a:solidFill>
+              </a:rPr>
+              <a:t>id</a:t>
+            </a:r>
+            <a:r>
+              <a:rPr lang="es" sz="1400">
+                <a:solidFill>
+                  <a:srgbClr val="3C63AB"/>
+                </a:solidFill>
+              </a:rPr>
+              <a:t> y un nombre, el cual permiten identificar la tarea, se pueden definir tareas de una sola </a:t>
+            </a:r>
+            <a:r>
+              <a:rPr lang="es" sz="1400">
+                <a:solidFill>
+                  <a:srgbClr val="3C63AB"/>
+                </a:solidFill>
+              </a:rPr>
+              <a:t>ejecución</a:t>
+            </a:r>
+            <a:r>
+              <a:rPr lang="es" sz="1400">
+                <a:solidFill>
+                  <a:srgbClr val="3C63AB"/>
+                </a:solidFill>
+              </a:rPr>
+              <a:t> o recurrentes, </a:t>
+            </a:r>
+            <a:r>
+              <a:rPr lang="es" sz="1400">
+                <a:solidFill>
+                  <a:srgbClr val="3C63AB"/>
+                </a:solidFill>
+              </a:rPr>
+              <a:t>así</a:t>
+            </a:r>
+            <a:r>
+              <a:rPr lang="es" sz="1400">
+                <a:solidFill>
+                  <a:srgbClr val="3C63AB"/>
+                </a:solidFill>
+              </a:rPr>
+              <a:t> como </a:t>
+            </a:r>
+            <a:r>
+              <a:rPr lang="es" sz="1400">
+                <a:solidFill>
+                  <a:srgbClr val="3C63AB"/>
+                </a:solidFill>
+              </a:rPr>
+              <a:t>también</a:t>
+            </a:r>
+            <a:r>
+              <a:rPr lang="es" sz="1400">
+                <a:solidFill>
+                  <a:srgbClr val="3C63AB"/>
+                </a:solidFill>
+              </a:rPr>
+              <a:t> se pueden definir el intervalo y el atraso de la primera </a:t>
+            </a:r>
+            <a:r>
+              <a:rPr lang="es" sz="1400">
+                <a:solidFill>
+                  <a:srgbClr val="3C63AB"/>
+                </a:solidFill>
+              </a:rPr>
+              <a:t>ejecución</a:t>
+            </a:r>
+            <a:r>
+              <a:rPr lang="es" sz="1400">
+                <a:solidFill>
+                  <a:srgbClr val="3C63AB"/>
+                </a:solidFill>
+              </a:rPr>
+              <a:t>:</a:t>
+            </a:r>
+            <a:endParaRPr b="1" sz="1400">
               <a:solidFill>
-                <a:srgbClr val="3D63AB"/>
+                <a:srgbClr val="3C63AB"/>
               </a:solidFill>
-              <a:latin typeface="Courier New"/>
-              <a:ea typeface="Courier New"/>
-              <a:cs typeface="Courier New"/>
-              <a:sym typeface="Courier New"/>
+            </a:endParaRPr>
+          </a:p>
+          <a:p>
+            <a:pPr indent="0" lvl="0" marL="0" rtl="0" algn="l">
+              <a:lnSpc>
+                <a:spcPct val="90000"/>
+              </a:lnSpc>
+              <a:spcBef>
+                <a:spcPts val="600"/>
+              </a:spcBef>
+              <a:spcAft>
+                <a:spcPts val="0"/>
+              </a:spcAft>
+              <a:buSzPts val="1300"/>
+              <a:buNone/>
+            </a:pPr>
+            <a:r>
+              <a:t/>
+            </a:r>
+            <a:endParaRPr sz="1400">
+              <a:solidFill>
+                <a:srgbClr val="3C63AB"/>
+              </a:solidFill>
+            </a:endParaRPr>
+          </a:p>
+        </p:txBody>
+      </p:sp>
+      <p:sp>
+        <p:nvSpPr>
+          <p:cNvPr id="252" name="Google Shape;252;gf8e455d771_0_46"/>
+          <p:cNvSpPr txBox="1"/>
+          <p:nvPr>
+            <p:ph idx="4294967295" type="body"/>
+          </p:nvPr>
+        </p:nvSpPr>
+        <p:spPr>
+          <a:xfrm>
+            <a:off x="870550" y="3945600"/>
+            <a:ext cx="6623700" cy="575400"/>
+          </a:xfrm>
+          <a:prstGeom prst="rect">
+            <a:avLst/>
+          </a:prstGeom>
+          <a:noFill/>
+          <a:ln cap="flat" cmpd="sng" w="9525">
+            <a:solidFill>
+              <a:schemeClr val="dk1"/>
+            </a:solidFill>
+            <a:prstDash val="solid"/>
+            <a:round/>
+            <a:headEnd len="sm" w="sm" type="none"/>
+            <a:tailEnd len="sm" w="sm" type="none"/>
+          </a:ln>
+        </p:spPr>
+        <p:txBody>
+          <a:bodyPr anchorCtr="0" anchor="t" bIns="34275" lIns="0" spcFirstLastPara="1" rIns="0" wrap="square" tIns="34275">
+            <a:noAutofit/>
+          </a:bodyPr>
+          <a:lstStyle/>
+          <a:p>
+            <a:pPr indent="0" lvl="0" marL="0" rtl="0" algn="just">
+              <a:lnSpc>
+                <a:spcPct val="90000"/>
+              </a:lnSpc>
+              <a:spcBef>
+                <a:spcPts val="600"/>
+              </a:spcBef>
+              <a:spcAft>
+                <a:spcPts val="0"/>
+              </a:spcAft>
+              <a:buNone/>
+            </a:pPr>
+            <a:r>
+              <a:rPr lang="es" sz="1400">
+                <a:solidFill>
+                  <a:srgbClr val="3C63AB"/>
+                </a:solidFill>
+              </a:rPr>
+              <a:t>Cuando se registra una tarea, el codigo de ejecucion es el definido en el </a:t>
+            </a:r>
+            <a:r>
+              <a:rPr i="1" lang="es" sz="1400">
+                <a:solidFill>
+                  <a:srgbClr val="3C63AB"/>
+                </a:solidFill>
+              </a:rPr>
+              <a:t>callbackDispatcher</a:t>
+            </a:r>
+            <a:r>
+              <a:rPr lang="es" sz="1400">
+                <a:solidFill>
+                  <a:srgbClr val="3C63AB"/>
+                </a:solidFill>
+              </a:rPr>
+              <a:t>, si se desea programar </a:t>
+            </a:r>
+            <a:r>
+              <a:rPr lang="es" sz="1400">
+                <a:solidFill>
+                  <a:srgbClr val="3C63AB"/>
+                </a:solidFill>
+              </a:rPr>
+              <a:t>más</a:t>
+            </a:r>
+            <a:r>
+              <a:rPr lang="es" sz="1400">
+                <a:solidFill>
+                  <a:srgbClr val="3C63AB"/>
+                </a:solidFill>
+              </a:rPr>
+              <a:t> de una tarea se pueden usar los </a:t>
+            </a:r>
+            <a:r>
+              <a:rPr lang="es" sz="1400">
+                <a:solidFill>
+                  <a:srgbClr val="3C63AB"/>
+                </a:solidFill>
+              </a:rPr>
+              <a:t>identificadores</a:t>
+            </a:r>
+            <a:r>
+              <a:rPr lang="es" sz="1400">
+                <a:solidFill>
+                  <a:srgbClr val="3C63AB"/>
+                </a:solidFill>
+              </a:rPr>
+              <a:t> para modificar la </a:t>
+            </a:r>
+            <a:r>
+              <a:rPr lang="es" sz="1400">
+                <a:solidFill>
+                  <a:srgbClr val="3C63AB"/>
+                </a:solidFill>
+              </a:rPr>
+              <a:t>ejecución</a:t>
+            </a:r>
+            <a:r>
+              <a:rPr lang="es" sz="1400">
+                <a:solidFill>
+                  <a:srgbClr val="3C63AB"/>
+                </a:solidFill>
+              </a:rPr>
+              <a:t> en el callback.</a:t>
+            </a:r>
+            <a:endParaRPr sz="1400">
+              <a:solidFill>
+                <a:srgbClr val="3C63AB"/>
+              </a:solidFill>
             </a:endParaRPr>
           </a:p>
         </p:txBody>
       </p:sp>
       <p:pic>
         <p:nvPicPr>
-          <p:cNvPr id="247" name="Google Shape;247;gee8943ef34_0_91"/>
+          <p:cNvPr id="253" name="Google Shape;253;gf8e455d771_0_46"/>
           <p:cNvPicPr preferRelativeResize="0"/>
           <p:nvPr/>
         </p:nvPicPr>
@@ -20917,8 +20136,8 @@
         </p:blipFill>
         <p:spPr>
           <a:xfrm>
-            <a:off x="1489700" y="2289325"/>
-            <a:ext cx="5207525" cy="1483625"/>
+            <a:off x="2962775" y="2571874"/>
+            <a:ext cx="3218452" cy="1121149"/>
           </a:xfrm>
           <a:prstGeom prst="rect">
             <a:avLst/>
@@ -20954,7 +20173,7 @@
     </p:bg>
     <p:spTree>
       <p:nvGrpSpPr>
-        <p:cNvPr id="251" name="Shape 251"/>
+        <p:cNvPr id="257" name="Shape 257"/>
         <p:cNvGrpSpPr/>
         <p:nvPr/>
       </p:nvGrpSpPr>
@@ -20968,551 +20187,14 @@
       </p:grpSpPr>
       <p:sp>
         <p:nvSpPr>
-          <p:cNvPr id="252" name="Google Shape;252;gee8943ef34_0_101"/>
+          <p:cNvPr id="258" name="Google Shape;258;gf246b929a0_0_0"/>
           <p:cNvSpPr txBox="1"/>
-          <p:nvPr>
-            <p:ph type="title"/>
-          </p:nvPr>
+          <p:nvPr/>
         </p:nvSpPr>
         <p:spPr>
           <a:xfrm>
-            <a:off x="889600" y="1006650"/>
-            <a:ext cx="7505700" cy="618000"/>
-          </a:xfrm>
-          <a:prstGeom prst="rect">
-            <a:avLst/>
-          </a:prstGeom>
-          <a:noFill/>
-          <a:ln>
-            <a:noFill/>
-          </a:ln>
-        </p:spPr>
-        <p:txBody>
-          <a:bodyPr anchorCtr="0" anchor="b" bIns="34275" lIns="68575" spcFirstLastPara="1" rIns="68575" wrap="square" tIns="34275">
-            <a:noAutofit/>
-          </a:bodyPr>
-          <a:lstStyle/>
-          <a:p>
-            <a:pPr indent="0" lvl="0" marL="0" rtl="0" algn="l">
-              <a:lnSpc>
-                <a:spcPct val="85000"/>
-              </a:lnSpc>
-              <a:spcBef>
-                <a:spcPts val="0"/>
-              </a:spcBef>
-              <a:spcAft>
-                <a:spcPts val="0"/>
-              </a:spcAft>
-              <a:buClr>
-                <a:srgbClr val="3F3F3F"/>
-              </a:buClr>
-              <a:buSzPts val="3600"/>
-              <a:buFont typeface="Arial"/>
-              <a:buNone/>
-            </a:pPr>
-            <a:r>
-              <a:rPr b="1" lang="es">
-                <a:solidFill>
-                  <a:srgbClr val="E83464"/>
-                </a:solidFill>
-              </a:rPr>
-              <a:t>Notificaciones: mostrar una </a:t>
-            </a:r>
-            <a:r>
-              <a:rPr b="1" lang="es">
-                <a:solidFill>
-                  <a:srgbClr val="E83464"/>
-                </a:solidFill>
-              </a:rPr>
-              <a:t>notificación</a:t>
-            </a:r>
-            <a:endParaRPr b="1">
-              <a:solidFill>
-                <a:srgbClr val="E83464"/>
-              </a:solidFill>
-            </a:endParaRPr>
-          </a:p>
-        </p:txBody>
-      </p:sp>
-      <p:sp>
-        <p:nvSpPr>
-          <p:cNvPr id="253" name="Google Shape;253;gee8943ef34_0_101"/>
-          <p:cNvSpPr txBox="1"/>
-          <p:nvPr>
-            <p:ph idx="4294967295" type="body"/>
-          </p:nvPr>
-        </p:nvSpPr>
-        <p:spPr>
-          <a:xfrm>
-            <a:off x="939900" y="1724375"/>
-            <a:ext cx="7905300" cy="3322800"/>
-          </a:xfrm>
-          <a:prstGeom prst="rect">
-            <a:avLst/>
-          </a:prstGeom>
-          <a:noFill/>
-          <a:ln cap="flat" cmpd="sng" w="9525">
-            <a:solidFill>
-              <a:schemeClr val="dk1"/>
-            </a:solidFill>
-            <a:prstDash val="solid"/>
-            <a:round/>
-            <a:headEnd len="sm" w="sm" type="none"/>
-            <a:tailEnd len="sm" w="sm" type="none"/>
-          </a:ln>
-        </p:spPr>
-        <p:txBody>
-          <a:bodyPr anchorCtr="0" anchor="t" bIns="34275" lIns="0" spcFirstLastPara="1" rIns="0" wrap="square" tIns="34275">
-            <a:noAutofit/>
-          </a:bodyPr>
-          <a:lstStyle/>
-          <a:p>
-            <a:pPr indent="0" lvl="0" marL="0" rtl="0" algn="l">
-              <a:lnSpc>
-                <a:spcPct val="90000"/>
-              </a:lnSpc>
-              <a:spcBef>
-                <a:spcPts val="600"/>
-              </a:spcBef>
-              <a:spcAft>
-                <a:spcPts val="0"/>
-              </a:spcAft>
-              <a:buNone/>
-            </a:pPr>
-            <a:r>
-              <a:rPr lang="es" sz="1200">
-                <a:solidFill>
-                  <a:srgbClr val="3D63AB"/>
-                </a:solidFill>
-              </a:rPr>
-              <a:t>Entonces necesitamos llamar al método show de FlutterLocalNotificationPlugin .</a:t>
-            </a:r>
-            <a:endParaRPr sz="1200">
-              <a:solidFill>
-                <a:srgbClr val="3D63AB"/>
-              </a:solidFill>
-            </a:endParaRPr>
-          </a:p>
-          <a:p>
-            <a:pPr indent="0" lvl="0" marL="0" rtl="0" algn="l">
-              <a:lnSpc>
-                <a:spcPct val="90000"/>
-              </a:lnSpc>
-              <a:spcBef>
-                <a:spcPts val="600"/>
-              </a:spcBef>
-              <a:spcAft>
-                <a:spcPts val="0"/>
-              </a:spcAft>
-              <a:buNone/>
-            </a:pPr>
-            <a:r>
-              <a:t/>
-            </a:r>
-            <a:endParaRPr sz="1200">
-              <a:solidFill>
-                <a:srgbClr val="3D63AB"/>
-              </a:solidFill>
-            </a:endParaRPr>
-          </a:p>
-          <a:p>
-            <a:pPr indent="0" lvl="0" marL="0" rtl="0" algn="l">
-              <a:lnSpc>
-                <a:spcPct val="90000"/>
-              </a:lnSpc>
-              <a:spcBef>
-                <a:spcPts val="600"/>
-              </a:spcBef>
-              <a:spcAft>
-                <a:spcPts val="0"/>
-              </a:spcAft>
-              <a:buNone/>
-            </a:pPr>
-            <a:r>
-              <a:t/>
-            </a:r>
-            <a:endParaRPr sz="1200">
-              <a:solidFill>
-                <a:srgbClr val="3D63AB"/>
-              </a:solidFill>
-            </a:endParaRPr>
-          </a:p>
-          <a:p>
-            <a:pPr indent="0" lvl="0" marL="0" rtl="0" algn="l">
-              <a:lnSpc>
-                <a:spcPct val="90000"/>
-              </a:lnSpc>
-              <a:spcBef>
-                <a:spcPts val="600"/>
-              </a:spcBef>
-              <a:spcAft>
-                <a:spcPts val="0"/>
-              </a:spcAft>
-              <a:buNone/>
-            </a:pPr>
-            <a:r>
-              <a:t/>
-            </a:r>
-            <a:endParaRPr sz="1200">
-              <a:solidFill>
-                <a:srgbClr val="3D63AB"/>
-              </a:solidFill>
-            </a:endParaRPr>
-          </a:p>
-          <a:p>
-            <a:pPr indent="0" lvl="0" marL="0" rtl="0" algn="l">
-              <a:lnSpc>
-                <a:spcPct val="90000"/>
-              </a:lnSpc>
-              <a:spcBef>
-                <a:spcPts val="600"/>
-              </a:spcBef>
-              <a:spcAft>
-                <a:spcPts val="0"/>
-              </a:spcAft>
-              <a:buNone/>
-            </a:pPr>
-            <a:r>
-              <a:t/>
-            </a:r>
-            <a:endParaRPr sz="1200">
-              <a:solidFill>
-                <a:srgbClr val="3D63AB"/>
-              </a:solidFill>
-            </a:endParaRPr>
-          </a:p>
-          <a:p>
-            <a:pPr indent="0" lvl="0" marL="0" rtl="0" algn="l">
-              <a:lnSpc>
-                <a:spcPct val="90000"/>
-              </a:lnSpc>
-              <a:spcBef>
-                <a:spcPts val="600"/>
-              </a:spcBef>
-              <a:spcAft>
-                <a:spcPts val="0"/>
-              </a:spcAft>
-              <a:buNone/>
-            </a:pPr>
-            <a:r>
-              <a:t/>
-            </a:r>
-            <a:endParaRPr sz="1200">
-              <a:solidFill>
-                <a:srgbClr val="3D63AB"/>
-              </a:solidFill>
-            </a:endParaRPr>
-          </a:p>
-          <a:p>
-            <a:pPr indent="0" lvl="0" marL="0" rtl="0" algn="l">
-              <a:lnSpc>
-                <a:spcPct val="90000"/>
-              </a:lnSpc>
-              <a:spcBef>
-                <a:spcPts val="600"/>
-              </a:spcBef>
-              <a:spcAft>
-                <a:spcPts val="0"/>
-              </a:spcAft>
-              <a:buNone/>
-            </a:pPr>
-            <a:r>
-              <a:rPr lang="es" sz="1200">
-                <a:solidFill>
-                  <a:srgbClr val="3D63AB"/>
-                </a:solidFill>
-              </a:rPr>
-              <a:t>Los parámetros aquí son más autoexplicativos, pero los repasaremos:</a:t>
-            </a:r>
-            <a:endParaRPr sz="1200">
-              <a:solidFill>
-                <a:srgbClr val="3D63AB"/>
-              </a:solidFill>
-            </a:endParaRPr>
-          </a:p>
-          <a:p>
-            <a:pPr indent="-304800" lvl="0" marL="457200" rtl="0" algn="l">
-              <a:lnSpc>
-                <a:spcPct val="90000"/>
-              </a:lnSpc>
-              <a:spcBef>
-                <a:spcPts val="600"/>
-              </a:spcBef>
-              <a:spcAft>
-                <a:spcPts val="0"/>
-              </a:spcAft>
-              <a:buClr>
-                <a:srgbClr val="3D63AB"/>
-              </a:buClr>
-              <a:buSzPts val="1200"/>
-              <a:buChar char="●"/>
-            </a:pPr>
-            <a:r>
-              <a:rPr lang="es" sz="1200">
-                <a:solidFill>
-                  <a:srgbClr val="3D63AB"/>
-                </a:solidFill>
-              </a:rPr>
-              <a:t>id : el identificador de la notificación. Cada notificación debe tener un identificador único</a:t>
-            </a:r>
-            <a:endParaRPr sz="1200">
-              <a:solidFill>
-                <a:srgbClr val="3D63AB"/>
-              </a:solidFill>
-            </a:endParaRPr>
-          </a:p>
-          <a:p>
-            <a:pPr indent="-304800" lvl="0" marL="457200" rtl="0" algn="l">
-              <a:lnSpc>
-                <a:spcPct val="90000"/>
-              </a:lnSpc>
-              <a:spcBef>
-                <a:spcPts val="0"/>
-              </a:spcBef>
-              <a:spcAft>
-                <a:spcPts val="0"/>
-              </a:spcAft>
-              <a:buClr>
-                <a:srgbClr val="3D63AB"/>
-              </a:buClr>
-              <a:buSzPts val="1200"/>
-              <a:buChar char="●"/>
-            </a:pPr>
-            <a:r>
-              <a:rPr lang="es" sz="1200">
-                <a:solidFill>
-                  <a:srgbClr val="3D63AB"/>
-                </a:solidFill>
-              </a:rPr>
-              <a:t>título : el título de la notificación</a:t>
-            </a:r>
-            <a:endParaRPr sz="1200">
-              <a:solidFill>
-                <a:srgbClr val="3D63AB"/>
-              </a:solidFill>
-            </a:endParaRPr>
-          </a:p>
-          <a:p>
-            <a:pPr indent="-304800" lvl="0" marL="457200" rtl="0" algn="l">
-              <a:lnSpc>
-                <a:spcPct val="90000"/>
-              </a:lnSpc>
-              <a:spcBef>
-                <a:spcPts val="0"/>
-              </a:spcBef>
-              <a:spcAft>
-                <a:spcPts val="0"/>
-              </a:spcAft>
-              <a:buClr>
-                <a:srgbClr val="3D63AB"/>
-              </a:buClr>
-              <a:buSzPts val="1200"/>
-              <a:buChar char="●"/>
-            </a:pPr>
-            <a:r>
-              <a:rPr lang="es" sz="1200">
-                <a:solidFill>
-                  <a:srgbClr val="3D63AB"/>
-                </a:solidFill>
-              </a:rPr>
-              <a:t>cuerpo : lo que queremos mostrar como el mensaje principal de nuestra notificación</a:t>
-            </a:r>
-            <a:endParaRPr sz="1200">
-              <a:solidFill>
-                <a:srgbClr val="3D63AB"/>
-              </a:solidFill>
-            </a:endParaRPr>
-          </a:p>
-          <a:p>
-            <a:pPr indent="-304800" lvl="0" marL="457200" rtl="0" algn="l">
-              <a:lnSpc>
-                <a:spcPct val="90000"/>
-              </a:lnSpc>
-              <a:spcBef>
-                <a:spcPts val="0"/>
-              </a:spcBef>
-              <a:spcAft>
-                <a:spcPts val="0"/>
-              </a:spcAft>
-              <a:buClr>
-                <a:srgbClr val="3D63AB"/>
-              </a:buClr>
-              <a:buSzPts val="1200"/>
-              <a:buChar char="●"/>
-            </a:pPr>
-            <a:r>
-              <a:rPr lang="es" sz="1200">
-                <a:solidFill>
-                  <a:srgbClr val="3D63AB"/>
-                </a:solidFill>
-              </a:rPr>
-              <a:t>notificationDetails : el objeto de detalles de notificación que discutimos anteriormente</a:t>
-            </a:r>
-            <a:endParaRPr sz="1200">
-              <a:solidFill>
-                <a:srgbClr val="3D63AB"/>
-              </a:solidFill>
-            </a:endParaRPr>
-          </a:p>
-          <a:p>
-            <a:pPr indent="-304800" lvl="0" marL="457200" rtl="0" algn="l">
-              <a:lnSpc>
-                <a:spcPct val="90000"/>
-              </a:lnSpc>
-              <a:spcBef>
-                <a:spcPts val="0"/>
-              </a:spcBef>
-              <a:spcAft>
-                <a:spcPts val="0"/>
-              </a:spcAft>
-              <a:buClr>
-                <a:srgbClr val="3D63AB"/>
-              </a:buClr>
-              <a:buSzPts val="1200"/>
-              <a:buChar char="●"/>
-            </a:pPr>
-            <a:r>
-              <a:rPr lang="es" sz="1200">
-                <a:solidFill>
-                  <a:srgbClr val="3D63AB"/>
-                </a:solidFill>
-              </a:rPr>
-              <a:t>carga útil : los datos que queremos pasar con esta notificación para que se puedan</a:t>
-            </a:r>
-            <a:endParaRPr sz="1200">
-              <a:solidFill>
-                <a:srgbClr val="3D63AB"/>
-              </a:solidFill>
-            </a:endParaRPr>
-          </a:p>
-          <a:p>
-            <a:pPr indent="0" lvl="0" marL="457200" rtl="0" algn="l">
-              <a:lnSpc>
-                <a:spcPct val="90000"/>
-              </a:lnSpc>
-              <a:spcBef>
-                <a:spcPts val="600"/>
-              </a:spcBef>
-              <a:spcAft>
-                <a:spcPts val="0"/>
-              </a:spcAft>
-              <a:buNone/>
-            </a:pPr>
-            <a:r>
-              <a:rPr lang="es" sz="1200">
-                <a:solidFill>
-                  <a:srgbClr val="3D63AB"/>
-                </a:solidFill>
-              </a:rPr>
-              <a:t> usar más tarde cuando se toca la notificación y nuestra aplicación se abre de nuevo</a:t>
-            </a:r>
-            <a:endParaRPr sz="1200">
-              <a:solidFill>
-                <a:srgbClr val="3D63AB"/>
-              </a:solidFill>
-            </a:endParaRPr>
-          </a:p>
-          <a:p>
-            <a:pPr indent="0" lvl="0" marL="0" rtl="0" algn="l">
-              <a:lnSpc>
-                <a:spcPct val="90000"/>
-              </a:lnSpc>
-              <a:spcBef>
-                <a:spcPts val="600"/>
-              </a:spcBef>
-              <a:spcAft>
-                <a:spcPts val="0"/>
-              </a:spcAft>
-              <a:buNone/>
-            </a:pPr>
-            <a:r>
-              <a:t/>
-            </a:r>
-            <a:endParaRPr sz="1200">
-              <a:solidFill>
-                <a:srgbClr val="3D63AB"/>
-              </a:solidFill>
-            </a:endParaRPr>
-          </a:p>
-        </p:txBody>
-      </p:sp>
-      <p:pic>
-        <p:nvPicPr>
-          <p:cNvPr id="254" name="Google Shape;254;gee8943ef34_0_101"/>
-          <p:cNvPicPr preferRelativeResize="0"/>
-          <p:nvPr/>
-        </p:nvPicPr>
-        <p:blipFill>
-          <a:blip r:embed="rId4">
-            <a:alphaModFix/>
-          </a:blip>
-          <a:stretch>
-            <a:fillRect/>
-          </a:stretch>
-        </p:blipFill>
-        <p:spPr>
-          <a:xfrm>
-            <a:off x="2920775" y="2080200"/>
-            <a:ext cx="2444325" cy="852875"/>
-          </a:xfrm>
-          <a:prstGeom prst="rect">
-            <a:avLst/>
-          </a:prstGeom>
-          <a:noFill/>
-          <a:ln>
-            <a:noFill/>
-          </a:ln>
-        </p:spPr>
-      </p:pic>
-    </p:spTree>
-  </p:cSld>
-  <p:clrMapOvr>
-    <a:masterClrMapping/>
-  </p:clrMapOvr>
-</p:sld>
-</file>
-
-<file path=ppt/slides/slide19.xml><?xml version="1.0" encoding="utf-8"?>
-<p:sld xmlns:a="http://schemas.openxmlformats.org/drawingml/2006/main" xmlns:r="http://schemas.openxmlformats.org/officeDocument/2006/relationships" xmlns:mc="http://schemas.openxmlformats.org/markup-compatibility/2006" xmlns:mv="urn:schemas-microsoft-com:mac:vml" xmlns:p="http://schemas.openxmlformats.org/presentationml/2006/main" xmlns:c="http://schemas.openxmlformats.org/drawingml/2006/chart" xmlns:dgm="http://schemas.openxmlformats.org/drawingml/2006/diagram" xmlns:o="urn:schemas-microsoft-com:office:office" xmlns:v="urn:schemas-microsoft-com:vml" xmlns:pvml="urn:schemas-microsoft-com:office:powerpoint" xmlns:com="http://schemas.openxmlformats.org/drawingml/2006/compatibility" xmlns:p14="http://schemas.microsoft.com/office/powerpoint/2010/main" xmlns:p15="http://schemas.microsoft.com/office/powerpoint/2012/main" xmlns:ahyp="http://schemas.microsoft.com/office/drawing/2018/hyperlinkcolor" showMasterSp="0">
-  <p:cSld>
-    <p:bg>
-      <p:bgPr>
-        <a:blipFill>
-          <a:blip r:embed="rId3">
-            <a:alphaModFix/>
-          </a:blip>
-          <a:stretch>
-            <a:fillRect/>
-          </a:stretch>
-        </a:blipFill>
-      </p:bgPr>
-    </p:bg>
-    <p:spTree>
-      <p:nvGrpSpPr>
-        <p:cNvPr id="258" name="Shape 258"/>
-        <p:cNvGrpSpPr/>
-        <p:nvPr/>
-      </p:nvGrpSpPr>
-      <p:grpSpPr>
-        <a:xfrm>
-          <a:off x="0" y="0"/>
-          <a:ext cx="0" cy="0"/>
-          <a:chOff x="0" y="0"/>
-          <a:chExt cx="0" cy="0"/>
-        </a:xfrm>
-      </p:grpSpPr>
-      <p:sp>
-        <p:nvSpPr>
-          <p:cNvPr id="259" name="Google Shape;259;gf246b92923_0_11"/>
-          <p:cNvSpPr txBox="1"/>
-          <p:nvPr>
-            <p:ph type="ctrTitle"/>
-          </p:nvPr>
-        </p:nvSpPr>
-        <p:spPr>
-          <a:xfrm>
-            <a:off x="1281950" y="1089153"/>
-            <a:ext cx="6622500" cy="2777700"/>
+            <a:off x="755123" y="1387206"/>
+            <a:ext cx="7657500" cy="2539200"/>
           </a:xfrm>
           <a:prstGeom prst="rect">
             <a:avLst/>
@@ -21528,7 +20210,7 @@
           </a:bodyPr>
           <a:lstStyle/>
           <a:p>
-            <a:pPr indent="0" lvl="0" marL="0" rtl="0" algn="ctr">
+            <a:pPr indent="0" lvl="0" marL="0" marR="0" rtl="0" algn="ctr">
               <a:lnSpc>
                 <a:spcPct val="85000"/>
               </a:lnSpc>
@@ -21538,20 +20220,52 @@
               <a:spcAft>
                 <a:spcPts val="0"/>
               </a:spcAft>
-              <a:buSzPts val="3800"/>
+              <a:buClr>
+                <a:srgbClr val="3F3F3F"/>
+              </a:buClr>
+              <a:buSzPts val="3600"/>
+              <a:buFont typeface="Arial"/>
               <a:buNone/>
             </a:pPr>
             <a:r>
-              <a:rPr b="1" lang="es" sz="3700">
-                <a:solidFill>
-                  <a:srgbClr val="E83464"/>
-                </a:solidFill>
+              <a:rPr b="1" i="0" lang="es" sz="3000" u="none" cap="none" strike="noStrike">
+                <a:solidFill>
+                  <a:srgbClr val="375FA9"/>
+                </a:solidFill>
+                <a:latin typeface="Arial"/>
+                <a:ea typeface="Arial"/>
+                <a:cs typeface="Arial"/>
+                <a:sym typeface="Arial"/>
               </a:rPr>
-              <a:t>Tareas en segundo plano</a:t>
+              <a:t>Ejercicios</a:t>
             </a:r>
-            <a:endParaRPr b="1" sz="3000">
+            <a:r>
+              <a:rPr b="0" i="0" lang="es" sz="3000" u="none" cap="none" strike="noStrike">
+                <a:solidFill>
+                  <a:schemeClr val="lt1"/>
+                </a:solidFill>
+                <a:latin typeface="Arial"/>
+                <a:ea typeface="Arial"/>
+                <a:cs typeface="Arial"/>
+                <a:sym typeface="Arial"/>
+              </a:rPr>
+              <a:t> </a:t>
+            </a:r>
+            <a:r>
+              <a:rPr b="0" i="0" lang="es" sz="3000" u="none" cap="none" strike="noStrike">
+                <a:solidFill>
+                  <a:srgbClr val="E63464"/>
+                </a:solidFill>
+                <a:latin typeface="Arial"/>
+                <a:ea typeface="Arial"/>
+                <a:cs typeface="Arial"/>
+                <a:sym typeface="Arial"/>
+              </a:rPr>
+              <a:t>para practicar </a:t>
+            </a:r>
+            <a:endParaRPr b="0" i="0" sz="1800" u="none" cap="none" strike="noStrike">
               <a:solidFill>
-                <a:srgbClr val="E83464"/>
+                <a:srgbClr val="E63464"/>
               </a:solidFill>
               <a:latin typeface="Arial"/>
               <a:ea typeface="Arial"/>
@@ -21561,16 +20275,48 @@
           </a:p>
         </p:txBody>
       </p:sp>
-      <p:sp>
-        <p:nvSpPr>
-          <p:cNvPr id="260" name="Google Shape;260;gf246b92923_0_11"/>
-          <p:cNvSpPr txBox="1"/>
+    </p:spTree>
+  </p:cSld>
+  <p:clrMapOvr>
+    <a:masterClrMapping/>
+  </p:clrMapOvr>
+</p:sld>
+</file>
+
+<file path=ppt/slides/slide19.xml><?xml version="1.0" encoding="utf-8"?>
+<p:sld xmlns:a="http://schemas.openxmlformats.org/drawingml/2006/main" xmlns:r="http://schemas.openxmlformats.org/officeDocument/2006/relationships" xmlns:mc="http://schemas.openxmlformats.org/markup-compatibility/2006" xmlns:mv="urn:schemas-microsoft-com:mac:vml" xmlns:p="http://schemas.openxmlformats.org/presentationml/2006/main" xmlns:c="http://schemas.openxmlformats.org/drawingml/2006/chart" xmlns:dgm="http://schemas.openxmlformats.org/drawingml/2006/diagram" xmlns:o="urn:schemas-microsoft-com:office:office" xmlns:v="urn:schemas-microsoft-com:vml" xmlns:pvml="urn:schemas-microsoft-com:office:powerpoint" xmlns:com="http://schemas.openxmlformats.org/drawingml/2006/compatibility" xmlns:p14="http://schemas.microsoft.com/office/powerpoint/2010/main" xmlns:p15="http://schemas.microsoft.com/office/powerpoint/2012/main" xmlns:ahyp="http://schemas.microsoft.com/office/drawing/2018/hyperlinkcolor">
+  <p:cSld>
+    <p:spTree>
+      <p:nvGrpSpPr>
+        <p:cNvPr id="262" name="Shape 262"/>
+        <p:cNvGrpSpPr/>
+        <p:nvPr/>
+      </p:nvGrpSpPr>
+      <p:grpSpPr>
+        <a:xfrm>
+          <a:off x="0" y="0"/>
+          <a:ext cx="0" cy="0"/>
+          <a:chOff x="0" y="0"/>
+          <a:chExt cx="0" cy="0"/>
+        </a:xfrm>
+      </p:grpSpPr>
+      <p:pic>
+        <p:nvPicPr>
+          <p:cNvPr id="263" name="Google Shape;263;p36"/>
+          <p:cNvPicPr preferRelativeResize="0"/>
           <p:nvPr/>
-        </p:nvSpPr>
+        </p:nvPicPr>
+        <p:blipFill rotWithShape="1">
+          <a:blip r:embed="rId3">
+            <a:alphaModFix/>
+          </a:blip>
+          <a:srcRect b="0" l="0" r="0" t="0"/>
+          <a:stretch/>
+        </p:blipFill>
         <p:spPr>
           <a:xfrm>
-            <a:off x="2238750" y="3982075"/>
-            <a:ext cx="4666500" cy="472500"/>
+            <a:off x="2475" y="0"/>
+            <a:ext cx="9139049" cy="5143503"/>
           </a:xfrm>
           <a:prstGeom prst="rect">
             <a:avLst/>
@@ -21580,44 +20326,7 @@
             <a:noFill/>
           </a:ln>
         </p:spPr>
-        <p:txBody>
-          <a:bodyPr anchorCtr="0" anchor="t" bIns="91425" lIns="91425" spcFirstLastPara="1" rIns="91425" wrap="square" tIns="91425">
-            <a:spAutoFit/>
-          </a:bodyPr>
-          <a:lstStyle/>
-          <a:p>
-            <a:pPr indent="0" lvl="0" marL="0" marR="0" rtl="0" algn="l">
-              <a:lnSpc>
-                <a:spcPct val="85000"/>
-              </a:lnSpc>
-              <a:spcBef>
-                <a:spcPts val="0"/>
-              </a:spcBef>
-              <a:spcAft>
-                <a:spcPts val="0"/>
-              </a:spcAft>
-              <a:buClr>
-                <a:srgbClr val="000000"/>
-              </a:buClr>
-              <a:buSzPts val="2200"/>
-              <a:buFont typeface="Arial"/>
-              <a:buNone/>
-            </a:pPr>
-            <a:r>
-              <a:t/>
-            </a:r>
-            <a:endParaRPr b="0" i="0" sz="2200" u="none" cap="none" strike="noStrike">
-              <a:solidFill>
-                <a:srgbClr val="3D63AB"/>
-              </a:solidFill>
-              <a:latin typeface="Arial"/>
-              <a:ea typeface="Arial"/>
-              <a:cs typeface="Arial"/>
-              <a:sym typeface="Arial"/>
-            </a:endParaRPr>
-          </a:p>
-        </p:txBody>
-      </p:sp>
+      </p:pic>
     </p:spTree>
   </p:cSld>
   <p:clrMapOvr>
@@ -21855,1681 +20564,6 @@
           </a:p>
         </p:txBody>
       </p:sp>
-    </p:spTree>
-  </p:cSld>
-  <p:clrMapOvr>
-    <a:masterClrMapping/>
-  </p:clrMapOvr>
-</p:sld>
-</file>
-
-<file path=ppt/slides/slide20.xml><?xml version="1.0" encoding="utf-8"?>
-<p:sld xmlns:a="http://schemas.openxmlformats.org/drawingml/2006/main" xmlns:r="http://schemas.openxmlformats.org/officeDocument/2006/relationships" xmlns:mc="http://schemas.openxmlformats.org/markup-compatibility/2006" xmlns:mv="urn:schemas-microsoft-com:mac:vml" xmlns:p="http://schemas.openxmlformats.org/presentationml/2006/main" xmlns:c="http://schemas.openxmlformats.org/drawingml/2006/chart" xmlns:dgm="http://schemas.openxmlformats.org/drawingml/2006/diagram" xmlns:o="urn:schemas-microsoft-com:office:office" xmlns:v="urn:schemas-microsoft-com:vml" xmlns:pvml="urn:schemas-microsoft-com:office:powerpoint" xmlns:com="http://schemas.openxmlformats.org/drawingml/2006/compatibility" xmlns:p14="http://schemas.microsoft.com/office/powerpoint/2010/main" xmlns:p15="http://schemas.microsoft.com/office/powerpoint/2012/main" xmlns:ahyp="http://schemas.microsoft.com/office/drawing/2018/hyperlinkcolor" showMasterSp="0">
-  <p:cSld>
-    <p:bg>
-      <p:bgPr>
-        <a:blipFill>
-          <a:blip r:embed="rId3">
-            <a:alphaModFix/>
-          </a:blip>
-          <a:stretch>
-            <a:fillRect/>
-          </a:stretch>
-        </a:blipFill>
-      </p:bgPr>
-    </p:bg>
-    <p:spTree>
-      <p:nvGrpSpPr>
-        <p:cNvPr id="264" name="Shape 264"/>
-        <p:cNvGrpSpPr/>
-        <p:nvPr/>
-      </p:nvGrpSpPr>
-      <p:grpSpPr>
-        <a:xfrm>
-          <a:off x="0" y="0"/>
-          <a:ext cx="0" cy="0"/>
-          <a:chOff x="0" y="0"/>
-          <a:chExt cx="0" cy="0"/>
-        </a:xfrm>
-      </p:grpSpPr>
-      <p:sp>
-        <p:nvSpPr>
-          <p:cNvPr id="265" name="Google Shape;265;gf246b92923_0_151"/>
-          <p:cNvSpPr txBox="1"/>
-          <p:nvPr>
-            <p:ph type="title"/>
-          </p:nvPr>
-        </p:nvSpPr>
-        <p:spPr>
-          <a:xfrm>
-            <a:off x="889600" y="1006650"/>
-            <a:ext cx="7505700" cy="618000"/>
-          </a:xfrm>
-          <a:prstGeom prst="rect">
-            <a:avLst/>
-          </a:prstGeom>
-          <a:noFill/>
-          <a:ln>
-            <a:noFill/>
-          </a:ln>
-        </p:spPr>
-        <p:txBody>
-          <a:bodyPr anchorCtr="0" anchor="b" bIns="34275" lIns="68575" spcFirstLastPara="1" rIns="68575" wrap="square" tIns="34275">
-            <a:noAutofit/>
-          </a:bodyPr>
-          <a:lstStyle/>
-          <a:p>
-            <a:pPr indent="0" lvl="0" marL="0" rtl="0" algn="l">
-              <a:lnSpc>
-                <a:spcPct val="85000"/>
-              </a:lnSpc>
-              <a:spcBef>
-                <a:spcPts val="0"/>
-              </a:spcBef>
-              <a:spcAft>
-                <a:spcPts val="0"/>
-              </a:spcAft>
-              <a:buClr>
-                <a:srgbClr val="3F3F3F"/>
-              </a:buClr>
-              <a:buSzPts val="3600"/>
-              <a:buFont typeface="Arial"/>
-              <a:buNone/>
-            </a:pPr>
-            <a:r>
-              <a:rPr b="1" lang="es">
-                <a:solidFill>
-                  <a:srgbClr val="E83464"/>
-                </a:solidFill>
-              </a:rPr>
-              <a:t>Segundo plano </a:t>
-            </a:r>
-            <a:endParaRPr b="1">
-              <a:solidFill>
-                <a:srgbClr val="E83464"/>
-              </a:solidFill>
-            </a:endParaRPr>
-          </a:p>
-        </p:txBody>
-      </p:sp>
-      <p:sp>
-        <p:nvSpPr>
-          <p:cNvPr id="266" name="Google Shape;266;gf246b92923_0_151"/>
-          <p:cNvSpPr txBox="1"/>
-          <p:nvPr>
-            <p:ph idx="4294967295" type="body"/>
-          </p:nvPr>
-        </p:nvSpPr>
-        <p:spPr>
-          <a:xfrm>
-            <a:off x="870550" y="1724375"/>
-            <a:ext cx="7240800" cy="3489300"/>
-          </a:xfrm>
-          <a:prstGeom prst="rect">
-            <a:avLst/>
-          </a:prstGeom>
-          <a:noFill/>
-          <a:ln cap="flat" cmpd="sng" w="9525">
-            <a:solidFill>
-              <a:schemeClr val="dk1"/>
-            </a:solidFill>
-            <a:prstDash val="solid"/>
-            <a:round/>
-            <a:headEnd len="sm" w="sm" type="none"/>
-            <a:tailEnd len="sm" w="sm" type="none"/>
-          </a:ln>
-        </p:spPr>
-        <p:txBody>
-          <a:bodyPr anchorCtr="0" anchor="t" bIns="34275" lIns="0" spcFirstLastPara="1" rIns="0" wrap="square" tIns="34275">
-            <a:noAutofit/>
-          </a:bodyPr>
-          <a:lstStyle/>
-          <a:p>
-            <a:pPr indent="0" lvl="0" marL="0" rtl="0" algn="just">
-              <a:lnSpc>
-                <a:spcPct val="90000"/>
-              </a:lnSpc>
-              <a:spcBef>
-                <a:spcPts val="600"/>
-              </a:spcBef>
-              <a:spcAft>
-                <a:spcPts val="0"/>
-              </a:spcAft>
-              <a:buSzPts val="1300"/>
-              <a:buNone/>
-            </a:pPr>
-            <a:r>
-              <a:rPr lang="es" sz="1400">
-                <a:solidFill>
-                  <a:srgbClr val="3C63AB"/>
-                </a:solidFill>
-              </a:rPr>
-              <a:t>En Flutter, puedes ejecutar código Dart en segundo plano. El mecanismo para esta funcionalidad implica configurar un isolate. Isolates son el modelo de Dart para el multihilo, aunque un isolate difiere de un hilo convencional en que este no comparte memoria con el programa principal. Configuramos tu isolate para ejecución en segundo plano usando callbacks y un callback dispatcher.</a:t>
-            </a:r>
-            <a:endParaRPr>
-              <a:solidFill>
-                <a:srgbClr val="3D63AB"/>
-              </a:solidFill>
-              <a:latin typeface="Arial"/>
-              <a:ea typeface="Arial"/>
-              <a:cs typeface="Arial"/>
-              <a:sym typeface="Arial"/>
-            </a:endParaRPr>
-          </a:p>
-          <a:p>
-            <a:pPr indent="0" lvl="0" marL="0" rtl="0" algn="just">
-              <a:lnSpc>
-                <a:spcPct val="90000"/>
-              </a:lnSpc>
-              <a:spcBef>
-                <a:spcPts val="600"/>
-              </a:spcBef>
-              <a:spcAft>
-                <a:spcPts val="0"/>
-              </a:spcAft>
-              <a:buSzPts val="1300"/>
-              <a:buNone/>
-            </a:pPr>
-            <a:r>
-              <a:t/>
-            </a:r>
-            <a:endParaRPr sz="1200">
-              <a:solidFill>
-                <a:srgbClr val="000000"/>
-              </a:solidFill>
-              <a:highlight>
-                <a:srgbClr val="FFFFFF"/>
-              </a:highlight>
-              <a:latin typeface="Arial"/>
-              <a:ea typeface="Arial"/>
-              <a:cs typeface="Arial"/>
-              <a:sym typeface="Arial"/>
-            </a:endParaRPr>
-          </a:p>
-        </p:txBody>
-      </p:sp>
-    </p:spTree>
-  </p:cSld>
-  <p:clrMapOvr>
-    <a:masterClrMapping/>
-  </p:clrMapOvr>
-</p:sld>
-</file>
-
-<file path=ppt/slides/slide21.xml><?xml version="1.0" encoding="utf-8"?>
-<p:sld xmlns:a="http://schemas.openxmlformats.org/drawingml/2006/main" xmlns:r="http://schemas.openxmlformats.org/officeDocument/2006/relationships" xmlns:mc="http://schemas.openxmlformats.org/markup-compatibility/2006" xmlns:mv="urn:schemas-microsoft-com:mac:vml" xmlns:p="http://schemas.openxmlformats.org/presentationml/2006/main" xmlns:c="http://schemas.openxmlformats.org/drawingml/2006/chart" xmlns:dgm="http://schemas.openxmlformats.org/drawingml/2006/diagram" xmlns:o="urn:schemas-microsoft-com:office:office" xmlns:v="urn:schemas-microsoft-com:vml" xmlns:pvml="urn:schemas-microsoft-com:office:powerpoint" xmlns:com="http://schemas.openxmlformats.org/drawingml/2006/compatibility" xmlns:p14="http://schemas.microsoft.com/office/powerpoint/2010/main" xmlns:p15="http://schemas.microsoft.com/office/powerpoint/2012/main" xmlns:ahyp="http://schemas.microsoft.com/office/drawing/2018/hyperlinkcolor" showMasterSp="0">
-  <p:cSld>
-    <p:bg>
-      <p:bgPr>
-        <a:blipFill>
-          <a:blip r:embed="rId3">
-            <a:alphaModFix/>
-          </a:blip>
-          <a:stretch>
-            <a:fillRect/>
-          </a:stretch>
-        </a:blipFill>
-      </p:bgPr>
-    </p:bg>
-    <p:spTree>
-      <p:nvGrpSpPr>
-        <p:cNvPr id="270" name="Shape 270"/>
-        <p:cNvGrpSpPr/>
-        <p:nvPr/>
-      </p:nvGrpSpPr>
-      <p:grpSpPr>
-        <a:xfrm>
-          <a:off x="0" y="0"/>
-          <a:ext cx="0" cy="0"/>
-          <a:chOff x="0" y="0"/>
-          <a:chExt cx="0" cy="0"/>
-        </a:xfrm>
-      </p:grpSpPr>
-      <p:sp>
-        <p:nvSpPr>
-          <p:cNvPr id="271" name="Google Shape;271;gf246b92923_0_156"/>
-          <p:cNvSpPr txBox="1"/>
-          <p:nvPr>
-            <p:ph type="title"/>
-          </p:nvPr>
-        </p:nvSpPr>
-        <p:spPr>
-          <a:xfrm>
-            <a:off x="889600" y="1006650"/>
-            <a:ext cx="7505700" cy="618000"/>
-          </a:xfrm>
-          <a:prstGeom prst="rect">
-            <a:avLst/>
-          </a:prstGeom>
-          <a:noFill/>
-          <a:ln>
-            <a:noFill/>
-          </a:ln>
-        </p:spPr>
-        <p:txBody>
-          <a:bodyPr anchorCtr="0" anchor="b" bIns="34275" lIns="68575" spcFirstLastPara="1" rIns="68575" wrap="square" tIns="34275">
-            <a:noAutofit/>
-          </a:bodyPr>
-          <a:lstStyle/>
-          <a:p>
-            <a:pPr indent="0" lvl="0" marL="0" rtl="0" algn="l">
-              <a:lnSpc>
-                <a:spcPct val="85000"/>
-              </a:lnSpc>
-              <a:spcBef>
-                <a:spcPts val="0"/>
-              </a:spcBef>
-              <a:spcAft>
-                <a:spcPts val="0"/>
-              </a:spcAft>
-              <a:buClr>
-                <a:srgbClr val="3F3F3F"/>
-              </a:buClr>
-              <a:buSzPts val="3600"/>
-              <a:buFont typeface="Arial"/>
-              <a:buNone/>
-            </a:pPr>
-            <a:r>
-              <a:rPr b="1" lang="es">
-                <a:solidFill>
-                  <a:srgbClr val="E83464"/>
-                </a:solidFill>
-              </a:rPr>
-              <a:t>Iniciar Flutter Engine en segundo plano</a:t>
-            </a:r>
-            <a:endParaRPr b="1">
-              <a:solidFill>
-                <a:srgbClr val="E83464"/>
-              </a:solidFill>
-            </a:endParaRPr>
-          </a:p>
-        </p:txBody>
-      </p:sp>
-      <p:sp>
-        <p:nvSpPr>
-          <p:cNvPr id="272" name="Google Shape;272;gf246b92923_0_156"/>
-          <p:cNvSpPr txBox="1"/>
-          <p:nvPr>
-            <p:ph idx="4294967295" type="body"/>
-          </p:nvPr>
-        </p:nvSpPr>
-        <p:spPr>
-          <a:xfrm>
-            <a:off x="870550" y="1724375"/>
-            <a:ext cx="7974600" cy="3489300"/>
-          </a:xfrm>
-          <a:prstGeom prst="rect">
-            <a:avLst/>
-          </a:prstGeom>
-          <a:noFill/>
-          <a:ln cap="flat" cmpd="sng" w="9525">
-            <a:solidFill>
-              <a:schemeClr val="dk1"/>
-            </a:solidFill>
-            <a:prstDash val="solid"/>
-            <a:round/>
-            <a:headEnd len="sm" w="sm" type="none"/>
-            <a:tailEnd len="sm" w="sm" type="none"/>
-          </a:ln>
-        </p:spPr>
-        <p:txBody>
-          <a:bodyPr anchorCtr="0" anchor="t" bIns="34275" lIns="0" spcFirstLastPara="1" rIns="0" wrap="square" tIns="34275">
-            <a:noAutofit/>
-          </a:bodyPr>
-          <a:lstStyle/>
-          <a:p>
-            <a:pPr indent="0" lvl="0" marL="0" rtl="0" algn="just">
-              <a:lnSpc>
-                <a:spcPct val="90000"/>
-              </a:lnSpc>
-              <a:spcBef>
-                <a:spcPts val="600"/>
-              </a:spcBef>
-              <a:spcAft>
-                <a:spcPts val="0"/>
-              </a:spcAft>
-              <a:buNone/>
-            </a:pPr>
-            <a:r>
-              <a:rPr lang="es">
-                <a:solidFill>
-                  <a:srgbClr val="3C63AB"/>
-                </a:solidFill>
-              </a:rPr>
-              <a:t>Cuando un trabajo en segundo plano es iniciado por un nativo, el motor Flutter no está activo. Entonces no podemos ejecutar Dart. ¿Puede Android / iOS iniciar el motor Flutter en segundo plano? </a:t>
-            </a:r>
-            <a:endParaRPr>
-              <a:solidFill>
-                <a:srgbClr val="3C63AB"/>
-              </a:solidFill>
-            </a:endParaRPr>
-          </a:p>
-          <a:p>
-            <a:pPr indent="0" lvl="0" marL="0" rtl="0" algn="just">
-              <a:lnSpc>
-                <a:spcPct val="90000"/>
-              </a:lnSpc>
-              <a:spcBef>
-                <a:spcPts val="600"/>
-              </a:spcBef>
-              <a:spcAft>
-                <a:spcPts val="0"/>
-              </a:spcAft>
-              <a:buNone/>
-            </a:pPr>
-            <a:r>
-              <a:rPr lang="es">
-                <a:solidFill>
-                  <a:srgbClr val="3C63AB"/>
-                </a:solidFill>
-              </a:rPr>
-              <a:t>¡Sí! Primero necesitaremos registrar una función de devolución de llamada de Dart que solo se invocará siempre que el código nativo inicie un trabajo en segundo plano.</a:t>
-            </a:r>
-            <a:endParaRPr>
-              <a:solidFill>
-                <a:srgbClr val="3C63AB"/>
-              </a:solidFill>
-            </a:endParaRPr>
-          </a:p>
-          <a:p>
-            <a:pPr indent="0" lvl="0" marL="0" rtl="0" algn="just">
-              <a:lnSpc>
-                <a:spcPct val="90000"/>
-              </a:lnSpc>
-              <a:spcBef>
-                <a:spcPts val="600"/>
-              </a:spcBef>
-              <a:spcAft>
-                <a:spcPts val="0"/>
-              </a:spcAft>
-              <a:buNone/>
-            </a:pPr>
-            <a:r>
-              <a:rPr lang="es">
-                <a:solidFill>
-                  <a:srgbClr val="3C63AB"/>
-                </a:solidFill>
-              </a:rPr>
-              <a:t>Esta función de devolución de llamada se denomina callbackDispatcher.</a:t>
-            </a:r>
-            <a:endParaRPr>
-              <a:solidFill>
-                <a:srgbClr val="3C63AB"/>
-              </a:solidFill>
-            </a:endParaRPr>
-          </a:p>
-          <a:p>
-            <a:pPr indent="0" lvl="0" marL="0" rtl="0" algn="l">
-              <a:lnSpc>
-                <a:spcPct val="90000"/>
-              </a:lnSpc>
-              <a:spcBef>
-                <a:spcPts val="600"/>
-              </a:spcBef>
-              <a:spcAft>
-                <a:spcPts val="0"/>
-              </a:spcAft>
-              <a:buSzPts val="1300"/>
-              <a:buNone/>
-            </a:pPr>
-            <a:r>
-              <a:t/>
-            </a:r>
-            <a:endParaRPr sz="1400">
-              <a:solidFill>
-                <a:srgbClr val="3C63AB"/>
-              </a:solidFill>
-            </a:endParaRPr>
-          </a:p>
-          <a:p>
-            <a:pPr indent="0" lvl="0" marL="0" rtl="0" algn="l">
-              <a:lnSpc>
-                <a:spcPct val="90000"/>
-              </a:lnSpc>
-              <a:spcBef>
-                <a:spcPts val="600"/>
-              </a:spcBef>
-              <a:spcAft>
-                <a:spcPts val="0"/>
-              </a:spcAft>
-              <a:buSzPts val="1300"/>
-              <a:buNone/>
-            </a:pPr>
-            <a:r>
-              <a:t/>
-            </a:r>
-            <a:endParaRPr sz="1200">
-              <a:solidFill>
-                <a:srgbClr val="000000"/>
-              </a:solidFill>
-              <a:highlight>
-                <a:srgbClr val="FFFFFF"/>
-              </a:highlight>
-              <a:latin typeface="Arial"/>
-              <a:ea typeface="Arial"/>
-              <a:cs typeface="Arial"/>
-              <a:sym typeface="Arial"/>
-            </a:endParaRPr>
-          </a:p>
-        </p:txBody>
-      </p:sp>
-      <p:pic>
-        <p:nvPicPr>
-          <p:cNvPr id="273" name="Google Shape;273;gf246b92923_0_156"/>
-          <p:cNvPicPr preferRelativeResize="0"/>
-          <p:nvPr/>
-        </p:nvPicPr>
-        <p:blipFill>
-          <a:blip r:embed="rId4">
-            <a:alphaModFix/>
-          </a:blip>
-          <a:stretch>
-            <a:fillRect/>
-          </a:stretch>
-        </p:blipFill>
-        <p:spPr>
-          <a:xfrm>
-            <a:off x="2298650" y="2954851"/>
-            <a:ext cx="4223000" cy="1828600"/>
-          </a:xfrm>
-          <a:prstGeom prst="rect">
-            <a:avLst/>
-          </a:prstGeom>
-          <a:noFill/>
-          <a:ln>
-            <a:noFill/>
-          </a:ln>
-        </p:spPr>
-      </p:pic>
-    </p:spTree>
-  </p:cSld>
-  <p:clrMapOvr>
-    <a:masterClrMapping/>
-  </p:clrMapOvr>
-</p:sld>
-</file>
-
-<file path=ppt/slides/slide22.xml><?xml version="1.0" encoding="utf-8"?>
-<p:sld xmlns:a="http://schemas.openxmlformats.org/drawingml/2006/main" xmlns:r="http://schemas.openxmlformats.org/officeDocument/2006/relationships" xmlns:mc="http://schemas.openxmlformats.org/markup-compatibility/2006" xmlns:mv="urn:schemas-microsoft-com:mac:vml" xmlns:p="http://schemas.openxmlformats.org/presentationml/2006/main" xmlns:c="http://schemas.openxmlformats.org/drawingml/2006/chart" xmlns:dgm="http://schemas.openxmlformats.org/drawingml/2006/diagram" xmlns:o="urn:schemas-microsoft-com:office:office" xmlns:v="urn:schemas-microsoft-com:vml" xmlns:pvml="urn:schemas-microsoft-com:office:powerpoint" xmlns:com="http://schemas.openxmlformats.org/drawingml/2006/compatibility" xmlns:p14="http://schemas.microsoft.com/office/powerpoint/2010/main" xmlns:p15="http://schemas.microsoft.com/office/powerpoint/2012/main" xmlns:ahyp="http://schemas.microsoft.com/office/drawing/2018/hyperlinkcolor" showMasterSp="0">
-  <p:cSld>
-    <p:bg>
-      <p:bgPr>
-        <a:blipFill>
-          <a:blip r:embed="rId3">
-            <a:alphaModFix/>
-          </a:blip>
-          <a:stretch>
-            <a:fillRect/>
-          </a:stretch>
-        </a:blipFill>
-      </p:bgPr>
-    </p:bg>
-    <p:spTree>
-      <p:nvGrpSpPr>
-        <p:cNvPr id="277" name="Shape 277"/>
-        <p:cNvGrpSpPr/>
-        <p:nvPr/>
-      </p:nvGrpSpPr>
-      <p:grpSpPr>
-        <a:xfrm>
-          <a:off x="0" y="0"/>
-          <a:ext cx="0" cy="0"/>
-          <a:chOff x="0" y="0"/>
-          <a:chExt cx="0" cy="0"/>
-        </a:xfrm>
-      </p:grpSpPr>
-      <p:sp>
-        <p:nvSpPr>
-          <p:cNvPr id="278" name="Google Shape;278;gf246b92923_0_162"/>
-          <p:cNvSpPr txBox="1"/>
-          <p:nvPr>
-            <p:ph type="title"/>
-          </p:nvPr>
-        </p:nvSpPr>
-        <p:spPr>
-          <a:xfrm>
-            <a:off x="889600" y="1006650"/>
-            <a:ext cx="7505700" cy="618000"/>
-          </a:xfrm>
-          <a:prstGeom prst="rect">
-            <a:avLst/>
-          </a:prstGeom>
-          <a:noFill/>
-          <a:ln>
-            <a:noFill/>
-          </a:ln>
-        </p:spPr>
-        <p:txBody>
-          <a:bodyPr anchorCtr="0" anchor="b" bIns="34275" lIns="68575" spcFirstLastPara="1" rIns="68575" wrap="square" tIns="34275">
-            <a:noAutofit/>
-          </a:bodyPr>
-          <a:lstStyle/>
-          <a:p>
-            <a:pPr indent="0" lvl="0" marL="0" rtl="0" algn="l">
-              <a:lnSpc>
-                <a:spcPct val="85000"/>
-              </a:lnSpc>
-              <a:spcBef>
-                <a:spcPts val="0"/>
-              </a:spcBef>
-              <a:spcAft>
-                <a:spcPts val="0"/>
-              </a:spcAft>
-              <a:buClr>
-                <a:srgbClr val="3F3F3F"/>
-              </a:buClr>
-              <a:buSzPts val="3600"/>
-              <a:buFont typeface="Arial"/>
-              <a:buNone/>
-            </a:pPr>
-            <a:r>
-              <a:rPr b="1" lang="es">
-                <a:solidFill>
-                  <a:srgbClr val="E83464"/>
-                </a:solidFill>
-              </a:rPr>
-              <a:t>Iniciar Flutter Engine en segundo plano</a:t>
-            </a:r>
-            <a:endParaRPr b="1">
-              <a:solidFill>
-                <a:srgbClr val="E83464"/>
-              </a:solidFill>
-            </a:endParaRPr>
-          </a:p>
-        </p:txBody>
-      </p:sp>
-      <p:sp>
-        <p:nvSpPr>
-          <p:cNvPr id="279" name="Google Shape;279;gf246b92923_0_162"/>
-          <p:cNvSpPr txBox="1"/>
-          <p:nvPr>
-            <p:ph idx="4294967295" type="body"/>
-          </p:nvPr>
-        </p:nvSpPr>
-        <p:spPr>
-          <a:xfrm>
-            <a:off x="870550" y="1724375"/>
-            <a:ext cx="7410900" cy="3489300"/>
-          </a:xfrm>
-          <a:prstGeom prst="rect">
-            <a:avLst/>
-          </a:prstGeom>
-          <a:noFill/>
-          <a:ln cap="flat" cmpd="sng" w="9525">
-            <a:solidFill>
-              <a:schemeClr val="dk1"/>
-            </a:solidFill>
-            <a:prstDash val="solid"/>
-            <a:round/>
-            <a:headEnd len="sm" w="sm" type="none"/>
-            <a:tailEnd len="sm" w="sm" type="none"/>
-          </a:ln>
-        </p:spPr>
-        <p:txBody>
-          <a:bodyPr anchorCtr="0" anchor="t" bIns="34275" lIns="0" spcFirstLastPara="1" rIns="0" wrap="square" tIns="34275">
-            <a:noAutofit/>
-          </a:bodyPr>
-          <a:lstStyle/>
-          <a:p>
-            <a:pPr indent="0" lvl="0" marL="0" rtl="0" algn="just">
-              <a:lnSpc>
-                <a:spcPct val="90000"/>
-              </a:lnSpc>
-              <a:spcBef>
-                <a:spcPts val="600"/>
-              </a:spcBef>
-              <a:spcAft>
-                <a:spcPts val="0"/>
-              </a:spcAft>
-              <a:buNone/>
-            </a:pPr>
-            <a:r>
-              <a:rPr lang="es">
-                <a:solidFill>
-                  <a:srgbClr val="3C63AB"/>
-                </a:solidFill>
-              </a:rPr>
-              <a:t>El callbackDispatcher debe ser una función de nivel superior o una función estática.</a:t>
-            </a:r>
-            <a:endParaRPr>
-              <a:solidFill>
-                <a:srgbClr val="3C63AB"/>
-              </a:solidFill>
-            </a:endParaRPr>
-          </a:p>
-          <a:p>
-            <a:pPr indent="0" lvl="0" marL="0" rtl="0" algn="just">
-              <a:lnSpc>
-                <a:spcPct val="90000"/>
-              </a:lnSpc>
-              <a:spcBef>
-                <a:spcPts val="600"/>
-              </a:spcBef>
-              <a:spcAft>
-                <a:spcPts val="0"/>
-              </a:spcAft>
-              <a:buNone/>
-            </a:pPr>
-            <a:r>
-              <a:rPr lang="es">
-                <a:solidFill>
-                  <a:srgbClr val="3C63AB"/>
-                </a:solidFill>
-              </a:rPr>
-              <a:t>El Plugin </a:t>
-            </a:r>
-            <a:r>
-              <a:rPr lang="es">
-                <a:solidFill>
-                  <a:srgbClr val="3C63AB"/>
-                </a:solidFill>
-                <a:latin typeface="Courier New"/>
-                <a:ea typeface="Courier New"/>
-                <a:cs typeface="Courier New"/>
-                <a:sym typeface="Courier New"/>
-              </a:rPr>
-              <a:t>Utilities#getCallbackHandle</a:t>
-            </a:r>
-            <a:r>
-              <a:rPr lang="es">
-                <a:solidFill>
-                  <a:srgbClr val="3C63AB"/>
-                </a:solidFill>
-              </a:rPr>
-              <a:t> es probablemente algo nuevo. Esta es la función responsable de tomar su callbackDispatcher y registrarlo con el motor Flutter. Puede verse como un simple mapa clave-valor dentro del motor Flutter. La clave es el código hash del callbackDispatcher. El valor es un identificador del propio punto de entrada. Sólo enviamos este código hash a lo largo de un nativo MethodChannel. Android / iOS lo guardará para su uso posterior.</a:t>
-            </a:r>
-            <a:endParaRPr>
-              <a:solidFill>
-                <a:srgbClr val="3C63AB"/>
-              </a:solidFill>
-            </a:endParaRPr>
-          </a:p>
-          <a:p>
-            <a:pPr indent="0" lvl="0" marL="0" rtl="0" algn="just">
-              <a:lnSpc>
-                <a:spcPct val="90000"/>
-              </a:lnSpc>
-              <a:spcBef>
-                <a:spcPts val="600"/>
-              </a:spcBef>
-              <a:spcAft>
-                <a:spcPts val="0"/>
-              </a:spcAft>
-              <a:buNone/>
-            </a:pPr>
-            <a:r>
-              <a:t/>
-            </a:r>
-            <a:endParaRPr>
-              <a:solidFill>
-                <a:srgbClr val="3C63AB"/>
-              </a:solidFill>
-            </a:endParaRPr>
-          </a:p>
-          <a:p>
-            <a:pPr indent="0" lvl="0" marL="0" rtl="0" algn="just">
-              <a:lnSpc>
-                <a:spcPct val="90000"/>
-              </a:lnSpc>
-              <a:spcBef>
-                <a:spcPts val="600"/>
-              </a:spcBef>
-              <a:spcAft>
-                <a:spcPts val="0"/>
-              </a:spcAft>
-              <a:buNone/>
-            </a:pPr>
-            <a:r>
-              <a:rPr lang="es">
-                <a:solidFill>
-                  <a:srgbClr val="3C63AB"/>
-                </a:solidFill>
-              </a:rPr>
-              <a:t>Una vez que un trabajo se activa en segundo plano en iOS o Android, debemos hacer lo contrario.</a:t>
-            </a:r>
-            <a:endParaRPr>
-              <a:solidFill>
-                <a:srgbClr val="3C63AB"/>
-              </a:solidFill>
-            </a:endParaRPr>
-          </a:p>
-          <a:p>
-            <a:pPr indent="0" lvl="0" marL="0" rtl="0" algn="just">
-              <a:lnSpc>
-                <a:spcPct val="90000"/>
-              </a:lnSpc>
-              <a:spcBef>
-                <a:spcPts val="600"/>
-              </a:spcBef>
-              <a:spcAft>
-                <a:spcPts val="0"/>
-              </a:spcAft>
-              <a:buNone/>
-            </a:pPr>
-            <a:r>
-              <a:rPr lang="es">
-                <a:solidFill>
-                  <a:srgbClr val="3C63AB"/>
-                </a:solidFill>
-              </a:rPr>
-              <a:t>Necesitamos recuperar el código hash y buscar su función callbackDispatcher asociada. Flutter proporciona algunos métodos convenientes para iniciar un proceso de Dart a partir de argumentos.</a:t>
-            </a:r>
-            <a:endParaRPr>
-              <a:solidFill>
-                <a:srgbClr val="3C63AB"/>
-              </a:solidFill>
-            </a:endParaRPr>
-          </a:p>
-          <a:p>
-            <a:pPr indent="0" lvl="0" marL="0" rtl="0" algn="just">
-              <a:lnSpc>
-                <a:spcPct val="90000"/>
-              </a:lnSpc>
-              <a:spcBef>
-                <a:spcPts val="600"/>
-              </a:spcBef>
-              <a:spcAft>
-                <a:spcPts val="0"/>
-              </a:spcAft>
-              <a:buSzPts val="1300"/>
-              <a:buNone/>
-            </a:pPr>
-            <a:r>
-              <a:t/>
-            </a:r>
-            <a:endParaRPr>
-              <a:solidFill>
-                <a:srgbClr val="3C63AB"/>
-              </a:solidFill>
-            </a:endParaRPr>
-          </a:p>
-          <a:p>
-            <a:pPr indent="0" lvl="0" marL="0" rtl="0" algn="just">
-              <a:lnSpc>
-                <a:spcPct val="90000"/>
-              </a:lnSpc>
-              <a:spcBef>
-                <a:spcPts val="600"/>
-              </a:spcBef>
-              <a:spcAft>
-                <a:spcPts val="0"/>
-              </a:spcAft>
-              <a:buSzPts val="1300"/>
-              <a:buNone/>
-            </a:pPr>
-            <a:r>
-              <a:t/>
-            </a:r>
-            <a:endParaRPr sz="1100">
-              <a:solidFill>
-                <a:srgbClr val="000000"/>
-              </a:solidFill>
-              <a:highlight>
-                <a:srgbClr val="FFFFFF"/>
-              </a:highlight>
-              <a:latin typeface="Arial"/>
-              <a:ea typeface="Arial"/>
-              <a:cs typeface="Arial"/>
-              <a:sym typeface="Arial"/>
-            </a:endParaRPr>
-          </a:p>
-        </p:txBody>
-      </p:sp>
-    </p:spTree>
-  </p:cSld>
-  <p:clrMapOvr>
-    <a:masterClrMapping/>
-  </p:clrMapOvr>
-</p:sld>
-</file>
-
-<file path=ppt/slides/slide23.xml><?xml version="1.0" encoding="utf-8"?>
-<p:sld xmlns:a="http://schemas.openxmlformats.org/drawingml/2006/main" xmlns:r="http://schemas.openxmlformats.org/officeDocument/2006/relationships" xmlns:mc="http://schemas.openxmlformats.org/markup-compatibility/2006" xmlns:mv="urn:schemas-microsoft-com:mac:vml" xmlns:p="http://schemas.openxmlformats.org/presentationml/2006/main" xmlns:c="http://schemas.openxmlformats.org/drawingml/2006/chart" xmlns:dgm="http://schemas.openxmlformats.org/drawingml/2006/diagram" xmlns:o="urn:schemas-microsoft-com:office:office" xmlns:v="urn:schemas-microsoft-com:vml" xmlns:pvml="urn:schemas-microsoft-com:office:powerpoint" xmlns:com="http://schemas.openxmlformats.org/drawingml/2006/compatibility" xmlns:p14="http://schemas.microsoft.com/office/powerpoint/2010/main" xmlns:p15="http://schemas.microsoft.com/office/powerpoint/2012/main" xmlns:ahyp="http://schemas.microsoft.com/office/drawing/2018/hyperlinkcolor" showMasterSp="0">
-  <p:cSld>
-    <p:bg>
-      <p:bgPr>
-        <a:blipFill>
-          <a:blip r:embed="rId3">
-            <a:alphaModFix/>
-          </a:blip>
-          <a:stretch>
-            <a:fillRect/>
-          </a:stretch>
-        </a:blipFill>
-      </p:bgPr>
-    </p:bg>
-    <p:spTree>
-      <p:nvGrpSpPr>
-        <p:cNvPr id="283" name="Shape 283"/>
-        <p:cNvGrpSpPr/>
-        <p:nvPr/>
-      </p:nvGrpSpPr>
-      <p:grpSpPr>
-        <a:xfrm>
-          <a:off x="0" y="0"/>
-          <a:ext cx="0" cy="0"/>
-          <a:chOff x="0" y="0"/>
-          <a:chExt cx="0" cy="0"/>
-        </a:xfrm>
-      </p:grpSpPr>
-      <p:sp>
-        <p:nvSpPr>
-          <p:cNvPr id="284" name="Google Shape;284;gf246b92923_0_167"/>
-          <p:cNvSpPr txBox="1"/>
-          <p:nvPr>
-            <p:ph type="title"/>
-          </p:nvPr>
-        </p:nvSpPr>
-        <p:spPr>
-          <a:xfrm>
-            <a:off x="889600" y="1006650"/>
-            <a:ext cx="7505700" cy="618000"/>
-          </a:xfrm>
-          <a:prstGeom prst="rect">
-            <a:avLst/>
-          </a:prstGeom>
-          <a:noFill/>
-          <a:ln>
-            <a:noFill/>
-          </a:ln>
-        </p:spPr>
-        <p:txBody>
-          <a:bodyPr anchorCtr="0" anchor="b" bIns="34275" lIns="68575" spcFirstLastPara="1" rIns="68575" wrap="square" tIns="34275">
-            <a:noAutofit/>
-          </a:bodyPr>
-          <a:lstStyle/>
-          <a:p>
-            <a:pPr indent="0" lvl="0" marL="0" rtl="0" algn="l">
-              <a:lnSpc>
-                <a:spcPct val="85000"/>
-              </a:lnSpc>
-              <a:spcBef>
-                <a:spcPts val="0"/>
-              </a:spcBef>
-              <a:spcAft>
-                <a:spcPts val="0"/>
-              </a:spcAft>
-              <a:buNone/>
-            </a:pPr>
-            <a:r>
-              <a:rPr b="1" lang="es">
-                <a:solidFill>
-                  <a:srgbClr val="E83464"/>
-                </a:solidFill>
-              </a:rPr>
-              <a:t>Complemento Flutter WorkManager</a:t>
-            </a:r>
-            <a:endParaRPr b="1">
-              <a:solidFill>
-                <a:srgbClr val="E83464"/>
-              </a:solidFill>
-            </a:endParaRPr>
-          </a:p>
-        </p:txBody>
-      </p:sp>
-      <p:sp>
-        <p:nvSpPr>
-          <p:cNvPr id="285" name="Google Shape;285;gf246b92923_0_167"/>
-          <p:cNvSpPr txBox="1"/>
-          <p:nvPr>
-            <p:ph idx="4294967295" type="body"/>
-          </p:nvPr>
-        </p:nvSpPr>
-        <p:spPr>
-          <a:xfrm>
-            <a:off x="870550" y="1724375"/>
-            <a:ext cx="7188900" cy="3489300"/>
-          </a:xfrm>
-          <a:prstGeom prst="rect">
-            <a:avLst/>
-          </a:prstGeom>
-          <a:noFill/>
-          <a:ln cap="flat" cmpd="sng" w="9525">
-            <a:solidFill>
-              <a:schemeClr val="dk1"/>
-            </a:solidFill>
-            <a:prstDash val="solid"/>
-            <a:round/>
-            <a:headEnd len="sm" w="sm" type="none"/>
-            <a:tailEnd len="sm" w="sm" type="none"/>
-          </a:ln>
-        </p:spPr>
-        <p:txBody>
-          <a:bodyPr anchorCtr="0" anchor="t" bIns="34275" lIns="0" spcFirstLastPara="1" rIns="0" wrap="square" tIns="34275">
-            <a:noAutofit/>
-          </a:bodyPr>
-          <a:lstStyle/>
-          <a:p>
-            <a:pPr indent="0" lvl="0" marL="0" rtl="0" algn="just">
-              <a:lnSpc>
-                <a:spcPct val="90000"/>
-              </a:lnSpc>
-              <a:spcBef>
-                <a:spcPts val="600"/>
-              </a:spcBef>
-              <a:spcAft>
-                <a:spcPts val="0"/>
-              </a:spcAft>
-              <a:buNone/>
-            </a:pPr>
-            <a:r>
-              <a:rPr lang="es" sz="1400">
-                <a:solidFill>
-                  <a:srgbClr val="3C63AB"/>
-                </a:solidFill>
-              </a:rPr>
-              <a:t>Para hacer  más fácil todo, desarrollamos un complemento Flutter que ya maneja todo el código repetitivo mencionado anteriormente.</a:t>
-            </a:r>
-            <a:endParaRPr sz="1400">
-              <a:solidFill>
-                <a:srgbClr val="3C63AB"/>
-              </a:solidFill>
-            </a:endParaRPr>
-          </a:p>
-          <a:p>
-            <a:pPr indent="0" lvl="0" marL="0" rtl="0" algn="just">
-              <a:lnSpc>
-                <a:spcPct val="90000"/>
-              </a:lnSpc>
-              <a:spcBef>
-                <a:spcPts val="600"/>
-              </a:spcBef>
-              <a:spcAft>
-                <a:spcPts val="0"/>
-              </a:spcAft>
-              <a:buNone/>
-            </a:pPr>
-            <a:r>
-              <a:rPr lang="es" sz="1400">
-                <a:solidFill>
-                  <a:srgbClr val="3C63AB"/>
-                </a:solidFill>
-              </a:rPr>
-              <a:t>Se hace uso de las WorkManagerAPI en Android y performFetchen iOS.</a:t>
-            </a:r>
-            <a:endParaRPr sz="1400">
-              <a:solidFill>
-                <a:srgbClr val="3C63AB"/>
-              </a:solidFill>
-            </a:endParaRPr>
-          </a:p>
-          <a:p>
-            <a:pPr indent="0" lvl="0" marL="0" rtl="0" algn="just">
-              <a:lnSpc>
-                <a:spcPct val="90000"/>
-              </a:lnSpc>
-              <a:spcBef>
-                <a:spcPts val="600"/>
-              </a:spcBef>
-              <a:spcAft>
-                <a:spcPts val="0"/>
-              </a:spcAft>
-              <a:buNone/>
-            </a:pPr>
-            <a:r>
-              <a:t/>
-            </a:r>
-            <a:endParaRPr sz="1400">
-              <a:solidFill>
-                <a:srgbClr val="3C63AB"/>
-              </a:solidFill>
-            </a:endParaRPr>
-          </a:p>
-          <a:p>
-            <a:pPr indent="0" lvl="0" marL="0" rtl="0" algn="just">
-              <a:lnSpc>
-                <a:spcPct val="90000"/>
-              </a:lnSpc>
-              <a:spcBef>
-                <a:spcPts val="600"/>
-              </a:spcBef>
-              <a:spcAft>
-                <a:spcPts val="0"/>
-              </a:spcAft>
-              <a:buSzPts val="1300"/>
-              <a:buNone/>
-            </a:pPr>
-            <a:r>
-              <a:rPr lang="es" sz="1400">
-                <a:solidFill>
-                  <a:srgbClr val="3C63AB"/>
-                </a:solidFill>
-              </a:rPr>
-              <a:t>Este complemento funcionará tanto en iOS como en Android si sigue los pasos de configuración que se encuentran primero en el </a:t>
-            </a:r>
-            <a:r>
-              <a:rPr lang="es" sz="1400" u="sng">
-                <a:solidFill>
-                  <a:schemeClr val="hlink"/>
-                </a:solidFill>
-                <a:hlinkClick r:id="rId4"/>
-              </a:rPr>
-              <a:t>archivo README</a:t>
-            </a:r>
-            <a:r>
-              <a:rPr lang="es" sz="1400">
-                <a:solidFill>
-                  <a:srgbClr val="3C63AB"/>
-                </a:solidFill>
-              </a:rPr>
-              <a:t> . El siguiente ejemplo asume que tiene.</a:t>
-            </a:r>
-            <a:endParaRPr sz="1400">
-              <a:solidFill>
-                <a:srgbClr val="3C63AB"/>
-              </a:solidFill>
-            </a:endParaRPr>
-          </a:p>
-          <a:p>
-            <a:pPr indent="0" lvl="0" marL="0" rtl="0" algn="l">
-              <a:lnSpc>
-                <a:spcPct val="90000"/>
-              </a:lnSpc>
-              <a:spcBef>
-                <a:spcPts val="600"/>
-              </a:spcBef>
-              <a:spcAft>
-                <a:spcPts val="0"/>
-              </a:spcAft>
-              <a:buSzPts val="1300"/>
-              <a:buNone/>
-            </a:pPr>
-            <a:r>
-              <a:t/>
-            </a:r>
-            <a:endParaRPr sz="1200">
-              <a:solidFill>
-                <a:srgbClr val="000000"/>
-              </a:solidFill>
-              <a:highlight>
-                <a:srgbClr val="FFFFFF"/>
-              </a:highlight>
-              <a:latin typeface="Arial"/>
-              <a:ea typeface="Arial"/>
-              <a:cs typeface="Arial"/>
-              <a:sym typeface="Arial"/>
-            </a:endParaRPr>
-          </a:p>
-        </p:txBody>
-      </p:sp>
-    </p:spTree>
-  </p:cSld>
-  <p:clrMapOvr>
-    <a:masterClrMapping/>
-  </p:clrMapOvr>
-</p:sld>
-</file>
-
-<file path=ppt/slides/slide24.xml><?xml version="1.0" encoding="utf-8"?>
-<p:sld xmlns:a="http://schemas.openxmlformats.org/drawingml/2006/main" xmlns:r="http://schemas.openxmlformats.org/officeDocument/2006/relationships" xmlns:mc="http://schemas.openxmlformats.org/markup-compatibility/2006" xmlns:mv="urn:schemas-microsoft-com:mac:vml" xmlns:p="http://schemas.openxmlformats.org/presentationml/2006/main" xmlns:c="http://schemas.openxmlformats.org/drawingml/2006/chart" xmlns:dgm="http://schemas.openxmlformats.org/drawingml/2006/diagram" xmlns:o="urn:schemas-microsoft-com:office:office" xmlns:v="urn:schemas-microsoft-com:vml" xmlns:pvml="urn:schemas-microsoft-com:office:powerpoint" xmlns:com="http://schemas.openxmlformats.org/drawingml/2006/compatibility" xmlns:p14="http://schemas.microsoft.com/office/powerpoint/2010/main" xmlns:p15="http://schemas.microsoft.com/office/powerpoint/2012/main" xmlns:ahyp="http://schemas.microsoft.com/office/drawing/2018/hyperlinkcolor" showMasterSp="0">
-  <p:cSld>
-    <p:bg>
-      <p:bgPr>
-        <a:blipFill>
-          <a:blip r:embed="rId3">
-            <a:alphaModFix/>
-          </a:blip>
-          <a:stretch>
-            <a:fillRect/>
-          </a:stretch>
-        </a:blipFill>
-      </p:bgPr>
-    </p:bg>
-    <p:spTree>
-      <p:nvGrpSpPr>
-        <p:cNvPr id="289" name="Shape 289"/>
-        <p:cNvGrpSpPr/>
-        <p:nvPr/>
-      </p:nvGrpSpPr>
-      <p:grpSpPr>
-        <a:xfrm>
-          <a:off x="0" y="0"/>
-          <a:ext cx="0" cy="0"/>
-          <a:chOff x="0" y="0"/>
-          <a:chExt cx="0" cy="0"/>
-        </a:xfrm>
-      </p:grpSpPr>
-      <p:sp>
-        <p:nvSpPr>
-          <p:cNvPr id="290" name="Google Shape;290;gf246b92923_0_172"/>
-          <p:cNvSpPr txBox="1"/>
-          <p:nvPr>
-            <p:ph type="title"/>
-          </p:nvPr>
-        </p:nvSpPr>
-        <p:spPr>
-          <a:xfrm>
-            <a:off x="889600" y="1006650"/>
-            <a:ext cx="7505700" cy="618000"/>
-          </a:xfrm>
-          <a:prstGeom prst="rect">
-            <a:avLst/>
-          </a:prstGeom>
-          <a:noFill/>
-          <a:ln>
-            <a:noFill/>
-          </a:ln>
-        </p:spPr>
-        <p:txBody>
-          <a:bodyPr anchorCtr="0" anchor="b" bIns="34275" lIns="68575" spcFirstLastPara="1" rIns="68575" wrap="square" tIns="34275">
-            <a:noAutofit/>
-          </a:bodyPr>
-          <a:lstStyle/>
-          <a:p>
-            <a:pPr indent="0" lvl="0" marL="0" rtl="0" algn="l">
-              <a:lnSpc>
-                <a:spcPct val="85000"/>
-              </a:lnSpc>
-              <a:spcBef>
-                <a:spcPts val="0"/>
-              </a:spcBef>
-              <a:spcAft>
-                <a:spcPts val="0"/>
-              </a:spcAft>
-              <a:buNone/>
-            </a:pPr>
-            <a:r>
-              <a:rPr b="1" lang="es">
-                <a:solidFill>
-                  <a:srgbClr val="E83464"/>
-                </a:solidFill>
-              </a:rPr>
-              <a:t>Complemento Flutter WorkManager</a:t>
-            </a:r>
-            <a:endParaRPr b="1">
-              <a:solidFill>
-                <a:srgbClr val="E83464"/>
-              </a:solidFill>
-            </a:endParaRPr>
-          </a:p>
-        </p:txBody>
-      </p:sp>
-      <p:sp>
-        <p:nvSpPr>
-          <p:cNvPr id="291" name="Google Shape;291;gf246b92923_0_172"/>
-          <p:cNvSpPr txBox="1"/>
-          <p:nvPr>
-            <p:ph idx="4294967295" type="body"/>
-          </p:nvPr>
-        </p:nvSpPr>
-        <p:spPr>
-          <a:xfrm>
-            <a:off x="870550" y="1724375"/>
-            <a:ext cx="7211100" cy="3489300"/>
-          </a:xfrm>
-          <a:prstGeom prst="rect">
-            <a:avLst/>
-          </a:prstGeom>
-          <a:noFill/>
-          <a:ln cap="flat" cmpd="sng" w="9525">
-            <a:solidFill>
-              <a:schemeClr val="dk1"/>
-            </a:solidFill>
-            <a:prstDash val="solid"/>
-            <a:round/>
-            <a:headEnd len="sm" w="sm" type="none"/>
-            <a:tailEnd len="sm" w="sm" type="none"/>
-          </a:ln>
-        </p:spPr>
-        <p:txBody>
-          <a:bodyPr anchorCtr="0" anchor="t" bIns="34275" lIns="0" spcFirstLastPara="1" rIns="0" wrap="square" tIns="34275">
-            <a:noAutofit/>
-          </a:bodyPr>
-          <a:lstStyle/>
-          <a:p>
-            <a:pPr indent="0" lvl="0" marL="0" rtl="0" algn="just">
-              <a:lnSpc>
-                <a:spcPct val="90000"/>
-              </a:lnSpc>
-              <a:spcBef>
-                <a:spcPts val="600"/>
-              </a:spcBef>
-              <a:spcAft>
-                <a:spcPts val="0"/>
-              </a:spcAft>
-              <a:buNone/>
-            </a:pPr>
-            <a:r>
-              <a:rPr lang="es" sz="1400">
-                <a:solidFill>
-                  <a:srgbClr val="3C63AB"/>
-                </a:solidFill>
-              </a:rPr>
-              <a:t>Como explicamos, el complemento se encarga de que registre el callbackDispatcher. Solo llamaWorkManager.initialize(callbackDispatcher). </a:t>
-            </a:r>
-            <a:endParaRPr sz="1400">
-              <a:solidFill>
-                <a:srgbClr val="3C63AB"/>
-              </a:solidFill>
-            </a:endParaRPr>
-          </a:p>
-          <a:p>
-            <a:pPr indent="0" lvl="0" marL="0" rtl="0" algn="just">
-              <a:lnSpc>
-                <a:spcPct val="90000"/>
-              </a:lnSpc>
-              <a:spcBef>
-                <a:spcPts val="600"/>
-              </a:spcBef>
-              <a:spcAft>
-                <a:spcPts val="0"/>
-              </a:spcAft>
-              <a:buNone/>
-            </a:pPr>
-            <a:r>
-              <a:rPr lang="es" sz="1400">
-                <a:solidFill>
-                  <a:srgbClr val="3C63AB"/>
-                </a:solidFill>
-              </a:rPr>
-              <a:t>Con la ayuda de registerOneOffTaskle decimos a Flutter explícitamente que inicie un trabajo de Android. El valor de la myTaskvariable se devolverá al callbackDispatcher registrado para que pueda diferenciar si tiene varias tareas.</a:t>
-            </a:r>
-            <a:endParaRPr sz="1400">
-              <a:solidFill>
-                <a:srgbClr val="3C63AB"/>
-              </a:solidFill>
-            </a:endParaRPr>
-          </a:p>
-          <a:p>
-            <a:pPr indent="0" lvl="0" marL="0" rtl="0" algn="just">
-              <a:lnSpc>
-                <a:spcPct val="90000"/>
-              </a:lnSpc>
-              <a:spcBef>
-                <a:spcPts val="600"/>
-              </a:spcBef>
-              <a:spcAft>
-                <a:spcPts val="0"/>
-              </a:spcAft>
-              <a:buNone/>
-            </a:pPr>
-            <a:r>
-              <a:rPr lang="es" sz="1400">
-                <a:solidFill>
-                  <a:srgbClr val="3C63AB"/>
-                </a:solidFill>
-              </a:rPr>
-              <a:t>iOS ' performFetchsiempre devolverá un valor fijo de Workmanager.iOSBackgroundTask.</a:t>
-            </a:r>
-            <a:endParaRPr sz="1400">
-              <a:solidFill>
-                <a:srgbClr val="3C63AB"/>
-              </a:solidFill>
-            </a:endParaRPr>
-          </a:p>
-          <a:p>
-            <a:pPr indent="0" lvl="0" marL="0" rtl="0" algn="just">
-              <a:lnSpc>
-                <a:spcPct val="90000"/>
-              </a:lnSpc>
-              <a:spcBef>
-                <a:spcPts val="600"/>
-              </a:spcBef>
-              <a:spcAft>
-                <a:spcPts val="0"/>
-              </a:spcAft>
-              <a:buNone/>
-            </a:pPr>
-            <a:r>
-              <a:rPr lang="es" sz="1400">
-                <a:solidFill>
-                  <a:srgbClr val="3C63AB"/>
-                </a:solidFill>
-              </a:rPr>
-              <a:t>Este es el ejemplo más simple, pero se pueden configurar más opciones en Android. Eche un vistazo al archivo README</a:t>
-            </a:r>
-            <a:endParaRPr sz="1400">
-              <a:solidFill>
-                <a:srgbClr val="3C63AB"/>
-              </a:solidFill>
-            </a:endParaRPr>
-          </a:p>
-          <a:p>
-            <a:pPr indent="0" lvl="0" marL="0" rtl="0" algn="l">
-              <a:lnSpc>
-                <a:spcPct val="90000"/>
-              </a:lnSpc>
-              <a:spcBef>
-                <a:spcPts val="600"/>
-              </a:spcBef>
-              <a:spcAft>
-                <a:spcPts val="0"/>
-              </a:spcAft>
-              <a:buNone/>
-            </a:pPr>
-            <a:r>
-              <a:t/>
-            </a:r>
-            <a:endParaRPr sz="1400">
-              <a:solidFill>
-                <a:srgbClr val="3C63AB"/>
-              </a:solidFill>
-            </a:endParaRPr>
-          </a:p>
-          <a:p>
-            <a:pPr indent="0" lvl="0" marL="0" rtl="0" algn="l">
-              <a:lnSpc>
-                <a:spcPct val="90000"/>
-              </a:lnSpc>
-              <a:spcBef>
-                <a:spcPts val="600"/>
-              </a:spcBef>
-              <a:spcAft>
-                <a:spcPts val="0"/>
-              </a:spcAft>
-              <a:buSzPts val="1300"/>
-              <a:buNone/>
-            </a:pPr>
-            <a:r>
-              <a:t/>
-            </a:r>
-            <a:endParaRPr sz="1400">
-              <a:solidFill>
-                <a:srgbClr val="3C63AB"/>
-              </a:solidFill>
-            </a:endParaRPr>
-          </a:p>
-        </p:txBody>
-      </p:sp>
-    </p:spTree>
-  </p:cSld>
-  <p:clrMapOvr>
-    <a:masterClrMapping/>
-  </p:clrMapOvr>
-</p:sld>
-</file>
-
-<file path=ppt/slides/slide25.xml><?xml version="1.0" encoding="utf-8"?>
-<p:sld xmlns:a="http://schemas.openxmlformats.org/drawingml/2006/main" xmlns:r="http://schemas.openxmlformats.org/officeDocument/2006/relationships" xmlns:mc="http://schemas.openxmlformats.org/markup-compatibility/2006" xmlns:mv="urn:schemas-microsoft-com:mac:vml" xmlns:p="http://schemas.openxmlformats.org/presentationml/2006/main" xmlns:c="http://schemas.openxmlformats.org/drawingml/2006/chart" xmlns:dgm="http://schemas.openxmlformats.org/drawingml/2006/diagram" xmlns:o="urn:schemas-microsoft-com:office:office" xmlns:v="urn:schemas-microsoft-com:vml" xmlns:pvml="urn:schemas-microsoft-com:office:powerpoint" xmlns:com="http://schemas.openxmlformats.org/drawingml/2006/compatibility" xmlns:p14="http://schemas.microsoft.com/office/powerpoint/2010/main" xmlns:p15="http://schemas.microsoft.com/office/powerpoint/2012/main" xmlns:ahyp="http://schemas.microsoft.com/office/drawing/2018/hyperlinkcolor" showMasterSp="0">
-  <p:cSld>
-    <p:bg>
-      <p:bgPr>
-        <a:blipFill>
-          <a:blip r:embed="rId3">
-            <a:alphaModFix/>
-          </a:blip>
-          <a:stretch>
-            <a:fillRect/>
-          </a:stretch>
-        </a:blipFill>
-      </p:bgPr>
-    </p:bg>
-    <p:spTree>
-      <p:nvGrpSpPr>
-        <p:cNvPr id="295" name="Shape 295"/>
-        <p:cNvGrpSpPr/>
-        <p:nvPr/>
-      </p:nvGrpSpPr>
-      <p:grpSpPr>
-        <a:xfrm>
-          <a:off x="0" y="0"/>
-          <a:ext cx="0" cy="0"/>
-          <a:chOff x="0" y="0"/>
-          <a:chExt cx="0" cy="0"/>
-        </a:xfrm>
-      </p:grpSpPr>
-      <p:sp>
-        <p:nvSpPr>
-          <p:cNvPr id="296" name="Google Shape;296;gf246b92923_0_177"/>
-          <p:cNvSpPr txBox="1"/>
-          <p:nvPr>
-            <p:ph type="title"/>
-          </p:nvPr>
-        </p:nvSpPr>
-        <p:spPr>
-          <a:xfrm>
-            <a:off x="919200" y="962250"/>
-            <a:ext cx="7505700" cy="618000"/>
-          </a:xfrm>
-          <a:prstGeom prst="rect">
-            <a:avLst/>
-          </a:prstGeom>
-          <a:noFill/>
-          <a:ln>
-            <a:noFill/>
-          </a:ln>
-        </p:spPr>
-        <p:txBody>
-          <a:bodyPr anchorCtr="0" anchor="b" bIns="34275" lIns="68575" spcFirstLastPara="1" rIns="68575" wrap="square" tIns="34275">
-            <a:noAutofit/>
-          </a:bodyPr>
-          <a:lstStyle/>
-          <a:p>
-            <a:pPr indent="0" lvl="0" marL="0" rtl="0" algn="l">
-              <a:lnSpc>
-                <a:spcPct val="85000"/>
-              </a:lnSpc>
-              <a:spcBef>
-                <a:spcPts val="0"/>
-              </a:spcBef>
-              <a:spcAft>
-                <a:spcPts val="0"/>
-              </a:spcAft>
-              <a:buNone/>
-            </a:pPr>
-            <a:r>
-              <a:rPr b="1" lang="es">
-                <a:solidFill>
-                  <a:srgbClr val="E83464"/>
-                </a:solidFill>
-              </a:rPr>
-              <a:t>Complemento Flutter WorkManager</a:t>
-            </a:r>
-            <a:endParaRPr b="1">
-              <a:solidFill>
-                <a:srgbClr val="E83464"/>
-              </a:solidFill>
-            </a:endParaRPr>
-          </a:p>
-        </p:txBody>
-      </p:sp>
-      <p:pic>
-        <p:nvPicPr>
-          <p:cNvPr id="297" name="Google Shape;297;gf246b92923_0_177"/>
-          <p:cNvPicPr preferRelativeResize="0"/>
-          <p:nvPr/>
-        </p:nvPicPr>
-        <p:blipFill>
-          <a:blip r:embed="rId4">
-            <a:alphaModFix/>
-          </a:blip>
-          <a:stretch>
-            <a:fillRect/>
-          </a:stretch>
-        </p:blipFill>
-        <p:spPr>
-          <a:xfrm>
-            <a:off x="2486025" y="1624650"/>
-            <a:ext cx="3649175" cy="3432557"/>
-          </a:xfrm>
-          <a:prstGeom prst="rect">
-            <a:avLst/>
-          </a:prstGeom>
-          <a:noFill/>
-          <a:ln>
-            <a:noFill/>
-          </a:ln>
-        </p:spPr>
-      </p:pic>
-    </p:spTree>
-  </p:cSld>
-  <p:clrMapOvr>
-    <a:masterClrMapping/>
-  </p:clrMapOvr>
-</p:sld>
-</file>
-
-<file path=ppt/slides/slide26.xml><?xml version="1.0" encoding="utf-8"?>
-<p:sld xmlns:a="http://schemas.openxmlformats.org/drawingml/2006/main" xmlns:r="http://schemas.openxmlformats.org/officeDocument/2006/relationships" xmlns:mc="http://schemas.openxmlformats.org/markup-compatibility/2006" xmlns:mv="urn:schemas-microsoft-com:mac:vml" xmlns:p="http://schemas.openxmlformats.org/presentationml/2006/main" xmlns:c="http://schemas.openxmlformats.org/drawingml/2006/chart" xmlns:dgm="http://schemas.openxmlformats.org/drawingml/2006/diagram" xmlns:o="urn:schemas-microsoft-com:office:office" xmlns:v="urn:schemas-microsoft-com:vml" xmlns:pvml="urn:schemas-microsoft-com:office:powerpoint" xmlns:com="http://schemas.openxmlformats.org/drawingml/2006/compatibility" xmlns:p14="http://schemas.microsoft.com/office/powerpoint/2010/main" xmlns:p15="http://schemas.microsoft.com/office/powerpoint/2012/main" xmlns:ahyp="http://schemas.microsoft.com/office/drawing/2018/hyperlinkcolor" showMasterSp="0">
-  <p:cSld>
-    <p:bg>
-      <p:bgPr>
-        <a:blipFill>
-          <a:blip r:embed="rId3">
-            <a:alphaModFix/>
-          </a:blip>
-          <a:stretch>
-            <a:fillRect/>
-          </a:stretch>
-        </a:blipFill>
-      </p:bgPr>
-    </p:bg>
-    <p:spTree>
-      <p:nvGrpSpPr>
-        <p:cNvPr id="301" name="Shape 301"/>
-        <p:cNvGrpSpPr/>
-        <p:nvPr/>
-      </p:nvGrpSpPr>
-      <p:grpSpPr>
-        <a:xfrm>
-          <a:off x="0" y="0"/>
-          <a:ext cx="0" cy="0"/>
-          <a:chOff x="0" y="0"/>
-          <a:chExt cx="0" cy="0"/>
-        </a:xfrm>
-      </p:grpSpPr>
-      <p:sp>
-        <p:nvSpPr>
-          <p:cNvPr id="302" name="Google Shape;302;gf246b929a0_0_0"/>
-          <p:cNvSpPr txBox="1"/>
-          <p:nvPr/>
-        </p:nvSpPr>
-        <p:spPr>
-          <a:xfrm>
-            <a:off x="755123" y="1387206"/>
-            <a:ext cx="7657500" cy="2539200"/>
-          </a:xfrm>
-          <a:prstGeom prst="rect">
-            <a:avLst/>
-          </a:prstGeom>
-          <a:noFill/>
-          <a:ln>
-            <a:noFill/>
-          </a:ln>
-        </p:spPr>
-        <p:txBody>
-          <a:bodyPr anchorCtr="0" anchor="ctr" bIns="91425" lIns="91425" spcFirstLastPara="1" rIns="91425" wrap="square" tIns="91425">
-            <a:noAutofit/>
-          </a:bodyPr>
-          <a:lstStyle/>
-          <a:p>
-            <a:pPr indent="0" lvl="0" marL="0" marR="0" rtl="0" algn="ctr">
-              <a:lnSpc>
-                <a:spcPct val="85000"/>
-              </a:lnSpc>
-              <a:spcBef>
-                <a:spcPts val="0"/>
-              </a:spcBef>
-              <a:spcAft>
-                <a:spcPts val="0"/>
-              </a:spcAft>
-              <a:buClr>
-                <a:srgbClr val="3F3F3F"/>
-              </a:buClr>
-              <a:buSzPts val="3600"/>
-              <a:buFont typeface="Arial"/>
-              <a:buNone/>
-            </a:pPr>
-            <a:r>
-              <a:rPr b="1" i="0" lang="es" sz="3000" u="none" cap="none" strike="noStrike">
-                <a:solidFill>
-                  <a:srgbClr val="375FA9"/>
-                </a:solidFill>
-                <a:latin typeface="Arial"/>
-                <a:ea typeface="Arial"/>
-                <a:cs typeface="Arial"/>
-                <a:sym typeface="Arial"/>
-              </a:rPr>
-              <a:t>Ejercicios</a:t>
-            </a:r>
-            <a:r>
-              <a:rPr b="0" i="0" lang="es" sz="3000" u="none" cap="none" strike="noStrike">
-                <a:solidFill>
-                  <a:schemeClr val="lt1"/>
-                </a:solidFill>
-                <a:latin typeface="Arial"/>
-                <a:ea typeface="Arial"/>
-                <a:cs typeface="Arial"/>
-                <a:sym typeface="Arial"/>
-              </a:rPr>
-              <a:t> </a:t>
-            </a:r>
-            <a:r>
-              <a:rPr b="0" i="0" lang="es" sz="3000" u="none" cap="none" strike="noStrike">
-                <a:solidFill>
-                  <a:srgbClr val="E63464"/>
-                </a:solidFill>
-                <a:latin typeface="Arial"/>
-                <a:ea typeface="Arial"/>
-                <a:cs typeface="Arial"/>
-                <a:sym typeface="Arial"/>
-              </a:rPr>
-              <a:t>para practicar </a:t>
-            </a:r>
-            <a:endParaRPr b="0" i="0" sz="1800" u="none" cap="none" strike="noStrike">
-              <a:solidFill>
-                <a:srgbClr val="E63464"/>
-              </a:solidFill>
-              <a:latin typeface="Arial"/>
-              <a:ea typeface="Arial"/>
-              <a:cs typeface="Arial"/>
-              <a:sym typeface="Arial"/>
-            </a:endParaRPr>
-          </a:p>
-        </p:txBody>
-      </p:sp>
-    </p:spTree>
-  </p:cSld>
-  <p:clrMapOvr>
-    <a:masterClrMapping/>
-  </p:clrMapOvr>
-</p:sld>
-</file>
-
-<file path=ppt/slides/slide27.xml><?xml version="1.0" encoding="utf-8"?>
-<p:sld xmlns:a="http://schemas.openxmlformats.org/drawingml/2006/main" xmlns:r="http://schemas.openxmlformats.org/officeDocument/2006/relationships" xmlns:mc="http://schemas.openxmlformats.org/markup-compatibility/2006" xmlns:mv="urn:schemas-microsoft-com:mac:vml" xmlns:p="http://schemas.openxmlformats.org/presentationml/2006/main" xmlns:c="http://schemas.openxmlformats.org/drawingml/2006/chart" xmlns:dgm="http://schemas.openxmlformats.org/drawingml/2006/diagram" xmlns:o="urn:schemas-microsoft-com:office:office" xmlns:v="urn:schemas-microsoft-com:vml" xmlns:pvml="urn:schemas-microsoft-com:office:powerpoint" xmlns:com="http://schemas.openxmlformats.org/drawingml/2006/compatibility" xmlns:p14="http://schemas.microsoft.com/office/powerpoint/2010/main" xmlns:p15="http://schemas.microsoft.com/office/powerpoint/2012/main" xmlns:ahyp="http://schemas.microsoft.com/office/drawing/2018/hyperlinkcolor">
-  <p:cSld>
-    <p:spTree>
-      <p:nvGrpSpPr>
-        <p:cNvPr id="306" name="Shape 306"/>
-        <p:cNvGrpSpPr/>
-        <p:nvPr/>
-      </p:nvGrpSpPr>
-      <p:grpSpPr>
-        <a:xfrm>
-          <a:off x="0" y="0"/>
-          <a:ext cx="0" cy="0"/>
-          <a:chOff x="0" y="0"/>
-          <a:chExt cx="0" cy="0"/>
-        </a:xfrm>
-      </p:grpSpPr>
-      <p:pic>
-        <p:nvPicPr>
-          <p:cNvPr id="307" name="Google Shape;307;p36"/>
-          <p:cNvPicPr preferRelativeResize="0"/>
-          <p:nvPr/>
-        </p:nvPicPr>
-        <p:blipFill rotWithShape="1">
-          <a:blip r:embed="rId3">
-            <a:alphaModFix/>
-          </a:blip>
-          <a:srcRect b="0" l="0" r="0" t="0"/>
-          <a:stretch/>
-        </p:blipFill>
-        <p:spPr>
-          <a:xfrm>
-            <a:off x="2475" y="0"/>
-            <a:ext cx="9139049" cy="5143503"/>
-          </a:xfrm>
-          <a:prstGeom prst="rect">
-            <a:avLst/>
-          </a:prstGeom>
-          <a:noFill/>
-          <a:ln>
-            <a:noFill/>
-          </a:ln>
-        </p:spPr>
-      </p:pic>
     </p:spTree>
   </p:cSld>
   <p:clrMapOvr>
@@ -24674,7 +21708,7 @@
         <p:spPr>
           <a:xfrm>
             <a:off x="1000525" y="1753975"/>
-            <a:ext cx="7658400" cy="3489300"/>
+            <a:ext cx="7658400" cy="817800"/>
           </a:xfrm>
           <a:prstGeom prst="rect">
             <a:avLst/>
@@ -24698,7 +21732,7 @@
           <a:p>
             <a:pPr indent="0" lvl="0" marL="0" rtl="0" algn="l">
               <a:lnSpc>
-                <a:spcPct val="150000"/>
+                <a:spcPct val="115000"/>
               </a:lnSpc>
               <a:spcBef>
                 <a:spcPts val="0"/>
@@ -24714,7 +21748,7 @@
                   <a:srgbClr val="3C63AB"/>
                 </a:solidFill>
               </a:rPr>
-              <a:t>Usar Notification en Android es relativamente simple, si quieres usar Notification in flutter, se puede  usar</a:t>
+              <a:t>Usar Notification en Android es relativamente simple, si quieres usar Notification en Flutter, se puede  usar</a:t>
             </a:r>
             <a:r>
               <a:rPr lang="es" sz="1400" u="sng">
@@ -24748,273 +21782,6 @@
                 </a:solidFill>
               </a:rPr>
               <a:t>:</a:t>
-            </a:r>
-            <a:endParaRPr sz="1400">
-              <a:solidFill>
-                <a:srgbClr val="3C63AB"/>
-              </a:solidFill>
-            </a:endParaRPr>
-          </a:p>
-          <a:p>
-            <a:pPr indent="0" lvl="0" marL="0" rtl="0" algn="l">
-              <a:lnSpc>
-                <a:spcPct val="150000"/>
-              </a:lnSpc>
-              <a:spcBef>
-                <a:spcPts val="0"/>
-              </a:spcBef>
-              <a:spcAft>
-                <a:spcPts val="0"/>
-              </a:spcAft>
-              <a:buNone/>
-            </a:pPr>
-            <a:r>
-              <a:rPr lang="es" sz="1400">
-                <a:solidFill>
-                  <a:srgbClr val="3C63AB"/>
-                </a:solidFill>
-              </a:rPr>
-              <a:t>            </a:t>
-            </a:r>
-            <a:r>
-              <a:rPr lang="es" sz="1400">
-                <a:solidFill>
-                  <a:srgbClr val="3C63AB"/>
-                </a:solidFill>
-                <a:latin typeface="Courier New"/>
-                <a:ea typeface="Courier New"/>
-                <a:cs typeface="Courier New"/>
-                <a:sym typeface="Courier New"/>
-              </a:rPr>
-              <a:t>$ flutter pub add flutter_local_notifications</a:t>
-            </a:r>
-            <a:endParaRPr sz="1400">
-              <a:solidFill>
-                <a:srgbClr val="3C63AB"/>
-              </a:solidFill>
-              <a:latin typeface="Courier New"/>
-              <a:ea typeface="Courier New"/>
-              <a:cs typeface="Courier New"/>
-              <a:sym typeface="Courier New"/>
-            </a:endParaRPr>
-          </a:p>
-          <a:p>
-            <a:pPr indent="0" lvl="0" marL="457200" rtl="0" algn="l">
-              <a:lnSpc>
-                <a:spcPct val="150000"/>
-              </a:lnSpc>
-              <a:spcBef>
-                <a:spcPts val="0"/>
-              </a:spcBef>
-              <a:spcAft>
-                <a:spcPts val="0"/>
-              </a:spcAft>
-              <a:buNone/>
-            </a:pPr>
-            <a:r>
-              <a:t/>
-            </a:r>
-            <a:endParaRPr sz="1400">
-              <a:solidFill>
-                <a:srgbClr val="3C63AB"/>
-              </a:solidFill>
-              <a:latin typeface="Courier New"/>
-              <a:ea typeface="Courier New"/>
-              <a:cs typeface="Courier New"/>
-              <a:sym typeface="Courier New"/>
-            </a:endParaRPr>
-          </a:p>
-          <a:p>
-            <a:pPr indent="0" lvl="0" marL="0" rtl="0" algn="l">
-              <a:lnSpc>
-                <a:spcPct val="90000"/>
-              </a:lnSpc>
-              <a:spcBef>
-                <a:spcPts val="600"/>
-              </a:spcBef>
-              <a:spcAft>
-                <a:spcPts val="0"/>
-              </a:spcAft>
-              <a:buSzPts val="1300"/>
-              <a:buNone/>
-            </a:pPr>
-            <a:r>
-              <a:rPr lang="es" sz="1400">
-                <a:solidFill>
-                  <a:srgbClr val="3C63AB"/>
-                </a:solidFill>
-              </a:rPr>
-              <a:t>C</a:t>
-            </a:r>
-            <a:r>
-              <a:rPr lang="es" sz="1400">
-                <a:solidFill>
-                  <a:srgbClr val="3C63AB"/>
-                </a:solidFill>
-              </a:rPr>
-              <a:t>on esto queda listo para ser usado en nuestro proyecto con solo importarlo.</a:t>
-            </a:r>
-            <a:endParaRPr sz="1400">
-              <a:solidFill>
-                <a:srgbClr val="3C63AB"/>
-              </a:solidFill>
-            </a:endParaRPr>
-          </a:p>
-          <a:p>
-            <a:pPr indent="0" lvl="0" marL="0" rtl="0" algn="l">
-              <a:lnSpc>
-                <a:spcPct val="90000"/>
-              </a:lnSpc>
-              <a:spcBef>
-                <a:spcPts val="600"/>
-              </a:spcBef>
-              <a:spcAft>
-                <a:spcPts val="0"/>
-              </a:spcAft>
-              <a:buSzPts val="1300"/>
-              <a:buNone/>
-            </a:pPr>
-            <a:r>
-              <a:rPr lang="es" sz="1400">
-                <a:solidFill>
-                  <a:srgbClr val="3C63AB"/>
-                </a:solidFill>
-                <a:latin typeface="Courier New"/>
-                <a:ea typeface="Courier New"/>
-                <a:cs typeface="Courier New"/>
-                <a:sym typeface="Courier New"/>
-              </a:rPr>
-              <a:t>import 'package:flutter_local_notifications/flutter_local_notifications.dart';</a:t>
-            </a:r>
-            <a:endParaRPr sz="1400">
-              <a:solidFill>
-                <a:srgbClr val="3C63AB"/>
-              </a:solidFill>
-              <a:latin typeface="Courier New"/>
-              <a:ea typeface="Courier New"/>
-              <a:cs typeface="Courier New"/>
-              <a:sym typeface="Courier New"/>
-            </a:endParaRPr>
-          </a:p>
-          <a:p>
-            <a:pPr indent="0" lvl="0" marL="0" rtl="0" algn="l">
-              <a:lnSpc>
-                <a:spcPct val="90000"/>
-              </a:lnSpc>
-              <a:spcBef>
-                <a:spcPts val="600"/>
-              </a:spcBef>
-              <a:spcAft>
-                <a:spcPts val="0"/>
-              </a:spcAft>
-              <a:buSzPts val="1300"/>
-              <a:buNone/>
-            </a:pPr>
-            <a:r>
-              <a:t/>
-            </a:r>
-            <a:endParaRPr sz="1400">
-              <a:solidFill>
-                <a:srgbClr val="3C63AB"/>
-              </a:solidFill>
-            </a:endParaRPr>
-          </a:p>
-          <a:p>
-            <a:pPr indent="0" lvl="0" marL="457200" rtl="0" algn="l">
-              <a:lnSpc>
-                <a:spcPct val="90000"/>
-              </a:lnSpc>
-              <a:spcBef>
-                <a:spcPts val="600"/>
-              </a:spcBef>
-              <a:spcAft>
-                <a:spcPts val="0"/>
-              </a:spcAft>
-              <a:buSzPts val="1300"/>
-              <a:buNone/>
-            </a:pPr>
-            <a:r>
-              <a:t/>
-            </a:r>
-            <a:endParaRPr>
-              <a:solidFill>
-                <a:srgbClr val="3D63AB"/>
-              </a:solidFill>
-            </a:endParaRPr>
-          </a:p>
-          <a:p>
-            <a:pPr indent="0" lvl="0" marL="0" rtl="0" algn="l">
-              <a:lnSpc>
-                <a:spcPct val="90000"/>
-              </a:lnSpc>
-              <a:spcBef>
-                <a:spcPts val="600"/>
-              </a:spcBef>
-              <a:spcAft>
-                <a:spcPts val="0"/>
-              </a:spcAft>
-              <a:buSzPts val="1300"/>
-              <a:buNone/>
-            </a:pPr>
-            <a:r>
-              <a:t/>
-            </a:r>
-            <a:endParaRPr>
-              <a:solidFill>
-                <a:srgbClr val="3D63AB"/>
-              </a:solidFill>
-              <a:latin typeface="Arial"/>
-              <a:ea typeface="Arial"/>
-              <a:cs typeface="Arial"/>
-              <a:sym typeface="Arial"/>
-            </a:endParaRPr>
-          </a:p>
-          <a:p>
-            <a:pPr indent="0" lvl="0" marL="457200" rtl="0" algn="l">
-              <a:lnSpc>
-                <a:spcPct val="90000"/>
-              </a:lnSpc>
-              <a:spcBef>
-                <a:spcPts val="600"/>
-              </a:spcBef>
-              <a:spcAft>
-                <a:spcPts val="0"/>
-              </a:spcAft>
-              <a:buSzPts val="1300"/>
-              <a:buNone/>
-            </a:pPr>
-            <a:r>
-              <a:t/>
-            </a:r>
-            <a:endParaRPr sz="1200">
-              <a:solidFill>
-                <a:srgbClr val="000000"/>
-              </a:solidFill>
-              <a:highlight>
-                <a:srgbClr val="FFFFFF"/>
-              </a:highlight>
-              <a:latin typeface="Arial"/>
-              <a:ea typeface="Arial"/>
-              <a:cs typeface="Arial"/>
-              <a:sym typeface="Arial"/>
-            </a:endParaRPr>
-          </a:p>
-          <a:p>
-            <a:pPr indent="0" lvl="0" marL="0" rtl="0" algn="l">
-              <a:lnSpc>
-                <a:spcPct val="90000"/>
-              </a:lnSpc>
-              <a:spcBef>
-                <a:spcPts val="600"/>
-              </a:spcBef>
-              <a:spcAft>
-                <a:spcPts val="0"/>
-              </a:spcAft>
-              <a:buSzPts val="1300"/>
-              <a:buNone/>
-            </a:pPr>
-            <a:r>
-              <a:t/>
             </a:r>
             <a:endParaRPr sz="1200">
               <a:solidFill>
@@ -25031,6 +21798,34 @@
           </a:p>
         </p:txBody>
       </p:sp>
+      <p:pic>
+        <p:nvPicPr>
+          <p:cNvPr id="175" name="Google Shape;175;gee8943ef34_0_2"/>
+          <p:cNvPicPr preferRelativeResize="0"/>
+          <p:nvPr/>
+        </p:nvPicPr>
+        <p:blipFill>
+          <a:blip r:embed="rId5">
+            <a:alphaModFix/>
+          </a:blip>
+          <a:stretch>
+            <a:fillRect/>
+          </a:stretch>
+        </p:blipFill>
+        <p:spPr>
+          <a:xfrm>
+            <a:off x="2889950" y="2770850"/>
+            <a:ext cx="3364102" cy="498975"/>
+          </a:xfrm>
+          <a:prstGeom prst="rect">
+            <a:avLst/>
+          </a:prstGeom>
+          <a:noFill/>
+          <a:ln>
+            <a:noFill/>
+          </a:ln>
+        </p:spPr>
+      </p:pic>
     </p:spTree>
   </p:cSld>
   <p:clrMapOvr>
@@ -25056,7 +21851,7 @@
     </p:bg>
     <p:spTree>
       <p:nvGrpSpPr>
-        <p:cNvPr id="178" name="Shape 178"/>
+        <p:cNvPr id="179" name="Shape 179"/>
         <p:cNvGrpSpPr/>
         <p:nvPr/>
       </p:nvGrpSpPr>
@@ -25070,7 +21865,7 @@
       </p:grpSpPr>
       <p:sp>
         <p:nvSpPr>
-          <p:cNvPr id="179" name="Google Shape;179;gee8943ef34_0_18"/>
+          <p:cNvPr id="180" name="Google Shape;180;gee8943ef34_0_27"/>
           <p:cNvSpPr txBox="1"/>
           <p:nvPr>
             <p:ph type="title"/>
@@ -25130,7 +21925,7 @@
       </p:sp>
       <p:sp>
         <p:nvSpPr>
-          <p:cNvPr id="180" name="Google Shape;180;gee8943ef34_0_18"/>
+          <p:cNvPr id="181" name="Google Shape;181;gee8943ef34_0_27"/>
           <p:cNvSpPr txBox="1"/>
           <p:nvPr>
             <p:ph idx="4294967295" type="body"/>
@@ -25138,8 +21933,8 @@
         </p:nvSpPr>
         <p:spPr>
           <a:xfrm>
-            <a:off x="978325" y="1654200"/>
-            <a:ext cx="6622200" cy="3489300"/>
+            <a:off x="947300" y="1624650"/>
+            <a:ext cx="7008600" cy="3489300"/>
           </a:xfrm>
           <a:prstGeom prst="rect">
             <a:avLst/>
@@ -25163,10 +21958,10 @@
           <a:p>
             <a:pPr indent="0" lvl="0" marL="0" rtl="0" algn="l">
               <a:lnSpc>
-                <a:spcPct val="150000"/>
-              </a:lnSpc>
-              <a:spcBef>
-                <a:spcPts val="0"/>
+                <a:spcPct val="90000"/>
+              </a:lnSpc>
+              <a:spcBef>
+                <a:spcPts val="600"/>
               </a:spcBef>
               <a:spcAft>
                 <a:spcPts val="0"/>
@@ -25179,7 +21974,87 @@
                   <a:srgbClr val="3C63AB"/>
                 </a:solidFill>
               </a:rPr>
-              <a:t>Ejecute el comando:</a:t>
+              <a:t>Para mostrar notificaciones en Android el </a:t>
+            </a:r>
+            <a:r>
+              <a:rPr lang="es" sz="1200">
+                <a:solidFill>
+                  <a:srgbClr val="3C63AB"/>
+                </a:solidFill>
+              </a:rPr>
+              <a:t>único</a:t>
+            </a:r>
+            <a:r>
+              <a:rPr lang="es" sz="1200">
+                <a:solidFill>
+                  <a:srgbClr val="3C63AB"/>
+                </a:solidFill>
+              </a:rPr>
+              <a:t> </a:t>
+            </a:r>
+            <a:r>
+              <a:rPr lang="es" sz="1200">
+                <a:solidFill>
+                  <a:srgbClr val="3C63AB"/>
+                </a:solidFill>
+              </a:rPr>
+              <a:t>requerimiento</a:t>
+            </a:r>
+            <a:r>
+              <a:rPr lang="es" sz="1200">
+                <a:solidFill>
+                  <a:srgbClr val="3C63AB"/>
+                </a:solidFill>
+              </a:rPr>
+              <a:t> es contar con el icono de la </a:t>
+            </a:r>
+            <a:r>
+              <a:rPr lang="es" sz="1200">
+                <a:solidFill>
+                  <a:srgbClr val="3C63AB"/>
+                </a:solidFill>
+              </a:rPr>
+              <a:t>aplicación</a:t>
+            </a:r>
+            <a:r>
+              <a:rPr lang="es" sz="1200">
+                <a:solidFill>
+                  <a:srgbClr val="3C63AB"/>
+                </a:solidFill>
+              </a:rPr>
+              <a:t> en la carpeta drawable, posteriormente se </a:t>
+            </a:r>
+            <a:r>
+              <a:rPr lang="es" sz="1200">
+                <a:solidFill>
+                  <a:srgbClr val="3C63AB"/>
+                </a:solidFill>
+              </a:rPr>
+              <a:t>pasará</a:t>
+            </a:r>
+            <a:r>
+              <a:rPr lang="es" sz="1200">
+                <a:solidFill>
+                  <a:srgbClr val="3C63AB"/>
+                </a:solidFill>
+              </a:rPr>
+              <a:t> el nombre del archivo como argumento para hacer la </a:t>
+            </a:r>
+            <a:r>
+              <a:rPr lang="es" sz="1200">
+                <a:solidFill>
+                  <a:srgbClr val="3C63AB"/>
+                </a:solidFill>
+              </a:rPr>
+              <a:t>inicialización</a:t>
+            </a:r>
+            <a:r>
+              <a:rPr lang="es" sz="1200">
+                <a:solidFill>
+                  <a:srgbClr val="3C63AB"/>
+                </a:solidFill>
+              </a:rPr>
+              <a:t>. La ruta al archivo debe ser:</a:t>
             </a:r>
             <a:endParaRPr sz="1200">
               <a:solidFill>
@@ -25188,12 +22063,12 @@
             </a:endParaRPr>
           </a:p>
           <a:p>
-            <a:pPr indent="0" lvl="0" marL="457200" rtl="0" algn="l">
-              <a:lnSpc>
-                <a:spcPct val="150000"/>
-              </a:lnSpc>
-              <a:spcBef>
-                <a:spcPts val="0"/>
+            <a:pPr indent="0" lvl="0" marL="0" rtl="0" algn="l">
+              <a:lnSpc>
+                <a:spcPct val="90000"/>
+              </a:lnSpc>
+              <a:spcBef>
+                <a:spcPts val="600"/>
               </a:spcBef>
               <a:spcAft>
                 <a:spcPts val="0"/>
@@ -25201,158 +22076,42 @@
               <a:buNone/>
             </a:pPr>
             <a:r>
-              <a:rPr lang="es" sz="1200">
+              <a:rPr b="1" lang="es" sz="1200">
                 <a:solidFill>
                   <a:srgbClr val="3C63AB"/>
                 </a:solidFill>
               </a:rPr>
-              <a:t>  Pub get</a:t>
+              <a:t>android\app\src\main\</a:t>
             </a:r>
-            <a:endParaRPr sz="1200">
+            <a:r>
+              <a:rPr b="1" lang="es" sz="1200">
+                <a:solidFill>
+                  <a:srgbClr val="3C63AB"/>
+                </a:solidFill>
+              </a:rPr>
+              <a:t>r</a:t>
+            </a:r>
+            <a:r>
+              <a:rPr b="1" lang="es" sz="1200">
+                <a:solidFill>
+                  <a:srgbClr val="3C63AB"/>
+                </a:solidFill>
+              </a:rPr>
+              <a:t>es\drawable\app_icon.png</a:t>
+            </a:r>
+            <a:endParaRPr b="1" sz="1200">
               <a:solidFill>
                 <a:srgbClr val="3C63AB"/>
               </a:solidFill>
             </a:endParaRPr>
           </a:p>
           <a:p>
-            <a:pPr indent="0" lvl="0" marL="457200" rtl="0" algn="l">
-              <a:lnSpc>
-                <a:spcPct val="150000"/>
-              </a:lnSpc>
-              <a:spcBef>
-                <a:spcPts val="0"/>
-              </a:spcBef>
-              <a:spcAft>
-                <a:spcPts val="0"/>
-              </a:spcAft>
-              <a:buNone/>
-            </a:pPr>
-            <a:r>
-              <a:t/>
-            </a:r>
-            <a:endParaRPr sz="1200">
-              <a:solidFill>
-                <a:srgbClr val="3C63AB"/>
-              </a:solidFill>
-            </a:endParaRPr>
-          </a:p>
-          <a:p>
-            <a:pPr indent="0" lvl="0" marL="457200" rtl="0" algn="l">
-              <a:lnSpc>
-                <a:spcPct val="150000"/>
-              </a:lnSpc>
-              <a:spcBef>
-                <a:spcPts val="0"/>
-              </a:spcBef>
-              <a:spcAft>
-                <a:spcPts val="0"/>
-              </a:spcAft>
-              <a:buNone/>
-            </a:pPr>
-            <a:r>
-              <a:t/>
-            </a:r>
-            <a:endParaRPr sz="1200">
-              <a:solidFill>
-                <a:srgbClr val="3C63AB"/>
-              </a:solidFill>
-            </a:endParaRPr>
-          </a:p>
-          <a:p>
-            <a:pPr indent="0" lvl="0" marL="457200" rtl="0" algn="l">
-              <a:lnSpc>
-                <a:spcPct val="150000"/>
-              </a:lnSpc>
-              <a:spcBef>
-                <a:spcPts val="0"/>
-              </a:spcBef>
-              <a:spcAft>
-                <a:spcPts val="0"/>
-              </a:spcAft>
-              <a:buNone/>
-            </a:pPr>
-            <a:r>
-              <a:t/>
-            </a:r>
-            <a:endParaRPr sz="1200">
-              <a:solidFill>
-                <a:srgbClr val="3C63AB"/>
-              </a:solidFill>
-            </a:endParaRPr>
-          </a:p>
-          <a:p>
-            <a:pPr indent="0" lvl="0" marL="457200" rtl="0" algn="l">
-              <a:lnSpc>
-                <a:spcPct val="150000"/>
-              </a:lnSpc>
-              <a:spcBef>
-                <a:spcPts val="0"/>
-              </a:spcBef>
-              <a:spcAft>
-                <a:spcPts val="0"/>
-              </a:spcAft>
-              <a:buNone/>
-            </a:pPr>
-            <a:r>
-              <a:t/>
-            </a:r>
-            <a:endParaRPr sz="1200">
-              <a:solidFill>
-                <a:srgbClr val="3C63AB"/>
-              </a:solidFill>
-            </a:endParaRPr>
-          </a:p>
-          <a:p>
-            <a:pPr indent="0" lvl="0" marL="457200" rtl="0" algn="l">
-              <a:lnSpc>
-                <a:spcPct val="150000"/>
-              </a:lnSpc>
-              <a:spcBef>
-                <a:spcPts val="0"/>
-              </a:spcBef>
-              <a:spcAft>
-                <a:spcPts val="0"/>
-              </a:spcAft>
-              <a:buNone/>
-            </a:pPr>
-            <a:r>
-              <a:t/>
-            </a:r>
-            <a:endParaRPr sz="1200">
-              <a:solidFill>
-                <a:srgbClr val="3C63AB"/>
-              </a:solidFill>
-            </a:endParaRPr>
-          </a:p>
-          <a:p>
-            <a:pPr indent="0" lvl="0" marL="457200" rtl="0" algn="l">
-              <a:lnSpc>
-                <a:spcPct val="150000"/>
-              </a:lnSpc>
-              <a:spcBef>
-                <a:spcPts val="0"/>
-              </a:spcBef>
-              <a:spcAft>
-                <a:spcPts val="0"/>
-              </a:spcAft>
-              <a:buNone/>
-            </a:pPr>
-            <a:r>
-              <a:t/>
-            </a:r>
-            <a:endParaRPr sz="1200">
-              <a:solidFill>
-                <a:srgbClr val="3C63AB"/>
-              </a:solidFill>
-            </a:endParaRPr>
-          </a:p>
-          <a:p>
-            <a:pPr indent="0" lvl="0" marL="457200" rtl="0" algn="l">
-              <a:lnSpc>
-                <a:spcPct val="150000"/>
-              </a:lnSpc>
-              <a:spcBef>
-                <a:spcPts val="0"/>
+            <a:pPr indent="0" lvl="0" marL="0" rtl="0" algn="l">
+              <a:lnSpc>
+                <a:spcPct val="90000"/>
+              </a:lnSpc>
+              <a:spcBef>
+                <a:spcPts val="600"/>
               </a:spcBef>
               <a:spcAft>
                 <a:spcPts val="0"/>
@@ -25371,39 +22130,6 @@
           <a:p>
             <a:pPr indent="0" lvl="0" marL="0" rtl="0" algn="l">
               <a:lnSpc>
-                <a:spcPct val="100000"/>
-              </a:lnSpc>
-              <a:spcBef>
-                <a:spcPts val="0"/>
-              </a:spcBef>
-              <a:spcAft>
-                <a:spcPts val="0"/>
-              </a:spcAft>
-              <a:buNone/>
-            </a:pPr>
-            <a:r>
-              <a:rPr lang="es" sz="1200">
-                <a:solidFill>
-                  <a:srgbClr val="3C63AB"/>
-                </a:solidFill>
-                <a:highlight>
-                  <a:srgbClr val="FFFFFF"/>
-                </a:highlight>
-              </a:rPr>
-              <a:t>El código anterior se traduce en un objeto Singleton en dardo. Asegúrese de importar el paquete de notificación local en la parte superior de este archivo.</a:t>
-            </a:r>
-            <a:endParaRPr sz="1200">
-              <a:solidFill>
-                <a:srgbClr val="3C63AB"/>
-              </a:solidFill>
-              <a:highlight>
-                <a:srgbClr val="FFFFFF"/>
-              </a:highlight>
-            </a:endParaRPr>
-          </a:p>
-          <a:p>
-            <a:pPr indent="0" lvl="0" marL="457200" rtl="0" algn="l">
-              <a:lnSpc>
                 <a:spcPct val="90000"/>
               </a:lnSpc>
               <a:spcBef>
@@ -25420,44 +22146,15 @@
             </a:r>
             <a:endParaRPr sz="1200">
               <a:solidFill>
-                <a:srgbClr val="000000"/>
+                <a:srgbClr val="3C63AB"/>
               </a:solidFill>
-              <a:highlight>
-                <a:srgbClr val="FFFFFF"/>
-              </a:highlight>
-            </a:endParaRPr>
-          </a:p>
-          <a:p>
-            <a:pPr indent="0" lvl="0" marL="0" rtl="0" algn="l">
-              <a:lnSpc>
-                <a:spcPct val="90000"/>
-              </a:lnSpc>
-              <a:spcBef>
-                <a:spcPts val="600"/>
-              </a:spcBef>
-              <a:spcAft>
-                <a:spcPts val="0"/>
-              </a:spcAft>
-              <a:buSzPts val="1300"/>
-              <a:buNone/>
-            </a:pPr>
-            <a:r>
-              <a:t/>
-            </a:r>
-            <a:endParaRPr sz="1200">
-              <a:solidFill>
-                <a:srgbClr val="000000"/>
-              </a:solidFill>
-              <a:highlight>
-                <a:srgbClr val="FFFFFF"/>
-              </a:highlight>
             </a:endParaRPr>
           </a:p>
         </p:txBody>
       </p:sp>
       <p:pic>
         <p:nvPicPr>
-          <p:cNvPr id="181" name="Google Shape;181;gee8943ef34_0_18"/>
+          <p:cNvPr id="182" name="Google Shape;182;gee8943ef34_0_27"/>
           <p:cNvPicPr preferRelativeResize="0"/>
           <p:nvPr/>
         </p:nvPicPr>
@@ -25471,8 +22168,8 @@
         </p:blipFill>
         <p:spPr>
           <a:xfrm>
-            <a:off x="1844338" y="2222675"/>
-            <a:ext cx="4067175" cy="1714500"/>
+            <a:off x="3694688" y="2518700"/>
+            <a:ext cx="1754625" cy="2220500"/>
           </a:xfrm>
           <a:prstGeom prst="rect">
             <a:avLst/>
@@ -25508,7 +22205,7 @@
     </p:bg>
     <p:spTree>
       <p:nvGrpSpPr>
-        <p:cNvPr id="185" name="Shape 185"/>
+        <p:cNvPr id="186" name="Shape 186"/>
         <p:cNvGrpSpPr/>
         <p:nvPr/>
       </p:nvGrpSpPr>
@@ -25522,7 +22219,7 @@
       </p:grpSpPr>
       <p:sp>
         <p:nvSpPr>
-          <p:cNvPr id="186" name="Google Shape;186;gee8943ef34_0_27"/>
+          <p:cNvPr id="187" name="Google Shape;187;gee8943ef34_0_10"/>
           <p:cNvSpPr txBox="1"/>
           <p:nvPr>
             <p:ph type="title"/>
@@ -25570,7 +22267,7 @@
                   <a:srgbClr val="E83464"/>
                 </a:solidFill>
               </a:rPr>
-              <a:t>Notificaciones: Android</a:t>
+              <a:t>Notificaciones</a:t>
             </a:r>
             <a:endParaRPr b="1">
               <a:solidFill>
@@ -25582,7 +22279,7 @@
       </p:sp>
       <p:sp>
         <p:nvSpPr>
-          <p:cNvPr id="187" name="Google Shape;187;gee8943ef34_0_27"/>
+          <p:cNvPr id="188" name="Google Shape;188;gee8943ef34_0_10"/>
           <p:cNvSpPr txBox="1"/>
           <p:nvPr>
             <p:ph idx="4294967295" type="body"/>
@@ -25590,8 +22287,8 @@
         </p:nvSpPr>
         <p:spPr>
           <a:xfrm>
-            <a:off x="947300" y="1624650"/>
-            <a:ext cx="7008600" cy="3489300"/>
+            <a:off x="947300" y="1724375"/>
+            <a:ext cx="7448100" cy="357000"/>
           </a:xfrm>
           <a:prstGeom prst="rect">
             <a:avLst/>
@@ -25623,121 +22320,51 @@
               <a:spcAft>
                 <a:spcPts val="0"/>
               </a:spcAft>
+              <a:buSzPts val="1300"/>
               <a:buNone/>
             </a:pPr>
             <a:r>
-              <a:rPr lang="es" sz="1200">
-                <a:solidFill>
-                  <a:srgbClr val="3C63AB"/>
+              <a:rPr lang="es">
+                <a:solidFill>
+                  <a:srgbClr val="3D63AB"/>
                 </a:solidFill>
               </a:rPr>
-              <a:t>Ahora solo hay un argumento obligatorio para pasar, defaultIcon (String). Representa el icono que se mostrará en la notificación. Aquí debe pasar el nombre del icono que desea utilizar. Debe colocar este icono dentro del directorio dibujable. El camino completo hacia él es:</a:t>
+              <a:t>Inicializar el plugin que permitirá mostrar las notificaciones, con configuraciones </a:t>
+            </a:r>
+            <a:r>
+              <a:rPr lang="es">
+                <a:solidFill>
+                  <a:srgbClr val="3D63AB"/>
+                </a:solidFill>
+              </a:rPr>
+              <a:t>específicas</a:t>
+            </a:r>
+            <a:r>
+              <a:rPr lang="es">
+                <a:solidFill>
+                  <a:srgbClr val="3D63AB"/>
+                </a:solidFill>
+              </a:rPr>
+              <a:t> de plataforma:</a:t>
             </a:r>
             <a:endParaRPr sz="1200">
               <a:solidFill>
-                <a:srgbClr val="3C63AB"/>
+                <a:srgbClr val="000000"/>
               </a:solidFill>
-            </a:endParaRPr>
-          </a:p>
-          <a:p>
-            <a:pPr indent="0" lvl="0" marL="0" rtl="0" algn="l">
-              <a:lnSpc>
-                <a:spcPct val="90000"/>
-              </a:lnSpc>
-              <a:spcBef>
-                <a:spcPts val="600"/>
-              </a:spcBef>
-              <a:spcAft>
-                <a:spcPts val="0"/>
-              </a:spcAft>
-              <a:buNone/>
-            </a:pPr>
-            <a:r>
-              <a:t/>
-            </a:r>
-            <a:endParaRPr sz="1200">
-              <a:solidFill>
-                <a:srgbClr val="3C63AB"/>
-              </a:solidFill>
-            </a:endParaRPr>
-          </a:p>
-          <a:p>
-            <a:pPr indent="0" lvl="0" marL="0" rtl="0" algn="l">
-              <a:lnSpc>
-                <a:spcPct val="90000"/>
-              </a:lnSpc>
-              <a:spcBef>
-                <a:spcPts val="600"/>
-              </a:spcBef>
-              <a:spcAft>
-                <a:spcPts val="0"/>
-              </a:spcAft>
-              <a:buNone/>
-            </a:pPr>
-            <a:r>
-              <a:rPr lang="es" sz="1200">
-                <a:solidFill>
-                  <a:srgbClr val="3C63AB"/>
-                </a:solidFill>
-              </a:rPr>
-              <a:t>YOUR_APPLICATION_NAME \ android \ app \ src \ main \ res \ drawable \ YOUR_APP_ICON.png</a:t>
-            </a:r>
-            <a:endParaRPr sz="1200">
-              <a:solidFill>
-                <a:srgbClr val="3C63AB"/>
-              </a:solidFill>
-            </a:endParaRPr>
-          </a:p>
-          <a:p>
-            <a:pPr indent="0" lvl="0" marL="0" rtl="0" algn="l">
-              <a:lnSpc>
-                <a:spcPct val="90000"/>
-              </a:lnSpc>
-              <a:spcBef>
-                <a:spcPts val="600"/>
-              </a:spcBef>
-              <a:spcAft>
-                <a:spcPts val="0"/>
-              </a:spcAft>
-              <a:buNone/>
-            </a:pPr>
-            <a:r>
-              <a:t/>
-            </a:r>
-            <a:endParaRPr sz="1200">
-              <a:solidFill>
-                <a:srgbClr val="3C63AB"/>
-              </a:solidFill>
-            </a:endParaRPr>
-          </a:p>
-          <a:p>
-            <a:pPr indent="0" lvl="0" marL="0" rtl="0" algn="l">
-              <a:lnSpc>
-                <a:spcPct val="90000"/>
-              </a:lnSpc>
-              <a:spcBef>
-                <a:spcPts val="600"/>
-              </a:spcBef>
-              <a:spcAft>
-                <a:spcPts val="0"/>
-              </a:spcAft>
-              <a:buSzPts val="1300"/>
-              <a:buNone/>
-            </a:pPr>
-            <a:r>
-              <a:t/>
-            </a:r>
-            <a:endParaRPr sz="1200">
-              <a:solidFill>
-                <a:srgbClr val="3C63AB"/>
-              </a:solidFill>
+              <a:highlight>
+                <a:srgbClr val="FFFFFF"/>
+              </a:highlight>
+              <a:latin typeface="Arial"/>
+              <a:ea typeface="Arial"/>
+              <a:cs typeface="Arial"/>
+              <a:sym typeface="Arial"/>
             </a:endParaRPr>
           </a:p>
         </p:txBody>
       </p:sp>
       <p:pic>
         <p:nvPicPr>
-          <p:cNvPr id="188" name="Google Shape;188;gee8943ef34_0_27"/>
+          <p:cNvPr id="189" name="Google Shape;189;gee8943ef34_0_10"/>
           <p:cNvPicPr preferRelativeResize="0"/>
           <p:nvPr/>
         </p:nvPicPr>
@@ -25751,8 +22378,8 @@
         </p:blipFill>
         <p:spPr>
           <a:xfrm>
-            <a:off x="2401100" y="2906375"/>
-            <a:ext cx="3151400" cy="2076050"/>
+            <a:off x="1674575" y="2241150"/>
+            <a:ext cx="5794852" cy="2040075"/>
           </a:xfrm>
           <a:prstGeom prst="rect">
             <a:avLst/>
@@ -25788,7 +22415,7 @@
     </p:bg>
     <p:spTree>
       <p:nvGrpSpPr>
-        <p:cNvPr id="192" name="Shape 192"/>
+        <p:cNvPr id="193" name="Shape 193"/>
         <p:cNvGrpSpPr/>
         <p:nvPr/>
       </p:nvGrpSpPr>
@@ -25802,7 +22429,7 @@
       </p:grpSpPr>
       <p:sp>
         <p:nvSpPr>
-          <p:cNvPr id="193" name="Google Shape;193;gee8943ef34_0_10"/>
+          <p:cNvPr id="194" name="Google Shape;194;gee8943ef34_0_83"/>
           <p:cNvSpPr txBox="1"/>
           <p:nvPr>
             <p:ph type="title"/>
@@ -25850,7 +22477,15 @@
                   <a:srgbClr val="E83464"/>
                 </a:solidFill>
               </a:rPr>
-              <a:t>Notificaciones: Android</a:t>
+              <a:t>Notificaciones: mostrar una </a:t>
+            </a:r>
+            <a:r>
+              <a:rPr b="1" lang="es">
+                <a:solidFill>
+                  <a:srgbClr val="E83464"/>
+                </a:solidFill>
+              </a:rPr>
+              <a:t>notificación</a:t>
             </a:r>
             <a:endParaRPr b="1">
               <a:solidFill>
@@ -25862,7 +22497,7 @@
       </p:sp>
       <p:sp>
         <p:nvSpPr>
-          <p:cNvPr id="194" name="Google Shape;194;gee8943ef34_0_10"/>
+          <p:cNvPr id="195" name="Google Shape;195;gee8943ef34_0_83"/>
           <p:cNvSpPr txBox="1"/>
           <p:nvPr>
             <p:ph idx="4294967295" type="body"/>
@@ -25870,8 +22505,8 @@
         </p:nvSpPr>
         <p:spPr>
           <a:xfrm>
-            <a:off x="947300" y="1724375"/>
-            <a:ext cx="6779100" cy="3489300"/>
+            <a:off x="768425" y="1724375"/>
+            <a:ext cx="8076900" cy="3489300"/>
           </a:xfrm>
           <a:prstGeom prst="rect">
             <a:avLst/>
@@ -25903,7 +22538,6 @@
               <a:spcAft>
                 <a:spcPts val="0"/>
               </a:spcAft>
-              <a:buSzPts val="1300"/>
               <a:buNone/>
             </a:pPr>
             <a:r>
@@ -25912,26 +22546,105 @@
                   <a:srgbClr val="3D63AB"/>
                 </a:solidFill>
               </a:rPr>
-              <a:t>Inicializar en initState.</a:t>
+              <a:t>Luego se establece un </a:t>
             </a:r>
-            <a:endParaRPr sz="1200">
+            <a:r>
+              <a:rPr lang="es">
+                <a:solidFill>
+                  <a:srgbClr val="3D63AB"/>
+                </a:solidFill>
+              </a:rPr>
+              <a:t>método</a:t>
+            </a:r>
+            <a:r>
+              <a:rPr lang="es">
+                <a:solidFill>
+                  <a:srgbClr val="3D63AB"/>
+                </a:solidFill>
+              </a:rPr>
+              <a:t> para definir los detalles </a:t>
+            </a:r>
+            <a:r>
+              <a:rPr lang="es">
+                <a:solidFill>
+                  <a:srgbClr val="3D63AB"/>
+                </a:solidFill>
+              </a:rPr>
+              <a:t>específicos</a:t>
+            </a:r>
+            <a:r>
+              <a:rPr lang="es">
+                <a:solidFill>
+                  <a:srgbClr val="3D63AB"/>
+                </a:solidFill>
+              </a:rPr>
+              <a:t> a la plataforma (Android) de la </a:t>
+            </a:r>
+            <a:r>
+              <a:rPr lang="es">
+                <a:solidFill>
+                  <a:srgbClr val="3D63AB"/>
+                </a:solidFill>
+              </a:rPr>
+              <a:t>notificación</a:t>
+            </a:r>
+            <a:r>
+              <a:rPr lang="es">
+                <a:solidFill>
+                  <a:srgbClr val="3D63AB"/>
+                </a:solidFill>
+              </a:rPr>
+              <a:t> que se desea mostrar, es decir, se crea un “Canal”, el medio en el que se </a:t>
+            </a:r>
+            <a:r>
+              <a:rPr lang="es">
+                <a:solidFill>
+                  <a:srgbClr val="3D63AB"/>
+                </a:solidFill>
+              </a:rPr>
+              <a:t>mostrarán</a:t>
+            </a:r>
+            <a:r>
+              <a:rPr lang="es">
+                <a:solidFill>
+                  <a:srgbClr val="3D63AB"/>
+                </a:solidFill>
+              </a:rPr>
+              <a:t> las notificaciones:</a:t>
+            </a:r>
+            <a:endParaRPr>
               <a:solidFill>
-                <a:srgbClr val="000000"/>
+                <a:srgbClr val="3D63AB"/>
               </a:solidFill>
-              <a:highlight>
-                <a:srgbClr val="FFFFFF"/>
-              </a:highlight>
-              <a:latin typeface="Arial"/>
-              <a:ea typeface="Arial"/>
-              <a:cs typeface="Arial"/>
-              <a:sym typeface="Arial"/>
+            </a:endParaRPr>
+          </a:p>
+          <a:p>
+            <a:pPr indent="0" lvl="0" marL="0" rtl="0" algn="l">
+              <a:lnSpc>
+                <a:spcPct val="90000"/>
+              </a:lnSpc>
+              <a:spcBef>
+                <a:spcPts val="600"/>
+              </a:spcBef>
+              <a:spcAft>
+                <a:spcPts val="0"/>
+              </a:spcAft>
+              <a:buNone/>
+            </a:pPr>
+            <a:r>
+              <a:t/>
+            </a:r>
+            <a:endParaRPr>
+              <a:solidFill>
+                <a:srgbClr val="3D63AB"/>
+              </a:solidFill>
             </a:endParaRPr>
           </a:p>
         </p:txBody>
       </p:sp>
       <p:pic>
         <p:nvPicPr>
-          <p:cNvPr id="195" name="Google Shape;195;gee8943ef34_0_10"/>
+          <p:cNvPr id="196" name="Google Shape;196;gee8943ef34_0_83"/>
           <p:cNvPicPr preferRelativeResize="0"/>
           <p:nvPr/>
         </p:nvPicPr>
@@ -25945,8 +22658,8 @@
         </p:blipFill>
         <p:spPr>
           <a:xfrm>
-            <a:off x="1558375" y="2283175"/>
-            <a:ext cx="5556950" cy="2207725"/>
+            <a:off x="2055151" y="2391395"/>
+            <a:ext cx="5033702" cy="1966300"/>
           </a:xfrm>
           <a:prstGeom prst="rect">
             <a:avLst/>
@@ -25966,6 +22679,285 @@
 </file>
 
 <file path=ppt/theme/theme1.xml><?xml version="1.0" encoding="utf-8"?>
+<a:theme xmlns:a="http://schemas.openxmlformats.org/drawingml/2006/main" xmlns:r="http://schemas.openxmlformats.org/officeDocument/2006/relationships">
+  <a:themeElements>
+    <a:clrScheme name="Default">
+      <a:dk1>
+        <a:srgbClr val="000000"/>
+      </a:dk1>
+      <a:lt1>
+        <a:srgbClr val="FFFFFF"/>
+      </a:lt1>
+      <a:dk2>
+        <a:srgbClr val="158158"/>
+      </a:dk2>
+      <a:lt2>
+        <a:srgbClr val="F3F3F3"/>
+      </a:lt2>
+      <a:accent1>
+        <a:srgbClr val="058DC7"/>
+      </a:accent1>
+      <a:accent2>
+        <a:srgbClr val="50B432"/>
+      </a:accent2>
+      <a:accent3>
+        <a:srgbClr val="ED561B"/>
+      </a:accent3>
+      <a:accent4>
+        <a:srgbClr val="EDEF00"/>
+      </a:accent4>
+      <a:accent5>
+        <a:srgbClr val="24CBE5"/>
+      </a:accent5>
+      <a:accent6>
+        <a:srgbClr val="64E572"/>
+      </a:accent6>
+      <a:hlink>
+        <a:srgbClr val="2200CC"/>
+      </a:hlink>
+      <a:folHlink>
+        <a:srgbClr val="551A8B"/>
+      </a:folHlink>
+    </a:clrScheme>
+    <a:fontScheme name="Office">
+      <a:majorFont>
+        <a:latin typeface="Arial"/>
+        <a:ea typeface=""/>
+        <a:cs typeface=""/>
+        <a:font script="Jpan" typeface="ＭＳ Ｐゴシック"/>
+        <a:font script="Hang" typeface="맑은 고딕"/>
+        <a:font script="Hans" typeface="宋体"/>
+        <a:font script="Hant" typeface="新細明體"/>
+        <a:font script="Arab" typeface="Times New Roman"/>
+        <a:font script="Hebr" typeface="Times New Roman"/>
+        <a:font script="Thai" typeface="Angsana New"/>
+        <a:font script="Ethi" typeface="Nyala"/>
+        <a:font script="Beng" typeface="Vrinda"/>
+        <a:font script="Gujr" typeface="Shruti"/>
+        <a:font script="Khmr" typeface="MoolBoran"/>
+        <a:font script="Knda" typeface="Tunga"/>
+        <a:font script="Guru" typeface="Raavi"/>
+        <a:font script="Cans" typeface="Euphemia"/>
+        <a:font script="Cher" typeface="Plantagenet Cherokee"/>
+        <a:font script="Yiii" typeface="Microsoft Yi Baiti"/>
+        <a:font script="Tibt" typeface="Microsoft Himalaya"/>
+        <a:font script="Thaa" typeface="MV Boli"/>
+        <a:font script="Deva" typeface="Mangal"/>
+        <a:font script="Telu" typeface="Gautami"/>
+        <a:font script="Taml" typeface="Latha"/>
+        <a:font script="Syrc" typeface="Estrangelo Edessa"/>
+        <a:font script="Orya" typeface="Kalinga"/>
+        <a:font script="Mlym" typeface="Kartika"/>
+        <a:font script="Laoo" typeface="DokChampa"/>
+        <a:font script="Sinh" typeface="Iskoola Pota"/>
+        <a:font script="Mong" typeface="Mongolian Baiti"/>
+        <a:font script="Viet" typeface="Times New Roman"/>
+        <a:font script="Uigh" typeface="Microsoft Uighur"/>
+        <a:font script="Geor" typeface="Sylfaen"/>
+      </a:majorFont>
+      <a:minorFont>
+        <a:latin typeface="Arial"/>
+        <a:ea typeface=""/>
+        <a:cs typeface=""/>
+        <a:font script="Jpan" typeface="ＭＳ Ｐゴシック"/>
+        <a:font script="Hang" typeface="맑은 고딕"/>
+        <a:font script="Hans" typeface="宋体"/>
+        <a:font script="Hant" typeface="新細明體"/>
+        <a:font script="Arab" typeface="Arial"/>
+        <a:font script="Hebr" typeface="Arial"/>
+        <a:font script="Thai" typeface="Cordia New"/>
+        <a:font script="Ethi" typeface="Nyala"/>
+        <a:font script="Beng" typeface="Vrinda"/>
+        <a:font script="Gujr" typeface="Shruti"/>
+        <a:font script="Khmr" typeface="DaunPenh"/>
+        <a:font script="Knda" typeface="Tunga"/>
+        <a:font script="Guru" typeface="Raavi"/>
+        <a:font script="Cans" typeface="Euphemia"/>
+        <a:font script="Cher" typeface="Plantagenet Cherokee"/>
+        <a:font script="Yiii" typeface="Microsoft Yi Baiti"/>
+        <a:font script="Tibt" typeface="Microsoft Himalaya"/>
+        <a:font script="Thaa" typeface="MV Boli"/>
+        <a:font script="Deva" typeface="Mangal"/>
+        <a:font script="Telu" typeface="Gautami"/>
+        <a:font script="Taml" typeface="Latha"/>
+        <a:font script="Syrc" typeface="Estrangelo Edessa"/>
+        <a:font script="Orya" typeface="Kalinga"/>
+        <a:font script="Mlym" typeface="Kartika"/>
+        <a:font script="Laoo" typeface="DokChampa"/>
+        <a:font script="Sinh" typeface="Iskoola Pota"/>
+        <a:font script="Mong" typeface="Mongolian Baiti"/>
+        <a:font script="Viet" typeface="Arial"/>
+        <a:font script="Uigh" typeface="Microsoft Uighur"/>
+        <a:font script="Geor" typeface="Sylfaen"/>
+      </a:minorFont>
+    </a:fontScheme>
+    <a:fmtScheme name="Office">
+      <a:fillStyleLst>
+        <a:solidFill>
+          <a:schemeClr val="phClr"/>
+        </a:solidFill>
+        <a:gradFill rotWithShape="1">
+          <a:gsLst>
+            <a:gs pos="0">
+              <a:schemeClr val="phClr">
+                <a:tint val="50000"/>
+                <a:satMod val="300000"/>
+              </a:schemeClr>
+            </a:gs>
+            <a:gs pos="35000">
+              <a:schemeClr val="phClr">
+                <a:tint val="37000"/>
+                <a:satMod val="300000"/>
+              </a:schemeClr>
+            </a:gs>
+            <a:gs pos="100000">
+              <a:schemeClr val="phClr">
+                <a:tint val="15000"/>
+                <a:satMod val="350000"/>
+              </a:schemeClr>
+            </a:gs>
+          </a:gsLst>
+          <a:lin ang="16200000" scaled="1"/>
+        </a:gradFill>
+        <a:gradFill rotWithShape="1">
+          <a:gsLst>
+            <a:gs pos="0">
+              <a:schemeClr val="phClr">
+                <a:tint val="100000"/>
+                <a:shade val="100000"/>
+                <a:satMod val="130000"/>
+              </a:schemeClr>
+            </a:gs>
+            <a:gs pos="100000">
+              <a:schemeClr val="phClr">
+                <a:tint val="50000"/>
+                <a:shade val="100000"/>
+                <a:satMod val="350000"/>
+              </a:schemeClr>
+            </a:gs>
+          </a:gsLst>
+          <a:lin ang="16200000" scaled="0"/>
+        </a:gradFill>
+      </a:fillStyleLst>
+      <a:lnStyleLst>
+        <a:ln w="9525" cap="flat" cmpd="sng" algn="ctr">
+          <a:solidFill>
+            <a:schemeClr val="phClr">
+              <a:shade val="95000"/>
+              <a:satMod val="105000"/>
+            </a:schemeClr>
+          </a:solidFill>
+          <a:prstDash val="solid"/>
+        </a:ln>
+        <a:ln w="25400" cap="flat" cmpd="sng" algn="ctr">
+          <a:solidFill>
+            <a:schemeClr val="phClr"/>
+          </a:solidFill>
+          <a:prstDash val="solid"/>
+        </a:ln>
+        <a:ln w="38100" cap="flat" cmpd="sng" algn="ctr">
+          <a:solidFill>
+            <a:schemeClr val="phClr"/>
+          </a:solidFill>
+          <a:prstDash val="solid"/>
+        </a:ln>
+      </a:lnStyleLst>
+      <a:effectStyleLst>
+        <a:effectStyle>
+          <a:effectLst>
+            <a:outerShdw blurRad="40000" dist="20000" dir="5400000" rotWithShape="0">
+              <a:srgbClr val="000000">
+                <a:alpha val="38000"/>
+              </a:srgbClr>
+            </a:outerShdw>
+          </a:effectLst>
+        </a:effectStyle>
+        <a:effectStyle>
+          <a:effectLst>
+            <a:outerShdw blurRad="40000" dist="23000" dir="5400000" rotWithShape="0">
+              <a:srgbClr val="000000">
+                <a:alpha val="35000"/>
+              </a:srgbClr>
+            </a:outerShdw>
+          </a:effectLst>
+        </a:effectStyle>
+        <a:effectStyle>
+          <a:effectLst>
+            <a:outerShdw blurRad="40000" dist="23000" dir="5400000" rotWithShape="0">
+              <a:srgbClr val="000000">
+                <a:alpha val="35000"/>
+              </a:srgbClr>
+            </a:outerShdw>
+          </a:effectLst>
+          <a:scene3d>
+            <a:camera prst="orthographicFront">
+              <a:rot lat="0" lon="0" rev="0"/>
+            </a:camera>
+            <a:lightRig rig="threePt" dir="t">
+              <a:rot lat="0" lon="0" rev="1200000"/>
+            </a:lightRig>
+          </a:scene3d>
+          <a:sp3d>
+            <a:bevelT w="63500" h="25400"/>
+          </a:sp3d>
+        </a:effectStyle>
+      </a:effectStyleLst>
+      <a:bgFillStyleLst>
+        <a:solidFill>
+          <a:schemeClr val="phClr"/>
+        </a:solidFill>
+        <a:gradFill rotWithShape="1">
+          <a:gsLst>
+            <a:gs pos="0">
+              <a:schemeClr val="phClr">
+                <a:tint val="40000"/>
+                <a:satMod val="350000"/>
+              </a:schemeClr>
+            </a:gs>
+            <a:gs pos="40000">
+              <a:schemeClr val="phClr">
+                <a:tint val="45000"/>
+                <a:shade val="99000"/>
+                <a:satMod val="350000"/>
+              </a:schemeClr>
+            </a:gs>
+            <a:gs pos="100000">
+              <a:schemeClr val="phClr">
+                <a:shade val="20000"/>
+                <a:satMod val="255000"/>
+              </a:schemeClr>
+            </a:gs>
+          </a:gsLst>
+          <a:path path="circle">
+            <a:fillToRect l="50000" t="-80000" r="50000" b="180000"/>
+          </a:path>
+        </a:gradFill>
+        <a:gradFill rotWithShape="1">
+          <a:gsLst>
+            <a:gs pos="0">
+              <a:schemeClr val="phClr">
+                <a:tint val="80000"/>
+                <a:satMod val="300000"/>
+              </a:schemeClr>
+            </a:gs>
+            <a:gs pos="100000">
+              <a:schemeClr val="phClr">
+                <a:shade val="30000"/>
+                <a:satMod val="200000"/>
+              </a:schemeClr>
+            </a:gs>
+          </a:gsLst>
+          <a:path path="circle">
+            <a:fillToRect l="50000" t="50000" r="50000" b="50000"/>
+          </a:path>
+        </a:gradFill>
+      </a:bgFillStyleLst>
+    </a:fmtScheme>
+  </a:themeElements>
+</a:theme>
+</file>
+
+<file path=ppt/theme/theme2.xml><?xml version="1.0" encoding="utf-8"?>
 <a:theme xmlns:a="http://schemas.openxmlformats.org/drawingml/2006/main" xmlns:r="http://schemas.openxmlformats.org/officeDocument/2006/relationships" name="Shift">
   <a:themeElements>
     <a:clrScheme name="Shift">
@@ -26242,283 +23234,4 @@
     </a:fmtScheme>
   </a:themeElements>
 </a:theme>
-</file>
-
-<file path=ppt/theme/theme2.xml><?xml version="1.0" encoding="utf-8"?>
-<a:theme xmlns:a="http://schemas.openxmlformats.org/drawingml/2006/main" xmlns:r="http://schemas.openxmlformats.org/officeDocument/2006/relationships">
-  <a:themeElements>
-    <a:clrScheme name="Default">
-      <a:dk1>
-        <a:srgbClr val="000000"/>
-      </a:dk1>
-      <a:lt1>
-        <a:srgbClr val="FFFFFF"/>
-      </a:lt1>
-      <a:dk2>
-        <a:srgbClr val="158158"/>
-      </a:dk2>
-      <a:lt2>
-        <a:srgbClr val="F3F3F3"/>
-      </a:lt2>
-      <a:accent1>
-        <a:srgbClr val="058DC7"/>
-      </a:accent1>
-      <a:accent2>
-        <a:srgbClr val="50B432"/>
-      </a:accent2>
-      <a:accent3>
-        <a:srgbClr val="ED561B"/>
-      </a:accent3>
-      <a:accent4>
-        <a:srgbClr val="EDEF00"/>
-      </a:accent4>
-      <a:accent5>
-        <a:srgbClr val="24CBE5"/>
-      </a:accent5>
-      <a:accent6>
-        <a:srgbClr val="64E572"/>
-      </a:accent6>
-      <a:hlink>
-        <a:srgbClr val="2200CC"/>
-      </a:hlink>
-      <a:folHlink>
-        <a:srgbClr val="551A8B"/>
-      </a:folHlink>
-    </a:clrScheme>
-    <a:fontScheme name="Office">
-      <a:majorFont>
-        <a:latin typeface="Arial"/>
-        <a:ea typeface=""/>
-        <a:cs typeface=""/>
-        <a:font script="Jpan" typeface="ＭＳ Ｐゴシック"/>
-        <a:font script="Hang" typeface="맑은 고딕"/>
-        <a:font script="Hans" typeface="宋体"/>
-        <a:font script="Hant" typeface="新細明體"/>
-        <a:font script="Arab" typeface="Times New Roman"/>
-        <a:font script="Hebr" typeface="Times New Roman"/>
-        <a:font script="Thai" typeface="Angsana New"/>
-        <a:font script="Ethi" typeface="Nyala"/>
-        <a:font script="Beng" typeface="Vrinda"/>
-        <a:font script="Gujr" typeface="Shruti"/>
-        <a:font script="Khmr" typeface="MoolBoran"/>
-        <a:font script="Knda" typeface="Tunga"/>
-        <a:font script="Guru" typeface="Raavi"/>
-        <a:font script="Cans" typeface="Euphemia"/>
-        <a:font script="Cher" typeface="Plantagenet Cherokee"/>
-        <a:font script="Yiii" typeface="Microsoft Yi Baiti"/>
-        <a:font script="Tibt" typeface="Microsoft Himalaya"/>
-        <a:font script="Thaa" typeface="MV Boli"/>
-        <a:font script="Deva" typeface="Mangal"/>
-        <a:font script="Telu" typeface="Gautami"/>
-        <a:font script="Taml" typeface="Latha"/>
-        <a:font script="Syrc" typeface="Estrangelo Edessa"/>
-        <a:font script="Orya" typeface="Kalinga"/>
-        <a:font script="Mlym" typeface="Kartika"/>
-        <a:font script="Laoo" typeface="DokChampa"/>
-        <a:font script="Sinh" typeface="Iskoola Pota"/>
-        <a:font script="Mong" typeface="Mongolian Baiti"/>
-        <a:font script="Viet" typeface="Times New Roman"/>
-        <a:font script="Uigh" typeface="Microsoft Uighur"/>
-        <a:font script="Geor" typeface="Sylfaen"/>
-      </a:majorFont>
-      <a:minorFont>
-        <a:latin typeface="Arial"/>
-        <a:ea typeface=""/>
-        <a:cs typeface=""/>
-        <a:font script="Jpan" typeface="ＭＳ Ｐゴシック"/>
-        <a:font script="Hang" typeface="맑은 고딕"/>
-        <a:font script="Hans" typeface="宋体"/>
-        <a:font script="Hant" typeface="新細明體"/>
-        <a:font script="Arab" typeface="Arial"/>
-        <a:font script="Hebr" typeface="Arial"/>
-        <a:font script="Thai" typeface="Cordia New"/>
-        <a:font script="Ethi" typeface="Nyala"/>
-        <a:font script="Beng" typeface="Vrinda"/>
-        <a:font script="Gujr" typeface="Shruti"/>
-        <a:font script="Khmr" typeface="DaunPenh"/>
-        <a:font script="Knda" typeface="Tunga"/>
-        <a:font script="Guru" typeface="Raavi"/>
-        <a:font script="Cans" typeface="Euphemia"/>
-        <a:font script="Cher" typeface="Plantagenet Cherokee"/>
-        <a:font script="Yiii" typeface="Microsoft Yi Baiti"/>
-        <a:font script="Tibt" typeface="Microsoft Himalaya"/>
-        <a:font script="Thaa" typeface="MV Boli"/>
-        <a:font script="Deva" typeface="Mangal"/>
-        <a:font script="Telu" typeface="Gautami"/>
-        <a:font script="Taml" typeface="Latha"/>
-        <a:font script="Syrc" typeface="Estrangelo Edessa"/>
-        <a:font script="Orya" typeface="Kalinga"/>
-        <a:font script="Mlym" typeface="Kartika"/>
-        <a:font script="Laoo" typeface="DokChampa"/>
-        <a:font script="Sinh" typeface="Iskoola Pota"/>
-        <a:font script="Mong" typeface="Mongolian Baiti"/>
-        <a:font script="Viet" typeface="Arial"/>
-        <a:font script="Uigh" typeface="Microsoft Uighur"/>
-        <a:font script="Geor" typeface="Sylfaen"/>
-      </a:minorFont>
-    </a:fontScheme>
-    <a:fmtScheme name="Office">
-      <a:fillStyleLst>
-        <a:solidFill>
-          <a:schemeClr val="phClr"/>
-        </a:solidFill>
-        <a:gradFill rotWithShape="1">
-          <a:gsLst>
-            <a:gs pos="0">
-              <a:schemeClr val="phClr">
-                <a:tint val="50000"/>
-                <a:satMod val="300000"/>
-              </a:schemeClr>
-            </a:gs>
-            <a:gs pos="35000">
-              <a:schemeClr val="phClr">
-                <a:tint val="37000"/>
-                <a:satMod val="300000"/>
-              </a:schemeClr>
-            </a:gs>
-            <a:gs pos="100000">
-              <a:schemeClr val="phClr">
-                <a:tint val="15000"/>
-                <a:satMod val="350000"/>
-              </a:schemeClr>
-            </a:gs>
-          </a:gsLst>
-          <a:lin ang="16200000" scaled="1"/>
-        </a:gradFill>
-        <a:gradFill rotWithShape="1">
-          <a:gsLst>
-            <a:gs pos="0">
-              <a:schemeClr val="phClr">
-                <a:tint val="100000"/>
-                <a:shade val="100000"/>
-                <a:satMod val="130000"/>
-              </a:schemeClr>
-            </a:gs>
-            <a:gs pos="100000">
-              <a:schemeClr val="phClr">
-                <a:tint val="50000"/>
-                <a:shade val="100000"/>
-                <a:satMod val="350000"/>
-              </a:schemeClr>
-            </a:gs>
-          </a:gsLst>
-          <a:lin ang="16200000" scaled="0"/>
-        </a:gradFill>
-      </a:fillStyleLst>
-      <a:lnStyleLst>
-        <a:ln w="9525" cap="flat" cmpd="sng" algn="ctr">
-          <a:solidFill>
-            <a:schemeClr val="phClr">
-              <a:shade val="95000"/>
-              <a:satMod val="105000"/>
-            </a:schemeClr>
-          </a:solidFill>
-          <a:prstDash val="solid"/>
-        </a:ln>
-        <a:ln w="25400" cap="flat" cmpd="sng" algn="ctr">
-          <a:solidFill>
-            <a:schemeClr val="phClr"/>
-          </a:solidFill>
-          <a:prstDash val="solid"/>
-        </a:ln>
-        <a:ln w="38100" cap="flat" cmpd="sng" algn="ctr">
-          <a:solidFill>
-            <a:schemeClr val="phClr"/>
-          </a:solidFill>
-          <a:prstDash val="solid"/>
-        </a:ln>
-      </a:lnStyleLst>
-      <a:effectStyleLst>
-        <a:effectStyle>
-          <a:effectLst>
-            <a:outerShdw blurRad="40000" dist="20000" dir="5400000" rotWithShape="0">
-              <a:srgbClr val="000000">
-                <a:alpha val="38000"/>
-              </a:srgbClr>
-            </a:outerShdw>
-          </a:effectLst>
-        </a:effectStyle>
-        <a:effectStyle>
-          <a:effectLst>
-            <a:outerShdw blurRad="40000" dist="23000" dir="5400000" rotWithShape="0">
-              <a:srgbClr val="000000">
-                <a:alpha val="35000"/>
-              </a:srgbClr>
-            </a:outerShdw>
-          </a:effectLst>
-        </a:effectStyle>
-        <a:effectStyle>
-          <a:effectLst>
-            <a:outerShdw blurRad="40000" dist="23000" dir="5400000" rotWithShape="0">
-              <a:srgbClr val="000000">
-                <a:alpha val="35000"/>
-              </a:srgbClr>
-            </a:outerShdw>
-          </a:effectLst>
-          <a:scene3d>
-            <a:camera prst="orthographicFront">
-              <a:rot lat="0" lon="0" rev="0"/>
-            </a:camera>
-            <a:lightRig rig="threePt" dir="t">
-              <a:rot lat="0" lon="0" rev="1200000"/>
-            </a:lightRig>
-          </a:scene3d>
-          <a:sp3d>
-            <a:bevelT w="63500" h="25400"/>
-          </a:sp3d>
-        </a:effectStyle>
-      </a:effectStyleLst>
-      <a:bgFillStyleLst>
-        <a:solidFill>
-          <a:schemeClr val="phClr"/>
-        </a:solidFill>
-        <a:gradFill rotWithShape="1">
-          <a:gsLst>
-            <a:gs pos="0">
-              <a:schemeClr val="phClr">
-                <a:tint val="40000"/>
-                <a:satMod val="350000"/>
-              </a:schemeClr>
-            </a:gs>
-            <a:gs pos="40000">
-              <a:schemeClr val="phClr">
-                <a:tint val="45000"/>
-                <a:shade val="99000"/>
-                <a:satMod val="350000"/>
-              </a:schemeClr>
-            </a:gs>
-            <a:gs pos="100000">
-              <a:schemeClr val="phClr">
-                <a:shade val="20000"/>
-                <a:satMod val="255000"/>
-              </a:schemeClr>
-            </a:gs>
-          </a:gsLst>
-          <a:path path="circle">
-            <a:fillToRect l="50000" t="-80000" r="50000" b="180000"/>
-          </a:path>
-        </a:gradFill>
-        <a:gradFill rotWithShape="1">
-          <a:gsLst>
-            <a:gs pos="0">
-              <a:schemeClr val="phClr">
-                <a:tint val="80000"/>
-                <a:satMod val="300000"/>
-              </a:schemeClr>
-            </a:gs>
-            <a:gs pos="100000">
-              <a:schemeClr val="phClr">
-                <a:shade val="30000"/>
-                <a:satMod val="200000"/>
-              </a:schemeClr>
-            </a:gs>
-          </a:gsLst>
-          <a:path path="circle">
-            <a:fillToRect l="50000" t="50000" r="50000" b="50000"/>
-          </a:path>
-        </a:gradFill>
-      </a:bgFillStyleLst>
-    </a:fmtScheme>
-  </a:themeElements>
-</a:theme>
 </file>